--- a/Instrucciones.pptx
+++ b/Instrucciones.pptx
@@ -10,6 +10,16 @@
     <p:sldId id="259" r:id="rId4"/>
     <p:sldId id="260" r:id="rId5"/>
     <p:sldId id="261" r:id="rId6"/>
+    <p:sldId id="262" r:id="rId7"/>
+    <p:sldId id="263" r:id="rId8"/>
+    <p:sldId id="264" r:id="rId9"/>
+    <p:sldId id="265" r:id="rId10"/>
+    <p:sldId id="266" r:id="rId11"/>
+    <p:sldId id="274" r:id="rId12"/>
+    <p:sldId id="275" r:id="rId13"/>
+    <p:sldId id="272" r:id="rId14"/>
+    <p:sldId id="273" r:id="rId15"/>
+    <p:sldId id="270" r:id="rId16"/>
   </p:sldIdLst>
   <p:sldSz cx="12192000" cy="6858000"/>
   <p:notesSz cx="6858000" cy="9144000"/>
@@ -108,7 +118,60 @@
       </a:defRPr>
     </a:lvl9pPr>
   </p:defaultTextStyle>
+  <p:extLst>
+    <p:ext uri="{EFAFB233-063F-42B5-8137-9DF3F51BA10A}">
+      <p15:sldGuideLst xmlns:p15="http://schemas.microsoft.com/office/powerpoint/2012/main">
+        <p15:guide id="1" orient="horz" pos="2160">
+          <p15:clr>
+            <a:srgbClr val="A4A3A4"/>
+          </p15:clr>
+        </p15:guide>
+        <p15:guide id="2" pos="3840">
+          <p15:clr>
+            <a:srgbClr val="A4A3A4"/>
+          </p15:clr>
+        </p15:guide>
+      </p15:sldGuideLst>
+    </p:ext>
+  </p:extLst>
 </p:presentation>
+</file>
+
+<file path=ppt/commentAuthors.xml><?xml version="1.0" encoding="utf-8"?>
+<p:cmAuthorLst xmlns:a="http://schemas.openxmlformats.org/drawingml/2006/main" xmlns:r="http://schemas.openxmlformats.org/officeDocument/2006/relationships" xmlns:p="http://schemas.openxmlformats.org/presentationml/2006/main">
+  <p:cmAuthor id="1" name="Hrayr Der Hagopian" initials="HDH" lastIdx="8" clrIdx="0">
+    <p:extLst>
+      <p:ext uri="{19B8F6BF-5375-455C-9EA6-DF929625EA0E}">
+        <p15:presenceInfo xmlns:p15="http://schemas.microsoft.com/office/powerpoint/2012/main" userId="de0068a29e4ad4fd" providerId="Windows Live"/>
+      </p:ext>
+    </p:extLst>
+  </p:cmAuthor>
+</p:cmAuthorLst>
+</file>
+
+<file path=ppt/comments/comment1.xml><?xml version="1.0" encoding="utf-8"?>
+<p:cmLst xmlns:a="http://schemas.openxmlformats.org/drawingml/2006/main" xmlns:r="http://schemas.openxmlformats.org/officeDocument/2006/relationships" xmlns:p="http://schemas.openxmlformats.org/presentationml/2006/main">
+  <p:cm authorId="1" dt="2018-02-20T19:25:38.410" idx="6">
+    <p:pos x="83" y="237"/>
+    <p:text>Todos son fila o qué pedo?</p:text>
+    <p:extLst mod="1">
+      <p:ext uri="{C676402C-5697-4E1C-873F-D02D1690AC5C}">
+        <p15:threadingInfo xmlns:p15="http://schemas.microsoft.com/office/powerpoint/2012/main" timeZoneBias="360"/>
+      </p:ext>
+    </p:extLst>
+  </p:cm>
+  <p:cm authorId="1" dt="2018-02-22T19:00:38.529" idx="8">
+    <p:pos x="83" y="333"/>
+    <p:text>¿Pareja u otro jugador?</p:text>
+    <p:extLst>
+      <p:ext uri="{C676402C-5697-4E1C-873F-D02D1690AC5C}">
+        <p15:threadingInfo xmlns:p15="http://schemas.microsoft.com/office/powerpoint/2012/main" timeZoneBias="360">
+          <p15:parentCm authorId="1" idx="6"/>
+        </p15:threadingInfo>
+      </p:ext>
+    </p:extLst>
+  </p:cm>
+</p:cmLst>
 </file>
 
 <file path=ppt/slideLayouts/slideLayout1.xml><?xml version="1.0" encoding="utf-8"?>
@@ -133,7 +196,7 @@
           <p:cNvPr id="2" name="Título 1">
             <a:extLst>
               <a:ext uri="{FF2B5EF4-FFF2-40B4-BE49-F238E27FC236}">
-                <a16:creationId xmlns:a16="http://schemas.microsoft.com/office/drawing/2014/main" xmlns="" id="{07D3DF5D-DCC7-4D26-9FAD-13822EB0145B}"/>
+                <a16:creationId xmlns:a16="http://schemas.microsoft.com/office/drawing/2014/main" id="{07D3DF5D-DCC7-4D26-9FAD-13822EB0145B}"/>
               </a:ext>
             </a:extLst>
           </p:cNvPr>
@@ -171,7 +234,7 @@
           <p:cNvPr id="3" name="Subtítulo 2">
             <a:extLst>
               <a:ext uri="{FF2B5EF4-FFF2-40B4-BE49-F238E27FC236}">
-                <a16:creationId xmlns:a16="http://schemas.microsoft.com/office/drawing/2014/main" xmlns="" id="{87D3131C-99AC-4E84-817C-525B0CD3C350}"/>
+                <a16:creationId xmlns:a16="http://schemas.microsoft.com/office/drawing/2014/main" id="{87D3131C-99AC-4E84-817C-525B0CD3C350}"/>
               </a:ext>
             </a:extLst>
           </p:cNvPr>
@@ -242,7 +305,7 @@
           <p:cNvPr id="4" name="Marcador de fecha 3">
             <a:extLst>
               <a:ext uri="{FF2B5EF4-FFF2-40B4-BE49-F238E27FC236}">
-                <a16:creationId xmlns:a16="http://schemas.microsoft.com/office/drawing/2014/main" xmlns="" id="{3AEFFE1C-549F-44E7-B69E-FE1E6F389755}"/>
+                <a16:creationId xmlns:a16="http://schemas.microsoft.com/office/drawing/2014/main" id="{3AEFFE1C-549F-44E7-B69E-FE1E6F389755}"/>
               </a:ext>
             </a:extLst>
           </p:cNvPr>
@@ -261,7 +324,7 @@
             <a:fld id="{980875C6-B4A5-4D81-9760-C73508CEB9F9}" type="datetimeFigureOut">
               <a:rPr lang="es-MX" smtClean="0"/>
               <a:pPr/>
-              <a:t>19/02/2018</a:t>
+              <a:t>22/02/2018</a:t>
             </a:fld>
             <a:endParaRPr lang="es-MX"/>
           </a:p>
@@ -272,7 +335,7 @@
           <p:cNvPr id="5" name="Marcador de pie de página 4">
             <a:extLst>
               <a:ext uri="{FF2B5EF4-FFF2-40B4-BE49-F238E27FC236}">
-                <a16:creationId xmlns:a16="http://schemas.microsoft.com/office/drawing/2014/main" xmlns="" id="{E8EEFD35-0EA4-4C8D-A4A0-469F4E157B84}"/>
+                <a16:creationId xmlns:a16="http://schemas.microsoft.com/office/drawing/2014/main" id="{E8EEFD35-0EA4-4C8D-A4A0-469F4E157B84}"/>
               </a:ext>
             </a:extLst>
           </p:cNvPr>
@@ -297,7 +360,7 @@
           <p:cNvPr id="6" name="Marcador de número de diapositiva 5">
             <a:extLst>
               <a:ext uri="{FF2B5EF4-FFF2-40B4-BE49-F238E27FC236}">
-                <a16:creationId xmlns:a16="http://schemas.microsoft.com/office/drawing/2014/main" xmlns="" id="{34183B6B-77C4-4CAF-8BEF-2E4095E781F6}"/>
+                <a16:creationId xmlns:a16="http://schemas.microsoft.com/office/drawing/2014/main" id="{34183B6B-77C4-4CAF-8BEF-2E4095E781F6}"/>
               </a:ext>
             </a:extLst>
           </p:cNvPr>
@@ -325,7 +388,7 @@
     </p:spTree>
     <p:extLst>
       <p:ext uri="{BB962C8B-B14F-4D97-AF65-F5344CB8AC3E}">
-        <p14:creationId xmlns:p14="http://schemas.microsoft.com/office/powerpoint/2010/main" xmlns="" val="3684315756"/>
+        <p14:creationId xmlns:p14="http://schemas.microsoft.com/office/powerpoint/2010/main" val="3684315756"/>
       </p:ext>
     </p:extLst>
   </p:cSld>
@@ -357,7 +420,7 @@
           <p:cNvPr id="2" name="Título 1">
             <a:extLst>
               <a:ext uri="{FF2B5EF4-FFF2-40B4-BE49-F238E27FC236}">
-                <a16:creationId xmlns:a16="http://schemas.microsoft.com/office/drawing/2014/main" xmlns="" id="{D340C608-2605-4B41-BC21-57BA754A0967}"/>
+                <a16:creationId xmlns:a16="http://schemas.microsoft.com/office/drawing/2014/main" id="{D340C608-2605-4B41-BC21-57BA754A0967}"/>
               </a:ext>
             </a:extLst>
           </p:cNvPr>
@@ -386,7 +449,7 @@
           <p:cNvPr id="3" name="Marcador de texto vertical 2">
             <a:extLst>
               <a:ext uri="{FF2B5EF4-FFF2-40B4-BE49-F238E27FC236}">
-                <a16:creationId xmlns:a16="http://schemas.microsoft.com/office/drawing/2014/main" xmlns="" id="{BFB0B3D3-37DC-4E1F-ADAC-78AE6D901BFC}"/>
+                <a16:creationId xmlns:a16="http://schemas.microsoft.com/office/drawing/2014/main" id="{BFB0B3D3-37DC-4E1F-ADAC-78AE6D901BFC}"/>
               </a:ext>
             </a:extLst>
           </p:cNvPr>
@@ -444,7 +507,7 @@
           <p:cNvPr id="4" name="Marcador de fecha 3">
             <a:extLst>
               <a:ext uri="{FF2B5EF4-FFF2-40B4-BE49-F238E27FC236}">
-                <a16:creationId xmlns:a16="http://schemas.microsoft.com/office/drawing/2014/main" xmlns="" id="{708AD5BF-1798-489D-8F93-BB307F867F7B}"/>
+                <a16:creationId xmlns:a16="http://schemas.microsoft.com/office/drawing/2014/main" id="{708AD5BF-1798-489D-8F93-BB307F867F7B}"/>
               </a:ext>
             </a:extLst>
           </p:cNvPr>
@@ -463,7 +526,7 @@
             <a:fld id="{980875C6-B4A5-4D81-9760-C73508CEB9F9}" type="datetimeFigureOut">
               <a:rPr lang="es-MX" smtClean="0"/>
               <a:pPr/>
-              <a:t>19/02/2018</a:t>
+              <a:t>22/02/2018</a:t>
             </a:fld>
             <a:endParaRPr lang="es-MX"/>
           </a:p>
@@ -474,7 +537,7 @@
           <p:cNvPr id="5" name="Marcador de pie de página 4">
             <a:extLst>
               <a:ext uri="{FF2B5EF4-FFF2-40B4-BE49-F238E27FC236}">
-                <a16:creationId xmlns:a16="http://schemas.microsoft.com/office/drawing/2014/main" xmlns="" id="{1A3CA815-6D39-4344-B77F-DD18397581AA}"/>
+                <a16:creationId xmlns:a16="http://schemas.microsoft.com/office/drawing/2014/main" id="{1A3CA815-6D39-4344-B77F-DD18397581AA}"/>
               </a:ext>
             </a:extLst>
           </p:cNvPr>
@@ -499,7 +562,7 @@
           <p:cNvPr id="6" name="Marcador de número de diapositiva 5">
             <a:extLst>
               <a:ext uri="{FF2B5EF4-FFF2-40B4-BE49-F238E27FC236}">
-                <a16:creationId xmlns:a16="http://schemas.microsoft.com/office/drawing/2014/main" xmlns="" id="{2F2C97E1-DCDE-40D4-829E-12C6C6484039}"/>
+                <a16:creationId xmlns:a16="http://schemas.microsoft.com/office/drawing/2014/main" id="{2F2C97E1-DCDE-40D4-829E-12C6C6484039}"/>
               </a:ext>
             </a:extLst>
           </p:cNvPr>
@@ -527,7 +590,7 @@
     </p:spTree>
     <p:extLst>
       <p:ext uri="{BB962C8B-B14F-4D97-AF65-F5344CB8AC3E}">
-        <p14:creationId xmlns:p14="http://schemas.microsoft.com/office/powerpoint/2010/main" xmlns="" val="2062456293"/>
+        <p14:creationId xmlns:p14="http://schemas.microsoft.com/office/powerpoint/2010/main" val="2062456293"/>
       </p:ext>
     </p:extLst>
   </p:cSld>
@@ -559,7 +622,7 @@
           <p:cNvPr id="2" name="Título vertical 1">
             <a:extLst>
               <a:ext uri="{FF2B5EF4-FFF2-40B4-BE49-F238E27FC236}">
-                <a16:creationId xmlns:a16="http://schemas.microsoft.com/office/drawing/2014/main" xmlns="" id="{FFFE8E8F-9BF2-492F-A65F-AC4D409F77B5}"/>
+                <a16:creationId xmlns:a16="http://schemas.microsoft.com/office/drawing/2014/main" id="{FFFE8E8F-9BF2-492F-A65F-AC4D409F77B5}"/>
               </a:ext>
             </a:extLst>
           </p:cNvPr>
@@ -593,7 +656,7 @@
           <p:cNvPr id="3" name="Marcador de texto vertical 2">
             <a:extLst>
               <a:ext uri="{FF2B5EF4-FFF2-40B4-BE49-F238E27FC236}">
-                <a16:creationId xmlns:a16="http://schemas.microsoft.com/office/drawing/2014/main" xmlns="" id="{14361FC0-852B-493B-90A7-1E3D7DBFB8B6}"/>
+                <a16:creationId xmlns:a16="http://schemas.microsoft.com/office/drawing/2014/main" id="{14361FC0-852B-493B-90A7-1E3D7DBFB8B6}"/>
               </a:ext>
             </a:extLst>
           </p:cNvPr>
@@ -656,7 +719,7 @@
           <p:cNvPr id="4" name="Marcador de fecha 3">
             <a:extLst>
               <a:ext uri="{FF2B5EF4-FFF2-40B4-BE49-F238E27FC236}">
-                <a16:creationId xmlns:a16="http://schemas.microsoft.com/office/drawing/2014/main" xmlns="" id="{75B71D3B-38FD-47F6-A357-6900BE5A76D7}"/>
+                <a16:creationId xmlns:a16="http://schemas.microsoft.com/office/drawing/2014/main" id="{75B71D3B-38FD-47F6-A357-6900BE5A76D7}"/>
               </a:ext>
             </a:extLst>
           </p:cNvPr>
@@ -675,7 +738,7 @@
             <a:fld id="{980875C6-B4A5-4D81-9760-C73508CEB9F9}" type="datetimeFigureOut">
               <a:rPr lang="es-MX" smtClean="0"/>
               <a:pPr/>
-              <a:t>19/02/2018</a:t>
+              <a:t>22/02/2018</a:t>
             </a:fld>
             <a:endParaRPr lang="es-MX"/>
           </a:p>
@@ -686,7 +749,7 @@
           <p:cNvPr id="5" name="Marcador de pie de página 4">
             <a:extLst>
               <a:ext uri="{FF2B5EF4-FFF2-40B4-BE49-F238E27FC236}">
-                <a16:creationId xmlns:a16="http://schemas.microsoft.com/office/drawing/2014/main" xmlns="" id="{3A214906-D404-41A2-BED8-C6BF4682663C}"/>
+                <a16:creationId xmlns:a16="http://schemas.microsoft.com/office/drawing/2014/main" id="{3A214906-D404-41A2-BED8-C6BF4682663C}"/>
               </a:ext>
             </a:extLst>
           </p:cNvPr>
@@ -711,7 +774,7 @@
           <p:cNvPr id="6" name="Marcador de número de diapositiva 5">
             <a:extLst>
               <a:ext uri="{FF2B5EF4-FFF2-40B4-BE49-F238E27FC236}">
-                <a16:creationId xmlns:a16="http://schemas.microsoft.com/office/drawing/2014/main" xmlns="" id="{34670414-06FA-4B0D-B9E2-F28D1B923E42}"/>
+                <a16:creationId xmlns:a16="http://schemas.microsoft.com/office/drawing/2014/main" id="{34670414-06FA-4B0D-B9E2-F28D1B923E42}"/>
               </a:ext>
             </a:extLst>
           </p:cNvPr>
@@ -739,7 +802,7 @@
     </p:spTree>
     <p:extLst>
       <p:ext uri="{BB962C8B-B14F-4D97-AF65-F5344CB8AC3E}">
-        <p14:creationId xmlns:p14="http://schemas.microsoft.com/office/powerpoint/2010/main" xmlns="" val="354774103"/>
+        <p14:creationId xmlns:p14="http://schemas.microsoft.com/office/powerpoint/2010/main" val="354774103"/>
       </p:ext>
     </p:extLst>
   </p:cSld>
@@ -771,7 +834,7 @@
           <p:cNvPr id="2" name="Título 1">
             <a:extLst>
               <a:ext uri="{FF2B5EF4-FFF2-40B4-BE49-F238E27FC236}">
-                <a16:creationId xmlns:a16="http://schemas.microsoft.com/office/drawing/2014/main" xmlns="" id="{2C15F88B-E8AA-4282-BDD0-2DBA21ACA84B}"/>
+                <a16:creationId xmlns:a16="http://schemas.microsoft.com/office/drawing/2014/main" id="{2C15F88B-E8AA-4282-BDD0-2DBA21ACA84B}"/>
               </a:ext>
             </a:extLst>
           </p:cNvPr>
@@ -800,7 +863,7 @@
           <p:cNvPr id="3" name="Marcador de contenido 2">
             <a:extLst>
               <a:ext uri="{FF2B5EF4-FFF2-40B4-BE49-F238E27FC236}">
-                <a16:creationId xmlns:a16="http://schemas.microsoft.com/office/drawing/2014/main" xmlns="" id="{AEF85C2C-FE5C-4D54-9386-8E575B688A25}"/>
+                <a16:creationId xmlns:a16="http://schemas.microsoft.com/office/drawing/2014/main" id="{AEF85C2C-FE5C-4D54-9386-8E575B688A25}"/>
               </a:ext>
             </a:extLst>
           </p:cNvPr>
@@ -858,7 +921,7 @@
           <p:cNvPr id="4" name="Marcador de fecha 3">
             <a:extLst>
               <a:ext uri="{FF2B5EF4-FFF2-40B4-BE49-F238E27FC236}">
-                <a16:creationId xmlns:a16="http://schemas.microsoft.com/office/drawing/2014/main" xmlns="" id="{8BCBFD30-1005-445F-AE71-6C9B4B704230}"/>
+                <a16:creationId xmlns:a16="http://schemas.microsoft.com/office/drawing/2014/main" id="{8BCBFD30-1005-445F-AE71-6C9B4B704230}"/>
               </a:ext>
             </a:extLst>
           </p:cNvPr>
@@ -877,7 +940,7 @@
             <a:fld id="{980875C6-B4A5-4D81-9760-C73508CEB9F9}" type="datetimeFigureOut">
               <a:rPr lang="es-MX" smtClean="0"/>
               <a:pPr/>
-              <a:t>19/02/2018</a:t>
+              <a:t>22/02/2018</a:t>
             </a:fld>
             <a:endParaRPr lang="es-MX"/>
           </a:p>
@@ -888,7 +951,7 @@
           <p:cNvPr id="5" name="Marcador de pie de página 4">
             <a:extLst>
               <a:ext uri="{FF2B5EF4-FFF2-40B4-BE49-F238E27FC236}">
-                <a16:creationId xmlns:a16="http://schemas.microsoft.com/office/drawing/2014/main" xmlns="" id="{0AC5DE4B-8F4C-4F5A-B881-129D280043D5}"/>
+                <a16:creationId xmlns:a16="http://schemas.microsoft.com/office/drawing/2014/main" id="{0AC5DE4B-8F4C-4F5A-B881-129D280043D5}"/>
               </a:ext>
             </a:extLst>
           </p:cNvPr>
@@ -913,7 +976,7 @@
           <p:cNvPr id="6" name="Marcador de número de diapositiva 5">
             <a:extLst>
               <a:ext uri="{FF2B5EF4-FFF2-40B4-BE49-F238E27FC236}">
-                <a16:creationId xmlns:a16="http://schemas.microsoft.com/office/drawing/2014/main" xmlns="" id="{28FA0F05-C0E4-4C65-A62E-5E2FE583B562}"/>
+                <a16:creationId xmlns:a16="http://schemas.microsoft.com/office/drawing/2014/main" id="{28FA0F05-C0E4-4C65-A62E-5E2FE583B562}"/>
               </a:ext>
             </a:extLst>
           </p:cNvPr>
@@ -941,7 +1004,7 @@
     </p:spTree>
     <p:extLst>
       <p:ext uri="{BB962C8B-B14F-4D97-AF65-F5344CB8AC3E}">
-        <p14:creationId xmlns:p14="http://schemas.microsoft.com/office/powerpoint/2010/main" xmlns="" val="3393108823"/>
+        <p14:creationId xmlns:p14="http://schemas.microsoft.com/office/powerpoint/2010/main" val="3393108823"/>
       </p:ext>
     </p:extLst>
   </p:cSld>
@@ -973,7 +1036,7 @@
           <p:cNvPr id="2" name="Título 1">
             <a:extLst>
               <a:ext uri="{FF2B5EF4-FFF2-40B4-BE49-F238E27FC236}">
-                <a16:creationId xmlns:a16="http://schemas.microsoft.com/office/drawing/2014/main" xmlns="" id="{AC988911-3D7F-46C2-9C17-963466777520}"/>
+                <a16:creationId xmlns:a16="http://schemas.microsoft.com/office/drawing/2014/main" id="{AC988911-3D7F-46C2-9C17-963466777520}"/>
               </a:ext>
             </a:extLst>
           </p:cNvPr>
@@ -1011,7 +1074,7 @@
           <p:cNvPr id="3" name="Marcador de texto 2">
             <a:extLst>
               <a:ext uri="{FF2B5EF4-FFF2-40B4-BE49-F238E27FC236}">
-                <a16:creationId xmlns:a16="http://schemas.microsoft.com/office/drawing/2014/main" xmlns="" id="{71C92610-52B6-4048-A972-4F5ABCE780A2}"/>
+                <a16:creationId xmlns:a16="http://schemas.microsoft.com/office/drawing/2014/main" id="{71C92610-52B6-4048-A972-4F5ABCE780A2}"/>
               </a:ext>
             </a:extLst>
           </p:cNvPr>
@@ -1136,7 +1199,7 @@
           <p:cNvPr id="4" name="Marcador de fecha 3">
             <a:extLst>
               <a:ext uri="{FF2B5EF4-FFF2-40B4-BE49-F238E27FC236}">
-                <a16:creationId xmlns:a16="http://schemas.microsoft.com/office/drawing/2014/main" xmlns="" id="{45518341-91B4-4F71-A9D7-54DDEB6F61AE}"/>
+                <a16:creationId xmlns:a16="http://schemas.microsoft.com/office/drawing/2014/main" id="{45518341-91B4-4F71-A9D7-54DDEB6F61AE}"/>
               </a:ext>
             </a:extLst>
           </p:cNvPr>
@@ -1155,7 +1218,7 @@
             <a:fld id="{980875C6-B4A5-4D81-9760-C73508CEB9F9}" type="datetimeFigureOut">
               <a:rPr lang="es-MX" smtClean="0"/>
               <a:pPr/>
-              <a:t>19/02/2018</a:t>
+              <a:t>22/02/2018</a:t>
             </a:fld>
             <a:endParaRPr lang="es-MX"/>
           </a:p>
@@ -1166,7 +1229,7 @@
           <p:cNvPr id="5" name="Marcador de pie de página 4">
             <a:extLst>
               <a:ext uri="{FF2B5EF4-FFF2-40B4-BE49-F238E27FC236}">
-                <a16:creationId xmlns:a16="http://schemas.microsoft.com/office/drawing/2014/main" xmlns="" id="{E8AF3EA5-FE87-4033-AE52-3B6D3BCC2BCE}"/>
+                <a16:creationId xmlns:a16="http://schemas.microsoft.com/office/drawing/2014/main" id="{E8AF3EA5-FE87-4033-AE52-3B6D3BCC2BCE}"/>
               </a:ext>
             </a:extLst>
           </p:cNvPr>
@@ -1191,7 +1254,7 @@
           <p:cNvPr id="6" name="Marcador de número de diapositiva 5">
             <a:extLst>
               <a:ext uri="{FF2B5EF4-FFF2-40B4-BE49-F238E27FC236}">
-                <a16:creationId xmlns:a16="http://schemas.microsoft.com/office/drawing/2014/main" xmlns="" id="{6CF93613-4077-4CBE-83AA-D9BD5585076C}"/>
+                <a16:creationId xmlns:a16="http://schemas.microsoft.com/office/drawing/2014/main" id="{6CF93613-4077-4CBE-83AA-D9BD5585076C}"/>
               </a:ext>
             </a:extLst>
           </p:cNvPr>
@@ -1219,7 +1282,7 @@
     </p:spTree>
     <p:extLst>
       <p:ext uri="{BB962C8B-B14F-4D97-AF65-F5344CB8AC3E}">
-        <p14:creationId xmlns:p14="http://schemas.microsoft.com/office/powerpoint/2010/main" xmlns="" val="1052822940"/>
+        <p14:creationId xmlns:p14="http://schemas.microsoft.com/office/powerpoint/2010/main" val="1052822940"/>
       </p:ext>
     </p:extLst>
   </p:cSld>
@@ -1251,7 +1314,7 @@
           <p:cNvPr id="2" name="Título 1">
             <a:extLst>
               <a:ext uri="{FF2B5EF4-FFF2-40B4-BE49-F238E27FC236}">
-                <a16:creationId xmlns:a16="http://schemas.microsoft.com/office/drawing/2014/main" xmlns="" id="{E35E1243-C53C-4670-88BD-245624A7CBE1}"/>
+                <a16:creationId xmlns:a16="http://schemas.microsoft.com/office/drawing/2014/main" id="{E35E1243-C53C-4670-88BD-245624A7CBE1}"/>
               </a:ext>
             </a:extLst>
           </p:cNvPr>
@@ -1280,7 +1343,7 @@
           <p:cNvPr id="3" name="Marcador de contenido 2">
             <a:extLst>
               <a:ext uri="{FF2B5EF4-FFF2-40B4-BE49-F238E27FC236}">
-                <a16:creationId xmlns:a16="http://schemas.microsoft.com/office/drawing/2014/main" xmlns="" id="{0D2CE662-5DE7-4863-9941-007C334E42DB}"/>
+                <a16:creationId xmlns:a16="http://schemas.microsoft.com/office/drawing/2014/main" id="{0D2CE662-5DE7-4863-9941-007C334E42DB}"/>
               </a:ext>
             </a:extLst>
           </p:cNvPr>
@@ -1343,7 +1406,7 @@
           <p:cNvPr id="4" name="Marcador de contenido 3">
             <a:extLst>
               <a:ext uri="{FF2B5EF4-FFF2-40B4-BE49-F238E27FC236}">
-                <a16:creationId xmlns:a16="http://schemas.microsoft.com/office/drawing/2014/main" xmlns="" id="{5E4CDE50-D87F-4DCD-8980-8B4BC4ACE31D}"/>
+                <a16:creationId xmlns:a16="http://schemas.microsoft.com/office/drawing/2014/main" id="{5E4CDE50-D87F-4DCD-8980-8B4BC4ACE31D}"/>
               </a:ext>
             </a:extLst>
           </p:cNvPr>
@@ -1406,7 +1469,7 @@
           <p:cNvPr id="5" name="Marcador de fecha 4">
             <a:extLst>
               <a:ext uri="{FF2B5EF4-FFF2-40B4-BE49-F238E27FC236}">
-                <a16:creationId xmlns:a16="http://schemas.microsoft.com/office/drawing/2014/main" xmlns="" id="{79A048B1-A691-4294-BBD6-B0CD75D6BB28}"/>
+                <a16:creationId xmlns:a16="http://schemas.microsoft.com/office/drawing/2014/main" id="{79A048B1-A691-4294-BBD6-B0CD75D6BB28}"/>
               </a:ext>
             </a:extLst>
           </p:cNvPr>
@@ -1425,7 +1488,7 @@
             <a:fld id="{980875C6-B4A5-4D81-9760-C73508CEB9F9}" type="datetimeFigureOut">
               <a:rPr lang="es-MX" smtClean="0"/>
               <a:pPr/>
-              <a:t>19/02/2018</a:t>
+              <a:t>22/02/2018</a:t>
             </a:fld>
             <a:endParaRPr lang="es-MX"/>
           </a:p>
@@ -1436,7 +1499,7 @@
           <p:cNvPr id="6" name="Marcador de pie de página 5">
             <a:extLst>
               <a:ext uri="{FF2B5EF4-FFF2-40B4-BE49-F238E27FC236}">
-                <a16:creationId xmlns:a16="http://schemas.microsoft.com/office/drawing/2014/main" xmlns="" id="{7B40DA24-6235-4EE9-85D7-FFB5C91EBD6D}"/>
+                <a16:creationId xmlns:a16="http://schemas.microsoft.com/office/drawing/2014/main" id="{7B40DA24-6235-4EE9-85D7-FFB5C91EBD6D}"/>
               </a:ext>
             </a:extLst>
           </p:cNvPr>
@@ -1461,7 +1524,7 @@
           <p:cNvPr id="7" name="Marcador de número de diapositiva 6">
             <a:extLst>
               <a:ext uri="{FF2B5EF4-FFF2-40B4-BE49-F238E27FC236}">
-                <a16:creationId xmlns:a16="http://schemas.microsoft.com/office/drawing/2014/main" xmlns="" id="{D8866391-1982-4D8A-ADF7-0BDF37DBE469}"/>
+                <a16:creationId xmlns:a16="http://schemas.microsoft.com/office/drawing/2014/main" id="{D8866391-1982-4D8A-ADF7-0BDF37DBE469}"/>
               </a:ext>
             </a:extLst>
           </p:cNvPr>
@@ -1489,7 +1552,7 @@
     </p:spTree>
     <p:extLst>
       <p:ext uri="{BB962C8B-B14F-4D97-AF65-F5344CB8AC3E}">
-        <p14:creationId xmlns:p14="http://schemas.microsoft.com/office/powerpoint/2010/main" xmlns="" val="4250509812"/>
+        <p14:creationId xmlns:p14="http://schemas.microsoft.com/office/powerpoint/2010/main" val="4250509812"/>
       </p:ext>
     </p:extLst>
   </p:cSld>
@@ -1521,7 +1584,7 @@
           <p:cNvPr id="2" name="Título 1">
             <a:extLst>
               <a:ext uri="{FF2B5EF4-FFF2-40B4-BE49-F238E27FC236}">
-                <a16:creationId xmlns:a16="http://schemas.microsoft.com/office/drawing/2014/main" xmlns="" id="{3D05AD9A-D6AF-45E9-9699-7DF0F7E529AB}"/>
+                <a16:creationId xmlns:a16="http://schemas.microsoft.com/office/drawing/2014/main" id="{3D05AD9A-D6AF-45E9-9699-7DF0F7E529AB}"/>
               </a:ext>
             </a:extLst>
           </p:cNvPr>
@@ -1555,7 +1618,7 @@
           <p:cNvPr id="3" name="Marcador de texto 2">
             <a:extLst>
               <a:ext uri="{FF2B5EF4-FFF2-40B4-BE49-F238E27FC236}">
-                <a16:creationId xmlns:a16="http://schemas.microsoft.com/office/drawing/2014/main" xmlns="" id="{69E6E793-0056-46DA-91A6-7024ABAF2621}"/>
+                <a16:creationId xmlns:a16="http://schemas.microsoft.com/office/drawing/2014/main" id="{69E6E793-0056-46DA-91A6-7024ABAF2621}"/>
               </a:ext>
             </a:extLst>
           </p:cNvPr>
@@ -1626,7 +1689,7 @@
           <p:cNvPr id="4" name="Marcador de contenido 3">
             <a:extLst>
               <a:ext uri="{FF2B5EF4-FFF2-40B4-BE49-F238E27FC236}">
-                <a16:creationId xmlns:a16="http://schemas.microsoft.com/office/drawing/2014/main" xmlns="" id="{53C5BF62-16B9-4DA7-A99B-056A62ADF54B}"/>
+                <a16:creationId xmlns:a16="http://schemas.microsoft.com/office/drawing/2014/main" id="{53C5BF62-16B9-4DA7-A99B-056A62ADF54B}"/>
               </a:ext>
             </a:extLst>
           </p:cNvPr>
@@ -1689,7 +1752,7 @@
           <p:cNvPr id="5" name="Marcador de texto 4">
             <a:extLst>
               <a:ext uri="{FF2B5EF4-FFF2-40B4-BE49-F238E27FC236}">
-                <a16:creationId xmlns:a16="http://schemas.microsoft.com/office/drawing/2014/main" xmlns="" id="{742A02B1-7F66-4E99-A047-57A5E80D43B2}"/>
+                <a16:creationId xmlns:a16="http://schemas.microsoft.com/office/drawing/2014/main" id="{742A02B1-7F66-4E99-A047-57A5E80D43B2}"/>
               </a:ext>
             </a:extLst>
           </p:cNvPr>
@@ -1760,7 +1823,7 @@
           <p:cNvPr id="6" name="Marcador de contenido 5">
             <a:extLst>
               <a:ext uri="{FF2B5EF4-FFF2-40B4-BE49-F238E27FC236}">
-                <a16:creationId xmlns:a16="http://schemas.microsoft.com/office/drawing/2014/main" xmlns="" id="{4C6A109B-C8BD-4F3E-91C2-49FF9E1CC1D3}"/>
+                <a16:creationId xmlns:a16="http://schemas.microsoft.com/office/drawing/2014/main" id="{4C6A109B-C8BD-4F3E-91C2-49FF9E1CC1D3}"/>
               </a:ext>
             </a:extLst>
           </p:cNvPr>
@@ -1823,7 +1886,7 @@
           <p:cNvPr id="7" name="Marcador de fecha 6">
             <a:extLst>
               <a:ext uri="{FF2B5EF4-FFF2-40B4-BE49-F238E27FC236}">
-                <a16:creationId xmlns:a16="http://schemas.microsoft.com/office/drawing/2014/main" xmlns="" id="{BD8806A5-BB46-40E9-9EB4-BF9AE7466E8F}"/>
+                <a16:creationId xmlns:a16="http://schemas.microsoft.com/office/drawing/2014/main" id="{BD8806A5-BB46-40E9-9EB4-BF9AE7466E8F}"/>
               </a:ext>
             </a:extLst>
           </p:cNvPr>
@@ -1842,7 +1905,7 @@
             <a:fld id="{980875C6-B4A5-4D81-9760-C73508CEB9F9}" type="datetimeFigureOut">
               <a:rPr lang="es-MX" smtClean="0"/>
               <a:pPr/>
-              <a:t>19/02/2018</a:t>
+              <a:t>22/02/2018</a:t>
             </a:fld>
             <a:endParaRPr lang="es-MX"/>
           </a:p>
@@ -1853,7 +1916,7 @@
           <p:cNvPr id="8" name="Marcador de pie de página 7">
             <a:extLst>
               <a:ext uri="{FF2B5EF4-FFF2-40B4-BE49-F238E27FC236}">
-                <a16:creationId xmlns:a16="http://schemas.microsoft.com/office/drawing/2014/main" xmlns="" id="{CE26CC60-01EF-4964-8094-D3BB796F6CEF}"/>
+                <a16:creationId xmlns:a16="http://schemas.microsoft.com/office/drawing/2014/main" id="{CE26CC60-01EF-4964-8094-D3BB796F6CEF}"/>
               </a:ext>
             </a:extLst>
           </p:cNvPr>
@@ -1878,7 +1941,7 @@
           <p:cNvPr id="9" name="Marcador de número de diapositiva 8">
             <a:extLst>
               <a:ext uri="{FF2B5EF4-FFF2-40B4-BE49-F238E27FC236}">
-                <a16:creationId xmlns:a16="http://schemas.microsoft.com/office/drawing/2014/main" xmlns="" id="{1F42CEEB-E2CF-4005-BD76-39D2314BB153}"/>
+                <a16:creationId xmlns:a16="http://schemas.microsoft.com/office/drawing/2014/main" id="{1F42CEEB-E2CF-4005-BD76-39D2314BB153}"/>
               </a:ext>
             </a:extLst>
           </p:cNvPr>
@@ -1906,7 +1969,7 @@
     </p:spTree>
     <p:extLst>
       <p:ext uri="{BB962C8B-B14F-4D97-AF65-F5344CB8AC3E}">
-        <p14:creationId xmlns:p14="http://schemas.microsoft.com/office/powerpoint/2010/main" xmlns="" val="1730880608"/>
+        <p14:creationId xmlns:p14="http://schemas.microsoft.com/office/powerpoint/2010/main" val="1730880608"/>
       </p:ext>
     </p:extLst>
   </p:cSld>
@@ -1938,7 +2001,7 @@
           <p:cNvPr id="2" name="Título 1">
             <a:extLst>
               <a:ext uri="{FF2B5EF4-FFF2-40B4-BE49-F238E27FC236}">
-                <a16:creationId xmlns:a16="http://schemas.microsoft.com/office/drawing/2014/main" xmlns="" id="{31948B2D-BBA2-4EEF-8315-D51C6695DCD9}"/>
+                <a16:creationId xmlns:a16="http://schemas.microsoft.com/office/drawing/2014/main" id="{31948B2D-BBA2-4EEF-8315-D51C6695DCD9}"/>
               </a:ext>
             </a:extLst>
           </p:cNvPr>
@@ -1967,7 +2030,7 @@
           <p:cNvPr id="3" name="Marcador de fecha 2">
             <a:extLst>
               <a:ext uri="{FF2B5EF4-FFF2-40B4-BE49-F238E27FC236}">
-                <a16:creationId xmlns:a16="http://schemas.microsoft.com/office/drawing/2014/main" xmlns="" id="{342F9E76-A264-4F44-AFC3-CAB74485049C}"/>
+                <a16:creationId xmlns:a16="http://schemas.microsoft.com/office/drawing/2014/main" id="{342F9E76-A264-4F44-AFC3-CAB74485049C}"/>
               </a:ext>
             </a:extLst>
           </p:cNvPr>
@@ -1986,7 +2049,7 @@
             <a:fld id="{980875C6-B4A5-4D81-9760-C73508CEB9F9}" type="datetimeFigureOut">
               <a:rPr lang="es-MX" smtClean="0"/>
               <a:pPr/>
-              <a:t>19/02/2018</a:t>
+              <a:t>22/02/2018</a:t>
             </a:fld>
             <a:endParaRPr lang="es-MX"/>
           </a:p>
@@ -1997,7 +2060,7 @@
           <p:cNvPr id="4" name="Marcador de pie de página 3">
             <a:extLst>
               <a:ext uri="{FF2B5EF4-FFF2-40B4-BE49-F238E27FC236}">
-                <a16:creationId xmlns:a16="http://schemas.microsoft.com/office/drawing/2014/main" xmlns="" id="{CEB6E3F7-4610-4380-A932-BE860D2DC71E}"/>
+                <a16:creationId xmlns:a16="http://schemas.microsoft.com/office/drawing/2014/main" id="{CEB6E3F7-4610-4380-A932-BE860D2DC71E}"/>
               </a:ext>
             </a:extLst>
           </p:cNvPr>
@@ -2022,7 +2085,7 @@
           <p:cNvPr id="5" name="Marcador de número de diapositiva 4">
             <a:extLst>
               <a:ext uri="{FF2B5EF4-FFF2-40B4-BE49-F238E27FC236}">
-                <a16:creationId xmlns:a16="http://schemas.microsoft.com/office/drawing/2014/main" xmlns="" id="{20CCD21A-00D8-4BD4-940B-0196998C16BF}"/>
+                <a16:creationId xmlns:a16="http://schemas.microsoft.com/office/drawing/2014/main" id="{20CCD21A-00D8-4BD4-940B-0196998C16BF}"/>
               </a:ext>
             </a:extLst>
           </p:cNvPr>
@@ -2050,7 +2113,7 @@
     </p:spTree>
     <p:extLst>
       <p:ext uri="{BB962C8B-B14F-4D97-AF65-F5344CB8AC3E}">
-        <p14:creationId xmlns:p14="http://schemas.microsoft.com/office/powerpoint/2010/main" xmlns="" val="2590318196"/>
+        <p14:creationId xmlns:p14="http://schemas.microsoft.com/office/powerpoint/2010/main" val="2590318196"/>
       </p:ext>
     </p:extLst>
   </p:cSld>
@@ -2082,7 +2145,7 @@
           <p:cNvPr id="2" name="Marcador de fecha 1">
             <a:extLst>
               <a:ext uri="{FF2B5EF4-FFF2-40B4-BE49-F238E27FC236}">
-                <a16:creationId xmlns:a16="http://schemas.microsoft.com/office/drawing/2014/main" xmlns="" id="{4C15A1E1-8793-453A-8787-5E0301219A2E}"/>
+                <a16:creationId xmlns:a16="http://schemas.microsoft.com/office/drawing/2014/main" id="{4C15A1E1-8793-453A-8787-5E0301219A2E}"/>
               </a:ext>
             </a:extLst>
           </p:cNvPr>
@@ -2101,7 +2164,7 @@
             <a:fld id="{980875C6-B4A5-4D81-9760-C73508CEB9F9}" type="datetimeFigureOut">
               <a:rPr lang="es-MX" smtClean="0"/>
               <a:pPr/>
-              <a:t>19/02/2018</a:t>
+              <a:t>22/02/2018</a:t>
             </a:fld>
             <a:endParaRPr lang="es-MX"/>
           </a:p>
@@ -2112,7 +2175,7 @@
           <p:cNvPr id="3" name="Marcador de pie de página 2">
             <a:extLst>
               <a:ext uri="{FF2B5EF4-FFF2-40B4-BE49-F238E27FC236}">
-                <a16:creationId xmlns:a16="http://schemas.microsoft.com/office/drawing/2014/main" xmlns="" id="{E5CE6BA9-0EF2-4D15-AFC6-0D8AA73002D8}"/>
+                <a16:creationId xmlns:a16="http://schemas.microsoft.com/office/drawing/2014/main" id="{E5CE6BA9-0EF2-4D15-AFC6-0D8AA73002D8}"/>
               </a:ext>
             </a:extLst>
           </p:cNvPr>
@@ -2137,7 +2200,7 @@
           <p:cNvPr id="4" name="Marcador de número de diapositiva 3">
             <a:extLst>
               <a:ext uri="{FF2B5EF4-FFF2-40B4-BE49-F238E27FC236}">
-                <a16:creationId xmlns:a16="http://schemas.microsoft.com/office/drawing/2014/main" xmlns="" id="{D24C5575-3FFB-471B-874C-3D1CF12AAA75}"/>
+                <a16:creationId xmlns:a16="http://schemas.microsoft.com/office/drawing/2014/main" id="{D24C5575-3FFB-471B-874C-3D1CF12AAA75}"/>
               </a:ext>
             </a:extLst>
           </p:cNvPr>
@@ -2165,7 +2228,7 @@
     </p:spTree>
     <p:extLst>
       <p:ext uri="{BB962C8B-B14F-4D97-AF65-F5344CB8AC3E}">
-        <p14:creationId xmlns:p14="http://schemas.microsoft.com/office/powerpoint/2010/main" xmlns="" val="2681110604"/>
+        <p14:creationId xmlns:p14="http://schemas.microsoft.com/office/powerpoint/2010/main" val="2681110604"/>
       </p:ext>
     </p:extLst>
   </p:cSld>
@@ -2197,7 +2260,7 @@
           <p:cNvPr id="2" name="Título 1">
             <a:extLst>
               <a:ext uri="{FF2B5EF4-FFF2-40B4-BE49-F238E27FC236}">
-                <a16:creationId xmlns:a16="http://schemas.microsoft.com/office/drawing/2014/main" xmlns="" id="{703DD908-CBAF-41C9-962F-67EC46AD03CB}"/>
+                <a16:creationId xmlns:a16="http://schemas.microsoft.com/office/drawing/2014/main" id="{703DD908-CBAF-41C9-962F-67EC46AD03CB}"/>
               </a:ext>
             </a:extLst>
           </p:cNvPr>
@@ -2235,7 +2298,7 @@
           <p:cNvPr id="3" name="Marcador de contenido 2">
             <a:extLst>
               <a:ext uri="{FF2B5EF4-FFF2-40B4-BE49-F238E27FC236}">
-                <a16:creationId xmlns:a16="http://schemas.microsoft.com/office/drawing/2014/main" xmlns="" id="{3EEB6348-C6FA-4C70-8E20-4899CBDD2271}"/>
+                <a16:creationId xmlns:a16="http://schemas.microsoft.com/office/drawing/2014/main" id="{3EEB6348-C6FA-4C70-8E20-4899CBDD2271}"/>
               </a:ext>
             </a:extLst>
           </p:cNvPr>
@@ -2326,7 +2389,7 @@
           <p:cNvPr id="4" name="Marcador de texto 3">
             <a:extLst>
               <a:ext uri="{FF2B5EF4-FFF2-40B4-BE49-F238E27FC236}">
-                <a16:creationId xmlns:a16="http://schemas.microsoft.com/office/drawing/2014/main" xmlns="" id="{2D0BB20E-A6B1-4D87-8990-DEA7171AA294}"/>
+                <a16:creationId xmlns:a16="http://schemas.microsoft.com/office/drawing/2014/main" id="{2D0BB20E-A6B1-4D87-8990-DEA7171AA294}"/>
               </a:ext>
             </a:extLst>
           </p:cNvPr>
@@ -2397,7 +2460,7 @@
           <p:cNvPr id="5" name="Marcador de fecha 4">
             <a:extLst>
               <a:ext uri="{FF2B5EF4-FFF2-40B4-BE49-F238E27FC236}">
-                <a16:creationId xmlns:a16="http://schemas.microsoft.com/office/drawing/2014/main" xmlns="" id="{87711E79-2754-41EB-895A-3465D6CFB0EC}"/>
+                <a16:creationId xmlns:a16="http://schemas.microsoft.com/office/drawing/2014/main" id="{87711E79-2754-41EB-895A-3465D6CFB0EC}"/>
               </a:ext>
             </a:extLst>
           </p:cNvPr>
@@ -2416,7 +2479,7 @@
             <a:fld id="{980875C6-B4A5-4D81-9760-C73508CEB9F9}" type="datetimeFigureOut">
               <a:rPr lang="es-MX" smtClean="0"/>
               <a:pPr/>
-              <a:t>19/02/2018</a:t>
+              <a:t>22/02/2018</a:t>
             </a:fld>
             <a:endParaRPr lang="es-MX"/>
           </a:p>
@@ -2427,7 +2490,7 @@
           <p:cNvPr id="6" name="Marcador de pie de página 5">
             <a:extLst>
               <a:ext uri="{FF2B5EF4-FFF2-40B4-BE49-F238E27FC236}">
-                <a16:creationId xmlns:a16="http://schemas.microsoft.com/office/drawing/2014/main" xmlns="" id="{A7729C4D-2C4D-4A96-941B-7EFB04DF4705}"/>
+                <a16:creationId xmlns:a16="http://schemas.microsoft.com/office/drawing/2014/main" id="{A7729C4D-2C4D-4A96-941B-7EFB04DF4705}"/>
               </a:ext>
             </a:extLst>
           </p:cNvPr>
@@ -2452,7 +2515,7 @@
           <p:cNvPr id="7" name="Marcador de número de diapositiva 6">
             <a:extLst>
               <a:ext uri="{FF2B5EF4-FFF2-40B4-BE49-F238E27FC236}">
-                <a16:creationId xmlns:a16="http://schemas.microsoft.com/office/drawing/2014/main" xmlns="" id="{E0798DA0-1EE3-4A20-B798-2B892AF7C7E2}"/>
+                <a16:creationId xmlns:a16="http://schemas.microsoft.com/office/drawing/2014/main" id="{E0798DA0-1EE3-4A20-B798-2B892AF7C7E2}"/>
               </a:ext>
             </a:extLst>
           </p:cNvPr>
@@ -2480,7 +2543,7 @@
     </p:spTree>
     <p:extLst>
       <p:ext uri="{BB962C8B-B14F-4D97-AF65-F5344CB8AC3E}">
-        <p14:creationId xmlns:p14="http://schemas.microsoft.com/office/powerpoint/2010/main" xmlns="" val="977312100"/>
+        <p14:creationId xmlns:p14="http://schemas.microsoft.com/office/powerpoint/2010/main" val="977312100"/>
       </p:ext>
     </p:extLst>
   </p:cSld>
@@ -2512,7 +2575,7 @@
           <p:cNvPr id="2" name="Título 1">
             <a:extLst>
               <a:ext uri="{FF2B5EF4-FFF2-40B4-BE49-F238E27FC236}">
-                <a16:creationId xmlns:a16="http://schemas.microsoft.com/office/drawing/2014/main" xmlns="" id="{D2A6FEE3-2E08-4A92-AD17-46E1DE3ABA12}"/>
+                <a16:creationId xmlns:a16="http://schemas.microsoft.com/office/drawing/2014/main" id="{D2A6FEE3-2E08-4A92-AD17-46E1DE3ABA12}"/>
               </a:ext>
             </a:extLst>
           </p:cNvPr>
@@ -2550,7 +2613,7 @@
           <p:cNvPr id="3" name="Marcador de posición de imagen 2">
             <a:extLst>
               <a:ext uri="{FF2B5EF4-FFF2-40B4-BE49-F238E27FC236}">
-                <a16:creationId xmlns:a16="http://schemas.microsoft.com/office/drawing/2014/main" xmlns="" id="{B8EF229C-6CAF-4150-BF46-F7D93EC96ABD}"/>
+                <a16:creationId xmlns:a16="http://schemas.microsoft.com/office/drawing/2014/main" id="{B8EF229C-6CAF-4150-BF46-F7D93EC96ABD}"/>
               </a:ext>
             </a:extLst>
           </p:cNvPr>
@@ -2617,7 +2680,7 @@
           <p:cNvPr id="4" name="Marcador de texto 3">
             <a:extLst>
               <a:ext uri="{FF2B5EF4-FFF2-40B4-BE49-F238E27FC236}">
-                <a16:creationId xmlns:a16="http://schemas.microsoft.com/office/drawing/2014/main" xmlns="" id="{390D25F8-6CBC-4E87-91BE-0614D2723812}"/>
+                <a16:creationId xmlns:a16="http://schemas.microsoft.com/office/drawing/2014/main" id="{390D25F8-6CBC-4E87-91BE-0614D2723812}"/>
               </a:ext>
             </a:extLst>
           </p:cNvPr>
@@ -2688,7 +2751,7 @@
           <p:cNvPr id="5" name="Marcador de fecha 4">
             <a:extLst>
               <a:ext uri="{FF2B5EF4-FFF2-40B4-BE49-F238E27FC236}">
-                <a16:creationId xmlns:a16="http://schemas.microsoft.com/office/drawing/2014/main" xmlns="" id="{AF57DD36-6D17-4CFD-93D2-904BFBF74542}"/>
+                <a16:creationId xmlns:a16="http://schemas.microsoft.com/office/drawing/2014/main" id="{AF57DD36-6D17-4CFD-93D2-904BFBF74542}"/>
               </a:ext>
             </a:extLst>
           </p:cNvPr>
@@ -2707,7 +2770,7 @@
             <a:fld id="{980875C6-B4A5-4D81-9760-C73508CEB9F9}" type="datetimeFigureOut">
               <a:rPr lang="es-MX" smtClean="0"/>
               <a:pPr/>
-              <a:t>19/02/2018</a:t>
+              <a:t>22/02/2018</a:t>
             </a:fld>
             <a:endParaRPr lang="es-MX"/>
           </a:p>
@@ -2718,7 +2781,7 @@
           <p:cNvPr id="6" name="Marcador de pie de página 5">
             <a:extLst>
               <a:ext uri="{FF2B5EF4-FFF2-40B4-BE49-F238E27FC236}">
-                <a16:creationId xmlns:a16="http://schemas.microsoft.com/office/drawing/2014/main" xmlns="" id="{E884D361-ABAF-4C20-8CBF-DF0AF1890F5F}"/>
+                <a16:creationId xmlns:a16="http://schemas.microsoft.com/office/drawing/2014/main" id="{E884D361-ABAF-4C20-8CBF-DF0AF1890F5F}"/>
               </a:ext>
             </a:extLst>
           </p:cNvPr>
@@ -2743,7 +2806,7 @@
           <p:cNvPr id="7" name="Marcador de número de diapositiva 6">
             <a:extLst>
               <a:ext uri="{FF2B5EF4-FFF2-40B4-BE49-F238E27FC236}">
-                <a16:creationId xmlns:a16="http://schemas.microsoft.com/office/drawing/2014/main" xmlns="" id="{D5080428-FAA2-40DF-99AB-63F973C6568D}"/>
+                <a16:creationId xmlns:a16="http://schemas.microsoft.com/office/drawing/2014/main" id="{D5080428-FAA2-40DF-99AB-63F973C6568D}"/>
               </a:ext>
             </a:extLst>
           </p:cNvPr>
@@ -2771,7 +2834,7 @@
     </p:spTree>
     <p:extLst>
       <p:ext uri="{BB962C8B-B14F-4D97-AF65-F5344CB8AC3E}">
-        <p14:creationId xmlns:p14="http://schemas.microsoft.com/office/powerpoint/2010/main" xmlns="" val="1682821085"/>
+        <p14:creationId xmlns:p14="http://schemas.microsoft.com/office/powerpoint/2010/main" val="1682821085"/>
       </p:ext>
     </p:extLst>
   </p:cSld>
@@ -2808,7 +2871,7 @@
           <p:cNvPr id="2" name="Marcador de título 1">
             <a:extLst>
               <a:ext uri="{FF2B5EF4-FFF2-40B4-BE49-F238E27FC236}">
-                <a16:creationId xmlns:a16="http://schemas.microsoft.com/office/drawing/2014/main" xmlns="" id="{C7FC9084-1294-4B3D-8112-A7FA2AF22B25}"/>
+                <a16:creationId xmlns:a16="http://schemas.microsoft.com/office/drawing/2014/main" id="{C7FC9084-1294-4B3D-8112-A7FA2AF22B25}"/>
               </a:ext>
             </a:extLst>
           </p:cNvPr>
@@ -2847,7 +2910,7 @@
           <p:cNvPr id="3" name="Marcador de texto 2">
             <a:extLst>
               <a:ext uri="{FF2B5EF4-FFF2-40B4-BE49-F238E27FC236}">
-                <a16:creationId xmlns:a16="http://schemas.microsoft.com/office/drawing/2014/main" xmlns="" id="{23FBF8CA-BC0E-4EE1-BB86-1B538DC41A62}"/>
+                <a16:creationId xmlns:a16="http://schemas.microsoft.com/office/drawing/2014/main" id="{23FBF8CA-BC0E-4EE1-BB86-1B538DC41A62}"/>
               </a:ext>
             </a:extLst>
           </p:cNvPr>
@@ -2915,7 +2978,7 @@
           <p:cNvPr id="4" name="Marcador de fecha 3">
             <a:extLst>
               <a:ext uri="{FF2B5EF4-FFF2-40B4-BE49-F238E27FC236}">
-                <a16:creationId xmlns:a16="http://schemas.microsoft.com/office/drawing/2014/main" xmlns="" id="{D4336AD5-365D-4CC6-8BF7-0C1AC1CA05D1}"/>
+                <a16:creationId xmlns:a16="http://schemas.microsoft.com/office/drawing/2014/main" id="{D4336AD5-365D-4CC6-8BF7-0C1AC1CA05D1}"/>
               </a:ext>
             </a:extLst>
           </p:cNvPr>
@@ -2952,7 +3015,7 @@
             <a:fld id="{980875C6-B4A5-4D81-9760-C73508CEB9F9}" type="datetimeFigureOut">
               <a:rPr lang="es-MX" smtClean="0"/>
               <a:pPr/>
-              <a:t>19/02/2018</a:t>
+              <a:t>22/02/2018</a:t>
             </a:fld>
             <a:endParaRPr lang="es-MX"/>
           </a:p>
@@ -2963,7 +3026,7 @@
           <p:cNvPr id="5" name="Marcador de pie de página 4">
             <a:extLst>
               <a:ext uri="{FF2B5EF4-FFF2-40B4-BE49-F238E27FC236}">
-                <a16:creationId xmlns:a16="http://schemas.microsoft.com/office/drawing/2014/main" xmlns="" id="{1E35AEDF-736D-47F5-ACFB-6EC289CB68F6}"/>
+                <a16:creationId xmlns:a16="http://schemas.microsoft.com/office/drawing/2014/main" id="{1E35AEDF-736D-47F5-ACFB-6EC289CB68F6}"/>
               </a:ext>
             </a:extLst>
           </p:cNvPr>
@@ -3006,7 +3069,7 @@
           <p:cNvPr id="6" name="Marcador de número de diapositiva 5">
             <a:extLst>
               <a:ext uri="{FF2B5EF4-FFF2-40B4-BE49-F238E27FC236}">
-                <a16:creationId xmlns:a16="http://schemas.microsoft.com/office/drawing/2014/main" xmlns="" id="{A3D6F79C-8AA8-493A-99D6-4D44A137E74D}"/>
+                <a16:creationId xmlns:a16="http://schemas.microsoft.com/office/drawing/2014/main" id="{A3D6F79C-8AA8-493A-99D6-4D44A137E74D}"/>
               </a:ext>
             </a:extLst>
           </p:cNvPr>
@@ -3052,7 +3115,7 @@
     </p:spTree>
     <p:extLst>
       <p:ext uri="{BB962C8B-B14F-4D97-AF65-F5344CB8AC3E}">
-        <p14:creationId xmlns:p14="http://schemas.microsoft.com/office/powerpoint/2010/main" xmlns="" val="3488772372"/>
+        <p14:creationId xmlns:p14="http://schemas.microsoft.com/office/powerpoint/2010/main" val="3488772372"/>
       </p:ext>
     </p:extLst>
   </p:cSld>
@@ -3375,7 +3438,7 @@
           <p:cNvPr id="5" name="Imagen 4">
             <a:extLst>
               <a:ext uri="{FF2B5EF4-FFF2-40B4-BE49-F238E27FC236}">
-                <a16:creationId xmlns:a16="http://schemas.microsoft.com/office/drawing/2014/main" xmlns="" id="{C4521FFD-4102-4574-9A44-C8FA96483E28}"/>
+                <a16:creationId xmlns:a16="http://schemas.microsoft.com/office/drawing/2014/main" id="{C4521FFD-4102-4574-9A44-C8FA96483E28}"/>
               </a:ext>
             </a:extLst>
           </p:cNvPr>
@@ -3405,7 +3468,7 @@
           <p:cNvPr id="6" name="Imagen 5">
             <a:extLst>
               <a:ext uri="{FF2B5EF4-FFF2-40B4-BE49-F238E27FC236}">
-                <a16:creationId xmlns:a16="http://schemas.microsoft.com/office/drawing/2014/main" xmlns="" id="{5F67A330-48B4-4B15-BE1E-2B45CAFBD799}"/>
+                <a16:creationId xmlns:a16="http://schemas.microsoft.com/office/drawing/2014/main" id="{5F67A330-48B4-4B15-BE1E-2B45CAFBD799}"/>
               </a:ext>
             </a:extLst>
           </p:cNvPr>
@@ -3435,7 +3498,7 @@
           <p:cNvPr id="7" name="CuadroTexto 6">
             <a:extLst>
               <a:ext uri="{FF2B5EF4-FFF2-40B4-BE49-F238E27FC236}">
-                <a16:creationId xmlns:a16="http://schemas.microsoft.com/office/drawing/2014/main" xmlns="" id="{BE30CC2F-E7B2-4B8D-B493-E57D7B57A4D2}"/>
+                <a16:creationId xmlns:a16="http://schemas.microsoft.com/office/drawing/2014/main" id="{BE30CC2F-E7B2-4B8D-B493-E57D7B57A4D2}"/>
               </a:ext>
             </a:extLst>
           </p:cNvPr>
@@ -3461,15 +3524,7 @@
             <a:pPr algn="ctr"/>
             <a:r>
               <a:rPr lang="es-MX" sz="4000" dirty="0"/>
-              <a:t>¡</a:t>
-            </a:r>
-            <a:r>
-              <a:rPr lang="es-MX" sz="4000" dirty="0" err="1"/>
-              <a:t>Bienvenidx</a:t>
-            </a:r>
-            <a:r>
-              <a:rPr lang="es-MX" sz="4000" dirty="0"/>
-              <a:t>!</a:t>
+              <a:t>¡Bienvenida(o)!</a:t>
             </a:r>
           </a:p>
         </p:txBody>
@@ -3479,7 +3534,7 @@
           <p:cNvPr id="8" name="CuadroTexto 7">
             <a:extLst>
               <a:ext uri="{FF2B5EF4-FFF2-40B4-BE49-F238E27FC236}">
-                <a16:creationId xmlns:a16="http://schemas.microsoft.com/office/drawing/2014/main" xmlns="" id="{95BC8278-24F0-430A-80DA-B5AD1D6DE4E2}"/>
+                <a16:creationId xmlns:a16="http://schemas.microsoft.com/office/drawing/2014/main" id="{95BC8278-24F0-430A-80DA-B5AD1D6DE4E2}"/>
               </a:ext>
             </a:extLst>
           </p:cNvPr>
@@ -3505,7 +3560,7 @@
             <a:pPr algn="just"/>
             <a:r>
               <a:rPr lang="es-MX" dirty="0"/>
-              <a:t>Agradecemos tu participación en este experimento. En las siguientes diapositivas se te explicará qué tienes que hacer. Por favor lee con mucho cuidado las instrucciones. Si tienes alguna duda, pregúntale a alguno de nuestros experimentadores y con mucho gusto te atenderá. </a:t>
+              <a:t>Agradecemos tu participación en este experimento. En las siguientes diapositivas se te explicará qué tienes que hacer. Por favor lee con mucho cuidado las instrucciones. Si tienes alguna duda, pregúntale a cualquiera de nuestros experimentadores y con mucho gusto te atenderá. </a:t>
             </a:r>
           </a:p>
         </p:txBody>
@@ -3515,7 +3570,7 @@
           <p:cNvPr id="9" name="Imagen 8">
             <a:extLst>
               <a:ext uri="{FF2B5EF4-FFF2-40B4-BE49-F238E27FC236}">
-                <a16:creationId xmlns:a16="http://schemas.microsoft.com/office/drawing/2014/main" xmlns="" id="{4206694F-9A70-4019-AC56-AEB6AD04BCED}"/>
+                <a16:creationId xmlns:a16="http://schemas.microsoft.com/office/drawing/2014/main" id="{4206694F-9A70-4019-AC56-AEB6AD04BCED}"/>
               </a:ext>
             </a:extLst>
           </p:cNvPr>
@@ -3543,7 +3598,1587 @@
     </p:spTree>
     <p:extLst>
       <p:ext uri="{BB962C8B-B14F-4D97-AF65-F5344CB8AC3E}">
-        <p14:creationId xmlns:p14="http://schemas.microsoft.com/office/powerpoint/2010/main" xmlns="" val="3708478747"/>
+        <p14:creationId xmlns:p14="http://schemas.microsoft.com/office/powerpoint/2010/main" val="3708478747"/>
+      </p:ext>
+    </p:extLst>
+  </p:cSld>
+  <p:clrMapOvr>
+    <a:masterClrMapping/>
+  </p:clrMapOvr>
+</p:sld>
+</file>
+
+<file path=ppt/slides/slide10.xml><?xml version="1.0" encoding="utf-8"?>
+<p:sld xmlns:a="http://schemas.openxmlformats.org/drawingml/2006/main" xmlns:r="http://schemas.openxmlformats.org/officeDocument/2006/relationships" xmlns:p="http://schemas.openxmlformats.org/presentationml/2006/main">
+  <p:cSld>
+    <p:spTree>
+      <p:nvGrpSpPr>
+        <p:cNvPr id="1" name=""/>
+        <p:cNvGrpSpPr/>
+        <p:nvPr/>
+      </p:nvGrpSpPr>
+      <p:grpSpPr>
+        <a:xfrm>
+          <a:off x="0" y="0"/>
+          <a:ext cx="0" cy="0"/>
+          <a:chOff x="0" y="0"/>
+          <a:chExt cx="0" cy="0"/>
+        </a:xfrm>
+      </p:grpSpPr>
+      <p:sp>
+        <p:nvSpPr>
+          <p:cNvPr id="2" name="Título 1">
+            <a:extLst>
+              <a:ext uri="{FF2B5EF4-FFF2-40B4-BE49-F238E27FC236}">
+                <a16:creationId xmlns:a16="http://schemas.microsoft.com/office/drawing/2014/main" id="{41309B6B-B8B2-4C37-9A2D-C351EBE4A892}"/>
+              </a:ext>
+            </a:extLst>
+          </p:cNvPr>
+          <p:cNvSpPr>
+            <a:spLocks noGrp="1"/>
+          </p:cNvSpPr>
+          <p:nvPr>
+            <p:ph type="title"/>
+          </p:nvPr>
+        </p:nvSpPr>
+        <p:spPr/>
+        <p:txBody>
+          <a:bodyPr/>
+          <a:lstStyle/>
+          <a:p>
+            <a:pPr algn="ctr"/>
+            <a:r>
+              <a:rPr lang="es-MX" dirty="0"/>
+              <a:t>Pantalla antes del Juego Experimental</a:t>
+            </a:r>
+          </a:p>
+        </p:txBody>
+      </p:sp>
+      <p:sp>
+        <p:nvSpPr>
+          <p:cNvPr id="3" name="Marcador de contenido 2">
+            <a:extLst>
+              <a:ext uri="{FF2B5EF4-FFF2-40B4-BE49-F238E27FC236}">
+                <a16:creationId xmlns:a16="http://schemas.microsoft.com/office/drawing/2014/main" id="{6A1F2C1F-801D-4208-831B-771AB0C1AA4E}"/>
+              </a:ext>
+            </a:extLst>
+          </p:cNvPr>
+          <p:cNvSpPr>
+            <a:spLocks noGrp="1"/>
+          </p:cNvSpPr>
+          <p:nvPr>
+            <p:ph idx="1"/>
+          </p:nvPr>
+        </p:nvSpPr>
+        <p:spPr/>
+        <p:txBody>
+          <a:bodyPr/>
+          <a:lstStyle/>
+          <a:p>
+            <a:pPr algn="just"/>
+            <a:r>
+              <a:rPr lang="es-MX" dirty="0"/>
+              <a:t>Has concluido los ensayos de prueba. Ahora jugarás </a:t>
+            </a:r>
+            <a:r>
+              <a:rPr lang="es-MX" b="1" dirty="0"/>
+              <a:t>en serio</a:t>
+            </a:r>
+            <a:r>
+              <a:rPr lang="es-MX" dirty="0"/>
+              <a:t> con tu pareja. Por favor esfuérzate y recuerda que tu objetivo es </a:t>
+            </a:r>
+            <a:r>
+              <a:rPr lang="es-MX" b="1" dirty="0"/>
+              <a:t>obtener el mayor número de puntos</a:t>
+            </a:r>
+            <a:r>
+              <a:rPr lang="es-MX" dirty="0"/>
+              <a:t>, los cuales dependen tanto de lo que </a:t>
+            </a:r>
+            <a:r>
+              <a:rPr lang="es-MX" b="1" dirty="0"/>
+              <a:t>elijas tú</a:t>
+            </a:r>
+            <a:r>
+              <a:rPr lang="es-MX" dirty="0"/>
+              <a:t> como lo que </a:t>
+            </a:r>
+            <a:r>
+              <a:rPr lang="es-MX" b="1" dirty="0"/>
+              <a:t>elija tu pareja</a:t>
+            </a:r>
+          </a:p>
+        </p:txBody>
+      </p:sp>
+    </p:spTree>
+    <p:extLst>
+      <p:ext uri="{BB962C8B-B14F-4D97-AF65-F5344CB8AC3E}">
+        <p14:creationId xmlns:p14="http://schemas.microsoft.com/office/powerpoint/2010/main" val="730326688"/>
+      </p:ext>
+    </p:extLst>
+  </p:cSld>
+  <p:clrMapOvr>
+    <a:masterClrMapping/>
+  </p:clrMapOvr>
+</p:sld>
+</file>
+
+<file path=ppt/slides/slide11.xml><?xml version="1.0" encoding="utf-8"?>
+<p:sld xmlns:a="http://schemas.openxmlformats.org/drawingml/2006/main" xmlns:r="http://schemas.openxmlformats.org/officeDocument/2006/relationships" xmlns:p="http://schemas.openxmlformats.org/presentationml/2006/main">
+  <p:cSld>
+    <p:spTree>
+      <p:nvGrpSpPr>
+        <p:cNvPr id="1" name=""/>
+        <p:cNvGrpSpPr/>
+        <p:nvPr/>
+      </p:nvGrpSpPr>
+      <p:grpSpPr>
+        <a:xfrm>
+          <a:off x="0" y="0"/>
+          <a:ext cx="0" cy="0"/>
+          <a:chOff x="0" y="0"/>
+          <a:chExt cx="0" cy="0"/>
+        </a:xfrm>
+      </p:grpSpPr>
+      <p:sp>
+        <p:nvSpPr>
+          <p:cNvPr id="3" name="Marcador de contenido 2">
+            <a:extLst>
+              <a:ext uri="{FF2B5EF4-FFF2-40B4-BE49-F238E27FC236}">
+                <a16:creationId xmlns:a16="http://schemas.microsoft.com/office/drawing/2014/main" id="{14DE8552-3D73-4F72-8B8F-2797F0052C3C}"/>
+              </a:ext>
+            </a:extLst>
+          </p:cNvPr>
+          <p:cNvSpPr>
+            <a:spLocks noGrp="1"/>
+          </p:cNvSpPr>
+          <p:nvPr>
+            <p:ph idx="1"/>
+          </p:nvPr>
+        </p:nvSpPr>
+        <p:spPr>
+          <a:xfrm>
+            <a:off x="838200" y="721217"/>
+            <a:ext cx="10515600" cy="5455746"/>
+          </a:xfrm>
+        </p:spPr>
+        <p:txBody>
+          <a:bodyPr>
+            <a:normAutofit fontScale="70000" lnSpcReduction="20000"/>
+          </a:bodyPr>
+          <a:lstStyle/>
+          <a:p>
+            <a:pPr marL="0" indent="0" algn="ctr">
+              <a:buNone/>
+            </a:pPr>
+            <a:endParaRPr lang="es-MX" sz="6000" dirty="0"/>
+          </a:p>
+          <a:p>
+            <a:pPr marL="0" indent="0" algn="ctr">
+              <a:buNone/>
+            </a:pPr>
+            <a:endParaRPr lang="es-MX" sz="6000" dirty="0"/>
+          </a:p>
+          <a:p>
+            <a:pPr marL="0" indent="0" algn="ctr">
+              <a:buNone/>
+            </a:pPr>
+            <a:endParaRPr lang="es-MX" sz="6000" dirty="0"/>
+          </a:p>
+          <a:p>
+            <a:pPr marL="0" indent="0" algn="ctr">
+              <a:buNone/>
+            </a:pPr>
+            <a:r>
+              <a:rPr lang="es-MX" sz="7100" dirty="0"/>
+              <a:t>Cuando estés lista(o) presiona la barra espaciadora para iniciar el juego</a:t>
+            </a:r>
+          </a:p>
+          <a:p>
+            <a:pPr marL="0" indent="0" algn="ctr">
+              <a:buNone/>
+            </a:pPr>
+            <a:endParaRPr lang="es-MX" sz="6000" dirty="0"/>
+          </a:p>
+          <a:p>
+            <a:pPr marL="0" indent="0" algn="ctr">
+              <a:buNone/>
+            </a:pPr>
+            <a:endParaRPr lang="es-MX" sz="1800" dirty="0"/>
+          </a:p>
+          <a:p>
+            <a:pPr marL="0" indent="0" algn="ctr">
+              <a:buNone/>
+            </a:pPr>
+            <a:endParaRPr lang="es-MX" sz="1800" dirty="0"/>
+          </a:p>
+          <a:p>
+            <a:pPr marL="0" indent="0" algn="ctr">
+              <a:buNone/>
+            </a:pPr>
+            <a:endParaRPr lang="es-MX" sz="1800" dirty="0"/>
+          </a:p>
+          <a:p>
+            <a:pPr marL="0" indent="0" algn="ctr">
+              <a:buNone/>
+            </a:pPr>
+            <a:r>
+              <a:rPr lang="es-MX" sz="1800" dirty="0">
+                <a:solidFill>
+                  <a:srgbClr val="FF0000"/>
+                </a:solidFill>
+              </a:rPr>
+              <a:t>(Habilitar barra espaciadora)</a:t>
+            </a:r>
+          </a:p>
+        </p:txBody>
+      </p:sp>
+    </p:spTree>
+    <p:extLst>
+      <p:ext uri="{BB962C8B-B14F-4D97-AF65-F5344CB8AC3E}">
+        <p14:creationId xmlns:p14="http://schemas.microsoft.com/office/powerpoint/2010/main" val="2100144018"/>
+      </p:ext>
+    </p:extLst>
+  </p:cSld>
+  <p:clrMapOvr>
+    <a:masterClrMapping/>
+  </p:clrMapOvr>
+</p:sld>
+</file>
+
+<file path=ppt/slides/slide12.xml><?xml version="1.0" encoding="utf-8"?>
+<p:sld xmlns:a="http://schemas.openxmlformats.org/drawingml/2006/main" xmlns:r="http://schemas.openxmlformats.org/officeDocument/2006/relationships" xmlns:p="http://schemas.openxmlformats.org/presentationml/2006/main">
+  <p:cSld>
+    <p:spTree>
+      <p:nvGrpSpPr>
+        <p:cNvPr id="1" name=""/>
+        <p:cNvGrpSpPr/>
+        <p:nvPr/>
+      </p:nvGrpSpPr>
+      <p:grpSpPr>
+        <a:xfrm>
+          <a:off x="0" y="0"/>
+          <a:ext cx="0" cy="0"/>
+          <a:chOff x="0" y="0"/>
+          <a:chExt cx="0" cy="0"/>
+        </a:xfrm>
+      </p:grpSpPr>
+      <p:sp>
+        <p:nvSpPr>
+          <p:cNvPr id="9" name="CuadroTexto 8">
+            <a:extLst>
+              <a:ext uri="{FF2B5EF4-FFF2-40B4-BE49-F238E27FC236}">
+                <a16:creationId xmlns:a16="http://schemas.microsoft.com/office/drawing/2014/main" id="{91A84CCB-E6C6-4805-B999-04AFB9CC429D}"/>
+              </a:ext>
+            </a:extLst>
+          </p:cNvPr>
+          <p:cNvSpPr txBox="1"/>
+          <p:nvPr/>
+        </p:nvSpPr>
+        <p:spPr>
+          <a:xfrm>
+            <a:off x="167427" y="127239"/>
+            <a:ext cx="800219" cy="6589092"/>
+          </a:xfrm>
+          <a:prstGeom prst="rect">
+            <a:avLst/>
+          </a:prstGeom>
+          <a:noFill/>
+        </p:spPr>
+        <p:txBody>
+          <a:bodyPr vert="vert270" wrap="square" rtlCol="0">
+            <a:spAutoFit/>
+          </a:bodyPr>
+          <a:lstStyle/>
+          <a:p>
+            <a:r>
+              <a:rPr lang="es-MX" sz="4000" dirty="0"/>
+              <a:t>Elige alguna de tus alternativas</a:t>
+            </a:r>
+          </a:p>
+        </p:txBody>
+      </p:sp>
+      <p:sp>
+        <p:nvSpPr>
+          <p:cNvPr id="11" name="CuadroTexto 10">
+            <a:extLst>
+              <a:ext uri="{FF2B5EF4-FFF2-40B4-BE49-F238E27FC236}">
+                <a16:creationId xmlns:a16="http://schemas.microsoft.com/office/drawing/2014/main" id="{24010BA3-B891-4C9C-95BF-03D90022FA80}"/>
+              </a:ext>
+            </a:extLst>
+          </p:cNvPr>
+          <p:cNvSpPr txBox="1"/>
+          <p:nvPr/>
+        </p:nvSpPr>
+        <p:spPr>
+          <a:xfrm>
+            <a:off x="2910625" y="5357611"/>
+            <a:ext cx="6091707" cy="646331"/>
+          </a:xfrm>
+          <a:prstGeom prst="rect">
+            <a:avLst/>
+          </a:prstGeom>
+          <a:noFill/>
+        </p:spPr>
+        <p:txBody>
+          <a:bodyPr wrap="square" rtlCol="0">
+            <a:spAutoFit/>
+          </a:bodyPr>
+          <a:lstStyle/>
+          <a:p>
+            <a:pPr algn="just"/>
+            <a:r>
+              <a:rPr lang="es-MX" dirty="0">
+                <a:solidFill>
+                  <a:srgbClr val="FF0000"/>
+                </a:solidFill>
+              </a:rPr>
+              <a:t>Deshabilitar o dejar oculto alguno de los botones si fuera el caso de que hubiera menos de 4 estrategias</a:t>
+            </a:r>
+          </a:p>
+        </p:txBody>
+      </p:sp>
+      <p:graphicFrame>
+        <p:nvGraphicFramePr>
+          <p:cNvPr id="12" name="9 Marcador de contenido">
+            <a:extLst>
+              <a:ext uri="{FF2B5EF4-FFF2-40B4-BE49-F238E27FC236}">
+                <a16:creationId xmlns:a16="http://schemas.microsoft.com/office/drawing/2014/main" id="{E63F9C6F-46D7-4208-855A-CFA738CFEC55}"/>
+              </a:ext>
+            </a:extLst>
+          </p:cNvPr>
+          <p:cNvGraphicFramePr>
+            <a:graphicFrameLocks/>
+          </p:cNvGraphicFramePr>
+          <p:nvPr>
+            <p:extLst/>
+          </p:nvPr>
+        </p:nvGraphicFramePr>
+        <p:xfrm>
+          <a:off x="1088571" y="1175657"/>
+          <a:ext cx="10021730" cy="3784230"/>
+        </p:xfrm>
+        <a:graphic>
+          <a:graphicData uri="http://schemas.openxmlformats.org/drawingml/2006/table">
+            <a:tbl>
+              <a:tblPr firstRow="1" bandRow="1">
+                <a:tableStyleId>{073A0DAA-6AF3-43AB-8588-CEC1D06C72B9}</a:tableStyleId>
+              </a:tblPr>
+              <a:tblGrid>
+                <a:gridCol w="2004346">
+                  <a:extLst>
+                    <a:ext uri="{9D8B030D-6E8A-4147-A177-3AD203B41FA5}">
+                      <a16:colId xmlns:a16="http://schemas.microsoft.com/office/drawing/2014/main" val="20001"/>
+                    </a:ext>
+                  </a:extLst>
+                </a:gridCol>
+                <a:gridCol w="2004346">
+                  <a:extLst>
+                    <a:ext uri="{9D8B030D-6E8A-4147-A177-3AD203B41FA5}">
+                      <a16:colId xmlns:a16="http://schemas.microsoft.com/office/drawing/2014/main" val="20002"/>
+                    </a:ext>
+                  </a:extLst>
+                </a:gridCol>
+                <a:gridCol w="2004346">
+                  <a:extLst>
+                    <a:ext uri="{9D8B030D-6E8A-4147-A177-3AD203B41FA5}">
+                      <a16:colId xmlns:a16="http://schemas.microsoft.com/office/drawing/2014/main" val="20003"/>
+                    </a:ext>
+                  </a:extLst>
+                </a:gridCol>
+                <a:gridCol w="2004346">
+                  <a:extLst>
+                    <a:ext uri="{9D8B030D-6E8A-4147-A177-3AD203B41FA5}">
+                      <a16:colId xmlns:a16="http://schemas.microsoft.com/office/drawing/2014/main" val="20004"/>
+                    </a:ext>
+                  </a:extLst>
+                </a:gridCol>
+                <a:gridCol w="2004346">
+                  <a:extLst>
+                    <a:ext uri="{9D8B030D-6E8A-4147-A177-3AD203B41FA5}">
+                      <a16:colId xmlns:a16="http://schemas.microsoft.com/office/drawing/2014/main" val="20005"/>
+                    </a:ext>
+                  </a:extLst>
+                </a:gridCol>
+              </a:tblGrid>
+              <a:tr h="628830">
+                <a:tc>
+                  <a:txBody>
+                    <a:bodyPr/>
+                    <a:lstStyle/>
+                    <a:p>
+                      <a:pPr algn="ctr"/>
+                      <a:endParaRPr lang="es-MX" dirty="0"/>
+                    </a:p>
+                  </a:txBody>
+                  <a:tcPr/>
+                </a:tc>
+                <a:tc gridSpan="4">
+                  <a:txBody>
+                    <a:bodyPr/>
+                    <a:lstStyle/>
+                    <a:p>
+                      <a:pPr marL="0" marR="0" lvl="0" indent="0" algn="ctr" defTabSz="914400" rtl="0" eaLnBrk="1" fontAlgn="auto" latinLnBrk="0" hangingPunct="1">
+                        <a:lnSpc>
+                          <a:spcPct val="100000"/>
+                        </a:lnSpc>
+                        <a:spcBef>
+                          <a:spcPts val="0"/>
+                        </a:spcBef>
+                        <a:spcAft>
+                          <a:spcPts val="0"/>
+                        </a:spcAft>
+                        <a:buClrTx/>
+                        <a:buSzTx/>
+                        <a:buFontTx/>
+                        <a:buNone/>
+                        <a:tabLst/>
+                        <a:defRPr/>
+                      </a:pPr>
+                      <a:r>
+                        <a:rPr lang="es-ES" dirty="0"/>
+                        <a:t>Alternativas de tu pareja</a:t>
+                      </a:r>
+                      <a:endParaRPr lang="es-MX" dirty="0"/>
+                    </a:p>
+                  </a:txBody>
+                  <a:tcPr/>
+                </a:tc>
+                <a:tc hMerge="1">
+                  <a:txBody>
+                    <a:bodyPr/>
+                    <a:lstStyle/>
+                    <a:p>
+                      <a:endParaRPr lang="es-MX" dirty="0"/>
+                    </a:p>
+                  </a:txBody>
+                  <a:tcPr/>
+                </a:tc>
+                <a:tc hMerge="1">
+                  <a:txBody>
+                    <a:bodyPr/>
+                    <a:lstStyle/>
+                    <a:p>
+                      <a:endParaRPr lang="es-MX" dirty="0"/>
+                    </a:p>
+                  </a:txBody>
+                  <a:tcPr/>
+                </a:tc>
+                <a:tc hMerge="1">
+                  <a:txBody>
+                    <a:bodyPr/>
+                    <a:lstStyle/>
+                    <a:p>
+                      <a:endParaRPr lang="es-MX" dirty="0"/>
+                    </a:p>
+                  </a:txBody>
+                  <a:tcPr/>
+                </a:tc>
+                <a:extLst>
+                  <a:ext uri="{0D108BD9-81ED-4DB2-BD59-A6C34878D82A}">
+                    <a16:rowId xmlns:a16="http://schemas.microsoft.com/office/drawing/2014/main" val="10000"/>
+                  </a:ext>
+                </a:extLst>
+              </a:tr>
+              <a:tr h="628830">
+                <a:tc>
+                  <a:txBody>
+                    <a:bodyPr/>
+                    <a:lstStyle/>
+                    <a:p>
+                      <a:pPr algn="ctr"/>
+                      <a:endParaRPr lang="es-MX" dirty="0"/>
+                    </a:p>
+                  </a:txBody>
+                  <a:tcPr/>
+                </a:tc>
+                <a:tc>
+                  <a:txBody>
+                    <a:bodyPr/>
+                    <a:lstStyle/>
+                    <a:p>
+                      <a:pPr algn="ctr"/>
+                      <a:r>
+                        <a:rPr lang="es-ES" dirty="0"/>
+                        <a:t>E</a:t>
+                      </a:r>
+                      <a:endParaRPr lang="es-MX" dirty="0"/>
+                    </a:p>
+                  </a:txBody>
+                  <a:tcPr/>
+                </a:tc>
+                <a:tc>
+                  <a:txBody>
+                    <a:bodyPr/>
+                    <a:lstStyle/>
+                    <a:p>
+                      <a:pPr algn="ctr"/>
+                      <a:r>
+                        <a:rPr lang="es-ES" dirty="0"/>
+                        <a:t>F</a:t>
+                      </a:r>
+                      <a:endParaRPr lang="es-MX" dirty="0"/>
+                    </a:p>
+                  </a:txBody>
+                  <a:tcPr/>
+                </a:tc>
+                <a:tc>
+                  <a:txBody>
+                    <a:bodyPr/>
+                    <a:lstStyle/>
+                    <a:p>
+                      <a:pPr algn="ctr"/>
+                      <a:r>
+                        <a:rPr lang="es-ES" dirty="0"/>
+                        <a:t>G</a:t>
+                      </a:r>
+                      <a:endParaRPr lang="es-MX" dirty="0"/>
+                    </a:p>
+                  </a:txBody>
+                  <a:tcPr/>
+                </a:tc>
+                <a:tc>
+                  <a:txBody>
+                    <a:bodyPr/>
+                    <a:lstStyle/>
+                    <a:p>
+                      <a:pPr algn="ctr"/>
+                      <a:r>
+                        <a:rPr lang="es-ES" dirty="0"/>
+                        <a:t>H</a:t>
+                      </a:r>
+                      <a:endParaRPr lang="es-MX" dirty="0"/>
+                    </a:p>
+                  </a:txBody>
+                  <a:tcPr/>
+                </a:tc>
+                <a:extLst>
+                  <a:ext uri="{0D108BD9-81ED-4DB2-BD59-A6C34878D82A}">
+                    <a16:rowId xmlns:a16="http://schemas.microsoft.com/office/drawing/2014/main" val="10001"/>
+                  </a:ext>
+                </a:extLst>
+              </a:tr>
+              <a:tr h="628830">
+                <a:tc>
+                  <a:txBody>
+                    <a:bodyPr/>
+                    <a:lstStyle/>
+                    <a:p>
+                      <a:pPr algn="ctr"/>
+                      <a:r>
+                        <a:rPr lang="es-ES" dirty="0"/>
+                        <a:t>A</a:t>
+                      </a:r>
+                      <a:endParaRPr lang="es-MX" dirty="0"/>
+                    </a:p>
+                  </a:txBody>
+                  <a:tcPr/>
+                </a:tc>
+                <a:tc>
+                  <a:txBody>
+                    <a:bodyPr/>
+                    <a:lstStyle/>
+                    <a:p>
+                      <a:pPr algn="ctr"/>
+                      <a:r>
+                        <a:rPr lang="es-MX" dirty="0"/>
+                        <a:t>A11, B11</a:t>
+                      </a:r>
+                      <a:endParaRPr lang="es-MX" dirty="0">
+                        <a:solidFill>
+                          <a:srgbClr val="FF0000"/>
+                        </a:solidFill>
+                      </a:endParaRPr>
+                    </a:p>
+                  </a:txBody>
+                  <a:tcPr/>
+                </a:tc>
+                <a:tc>
+                  <a:txBody>
+                    <a:bodyPr/>
+                    <a:lstStyle/>
+                    <a:p>
+                      <a:pPr marL="0" marR="0" lvl="0" indent="0" algn="ctr" defTabSz="914400" rtl="0" eaLnBrk="1" fontAlgn="auto" latinLnBrk="0" hangingPunct="1">
+                        <a:lnSpc>
+                          <a:spcPct val="100000"/>
+                        </a:lnSpc>
+                        <a:spcBef>
+                          <a:spcPts val="0"/>
+                        </a:spcBef>
+                        <a:spcAft>
+                          <a:spcPts val="0"/>
+                        </a:spcAft>
+                        <a:buClrTx/>
+                        <a:buSzTx/>
+                        <a:buFontTx/>
+                        <a:buNone/>
+                        <a:tabLst/>
+                        <a:defRPr/>
+                      </a:pPr>
+                      <a:r>
+                        <a:rPr lang="es-MX" dirty="0"/>
+                        <a:t>A12, B12</a:t>
+                      </a:r>
+                      <a:endParaRPr lang="es-MX" dirty="0">
+                        <a:solidFill>
+                          <a:srgbClr val="FF0000"/>
+                        </a:solidFill>
+                      </a:endParaRPr>
+                    </a:p>
+                  </a:txBody>
+                  <a:tcPr/>
+                </a:tc>
+                <a:tc>
+                  <a:txBody>
+                    <a:bodyPr/>
+                    <a:lstStyle/>
+                    <a:p>
+                      <a:pPr marL="0" marR="0" lvl="0" indent="0" algn="ctr" defTabSz="914400" rtl="0" eaLnBrk="1" fontAlgn="auto" latinLnBrk="0" hangingPunct="1">
+                        <a:lnSpc>
+                          <a:spcPct val="100000"/>
+                        </a:lnSpc>
+                        <a:spcBef>
+                          <a:spcPts val="0"/>
+                        </a:spcBef>
+                        <a:spcAft>
+                          <a:spcPts val="0"/>
+                        </a:spcAft>
+                        <a:buClrTx/>
+                        <a:buSzTx/>
+                        <a:buFontTx/>
+                        <a:buNone/>
+                        <a:tabLst/>
+                        <a:defRPr/>
+                      </a:pPr>
+                      <a:r>
+                        <a:rPr lang="es-MX" dirty="0"/>
+                        <a:t>A13, B13</a:t>
+                      </a:r>
+                      <a:endParaRPr lang="es-MX" dirty="0">
+                        <a:solidFill>
+                          <a:srgbClr val="FF0000"/>
+                        </a:solidFill>
+                      </a:endParaRPr>
+                    </a:p>
+                  </a:txBody>
+                  <a:tcPr/>
+                </a:tc>
+                <a:tc>
+                  <a:txBody>
+                    <a:bodyPr/>
+                    <a:lstStyle/>
+                    <a:p>
+                      <a:pPr marL="0" marR="0" lvl="0" indent="0" algn="ctr" defTabSz="914400" rtl="0" eaLnBrk="1" fontAlgn="auto" latinLnBrk="0" hangingPunct="1">
+                        <a:lnSpc>
+                          <a:spcPct val="100000"/>
+                        </a:lnSpc>
+                        <a:spcBef>
+                          <a:spcPts val="0"/>
+                        </a:spcBef>
+                        <a:spcAft>
+                          <a:spcPts val="0"/>
+                        </a:spcAft>
+                        <a:buClrTx/>
+                        <a:buSzTx/>
+                        <a:buFontTx/>
+                        <a:buNone/>
+                        <a:tabLst/>
+                        <a:defRPr/>
+                      </a:pPr>
+                      <a:r>
+                        <a:rPr lang="es-MX" dirty="0"/>
+                        <a:t>A14, B14</a:t>
+                      </a:r>
+                      <a:endParaRPr lang="es-MX" dirty="0">
+                        <a:solidFill>
+                          <a:srgbClr val="FF0000"/>
+                        </a:solidFill>
+                      </a:endParaRPr>
+                    </a:p>
+                  </a:txBody>
+                  <a:tcPr/>
+                </a:tc>
+                <a:extLst>
+                  <a:ext uri="{0D108BD9-81ED-4DB2-BD59-A6C34878D82A}">
+                    <a16:rowId xmlns:a16="http://schemas.microsoft.com/office/drawing/2014/main" val="10002"/>
+                  </a:ext>
+                </a:extLst>
+              </a:tr>
+              <a:tr h="628830">
+                <a:tc>
+                  <a:txBody>
+                    <a:bodyPr/>
+                    <a:lstStyle/>
+                    <a:p>
+                      <a:pPr algn="ctr"/>
+                      <a:r>
+                        <a:rPr lang="es-ES" dirty="0"/>
+                        <a:t>B</a:t>
+                      </a:r>
+                      <a:endParaRPr lang="es-MX" dirty="0"/>
+                    </a:p>
+                  </a:txBody>
+                  <a:tcPr/>
+                </a:tc>
+                <a:tc>
+                  <a:txBody>
+                    <a:bodyPr/>
+                    <a:lstStyle/>
+                    <a:p>
+                      <a:pPr marL="0" marR="0" lvl="0" indent="0" algn="ctr" defTabSz="914400" rtl="0" eaLnBrk="1" fontAlgn="auto" latinLnBrk="0" hangingPunct="1">
+                        <a:lnSpc>
+                          <a:spcPct val="100000"/>
+                        </a:lnSpc>
+                        <a:spcBef>
+                          <a:spcPts val="0"/>
+                        </a:spcBef>
+                        <a:spcAft>
+                          <a:spcPts val="0"/>
+                        </a:spcAft>
+                        <a:buClrTx/>
+                        <a:buSzTx/>
+                        <a:buFontTx/>
+                        <a:buNone/>
+                        <a:tabLst/>
+                        <a:defRPr/>
+                      </a:pPr>
+                      <a:r>
+                        <a:rPr lang="es-MX" dirty="0"/>
+                        <a:t>A21, B21</a:t>
+                      </a:r>
+                      <a:endParaRPr lang="es-MX" dirty="0">
+                        <a:solidFill>
+                          <a:srgbClr val="FF0000"/>
+                        </a:solidFill>
+                      </a:endParaRPr>
+                    </a:p>
+                    <a:p>
+                      <a:pPr algn="ctr"/>
+                      <a:endParaRPr lang="es-MX" dirty="0"/>
+                    </a:p>
+                  </a:txBody>
+                  <a:tcPr/>
+                </a:tc>
+                <a:tc>
+                  <a:txBody>
+                    <a:bodyPr/>
+                    <a:lstStyle/>
+                    <a:p>
+                      <a:pPr marL="0" marR="0" lvl="0" indent="0" algn="ctr" defTabSz="914400" rtl="0" eaLnBrk="1" fontAlgn="auto" latinLnBrk="0" hangingPunct="1">
+                        <a:lnSpc>
+                          <a:spcPct val="100000"/>
+                        </a:lnSpc>
+                        <a:spcBef>
+                          <a:spcPts val="0"/>
+                        </a:spcBef>
+                        <a:spcAft>
+                          <a:spcPts val="0"/>
+                        </a:spcAft>
+                        <a:buClrTx/>
+                        <a:buSzTx/>
+                        <a:buFontTx/>
+                        <a:buNone/>
+                        <a:tabLst/>
+                        <a:defRPr/>
+                      </a:pPr>
+                      <a:r>
+                        <a:rPr lang="es-MX" dirty="0"/>
+                        <a:t>A22, B22</a:t>
+                      </a:r>
+                      <a:endParaRPr lang="es-MX" dirty="0">
+                        <a:solidFill>
+                          <a:srgbClr val="FF0000"/>
+                        </a:solidFill>
+                      </a:endParaRPr>
+                    </a:p>
+                  </a:txBody>
+                  <a:tcPr/>
+                </a:tc>
+                <a:tc>
+                  <a:txBody>
+                    <a:bodyPr/>
+                    <a:lstStyle/>
+                    <a:p>
+                      <a:pPr marL="0" marR="0" lvl="0" indent="0" algn="ctr" defTabSz="914400" rtl="0" eaLnBrk="1" fontAlgn="auto" latinLnBrk="0" hangingPunct="1">
+                        <a:lnSpc>
+                          <a:spcPct val="100000"/>
+                        </a:lnSpc>
+                        <a:spcBef>
+                          <a:spcPts val="0"/>
+                        </a:spcBef>
+                        <a:spcAft>
+                          <a:spcPts val="0"/>
+                        </a:spcAft>
+                        <a:buClrTx/>
+                        <a:buSzTx/>
+                        <a:buFontTx/>
+                        <a:buNone/>
+                        <a:tabLst/>
+                        <a:defRPr/>
+                      </a:pPr>
+                      <a:r>
+                        <a:rPr lang="es-MX" dirty="0"/>
+                        <a:t>A23, B23</a:t>
+                      </a:r>
+                      <a:endParaRPr lang="es-MX" dirty="0">
+                        <a:solidFill>
+                          <a:srgbClr val="FF0000"/>
+                        </a:solidFill>
+                      </a:endParaRPr>
+                    </a:p>
+                  </a:txBody>
+                  <a:tcPr/>
+                </a:tc>
+                <a:tc>
+                  <a:txBody>
+                    <a:bodyPr/>
+                    <a:lstStyle/>
+                    <a:p>
+                      <a:pPr marL="0" marR="0" lvl="0" indent="0" algn="ctr" defTabSz="914400" rtl="0" eaLnBrk="1" fontAlgn="auto" latinLnBrk="0" hangingPunct="1">
+                        <a:lnSpc>
+                          <a:spcPct val="100000"/>
+                        </a:lnSpc>
+                        <a:spcBef>
+                          <a:spcPts val="0"/>
+                        </a:spcBef>
+                        <a:spcAft>
+                          <a:spcPts val="0"/>
+                        </a:spcAft>
+                        <a:buClrTx/>
+                        <a:buSzTx/>
+                        <a:buFontTx/>
+                        <a:buNone/>
+                        <a:tabLst/>
+                        <a:defRPr/>
+                      </a:pPr>
+                      <a:r>
+                        <a:rPr lang="es-MX" dirty="0"/>
+                        <a:t>A24, B24</a:t>
+                      </a:r>
+                      <a:endParaRPr lang="es-MX" dirty="0">
+                        <a:solidFill>
+                          <a:srgbClr val="FF0000"/>
+                        </a:solidFill>
+                      </a:endParaRPr>
+                    </a:p>
+                    <a:p>
+                      <a:pPr algn="ctr"/>
+                      <a:endParaRPr lang="es-MX" dirty="0"/>
+                    </a:p>
+                  </a:txBody>
+                  <a:tcPr/>
+                </a:tc>
+                <a:extLst>
+                  <a:ext uri="{0D108BD9-81ED-4DB2-BD59-A6C34878D82A}">
+                    <a16:rowId xmlns:a16="http://schemas.microsoft.com/office/drawing/2014/main" val="10003"/>
+                  </a:ext>
+                </a:extLst>
+              </a:tr>
+              <a:tr h="628830">
+                <a:tc>
+                  <a:txBody>
+                    <a:bodyPr/>
+                    <a:lstStyle/>
+                    <a:p>
+                      <a:pPr algn="ctr"/>
+                      <a:r>
+                        <a:rPr lang="es-ES" dirty="0"/>
+                        <a:t>C</a:t>
+                      </a:r>
+                      <a:endParaRPr lang="es-MX" dirty="0"/>
+                    </a:p>
+                  </a:txBody>
+                  <a:tcPr/>
+                </a:tc>
+                <a:tc>
+                  <a:txBody>
+                    <a:bodyPr/>
+                    <a:lstStyle/>
+                    <a:p>
+                      <a:pPr marL="0" marR="0" lvl="0" indent="0" algn="ctr" defTabSz="914400" rtl="0" eaLnBrk="1" fontAlgn="auto" latinLnBrk="0" hangingPunct="1">
+                        <a:lnSpc>
+                          <a:spcPct val="100000"/>
+                        </a:lnSpc>
+                        <a:spcBef>
+                          <a:spcPts val="0"/>
+                        </a:spcBef>
+                        <a:spcAft>
+                          <a:spcPts val="0"/>
+                        </a:spcAft>
+                        <a:buClrTx/>
+                        <a:buSzTx/>
+                        <a:buFontTx/>
+                        <a:buNone/>
+                        <a:tabLst/>
+                        <a:defRPr/>
+                      </a:pPr>
+                      <a:r>
+                        <a:rPr lang="es-MX" dirty="0"/>
+                        <a:t>A31, B31</a:t>
+                      </a:r>
+                      <a:endParaRPr lang="es-MX" dirty="0">
+                        <a:solidFill>
+                          <a:srgbClr val="FF0000"/>
+                        </a:solidFill>
+                      </a:endParaRPr>
+                    </a:p>
+                  </a:txBody>
+                  <a:tcPr/>
+                </a:tc>
+                <a:tc>
+                  <a:txBody>
+                    <a:bodyPr/>
+                    <a:lstStyle/>
+                    <a:p>
+                      <a:pPr marL="0" marR="0" lvl="0" indent="0" algn="ctr" defTabSz="914400" rtl="0" eaLnBrk="1" fontAlgn="auto" latinLnBrk="0" hangingPunct="1">
+                        <a:lnSpc>
+                          <a:spcPct val="100000"/>
+                        </a:lnSpc>
+                        <a:spcBef>
+                          <a:spcPts val="0"/>
+                        </a:spcBef>
+                        <a:spcAft>
+                          <a:spcPts val="0"/>
+                        </a:spcAft>
+                        <a:buClrTx/>
+                        <a:buSzTx/>
+                        <a:buFontTx/>
+                        <a:buNone/>
+                        <a:tabLst/>
+                        <a:defRPr/>
+                      </a:pPr>
+                      <a:r>
+                        <a:rPr lang="es-MX" dirty="0"/>
+                        <a:t>A32, B32</a:t>
+                      </a:r>
+                      <a:endParaRPr lang="es-MX" dirty="0">
+                        <a:solidFill>
+                          <a:srgbClr val="FF0000"/>
+                        </a:solidFill>
+                      </a:endParaRPr>
+                    </a:p>
+                  </a:txBody>
+                  <a:tcPr/>
+                </a:tc>
+                <a:tc>
+                  <a:txBody>
+                    <a:bodyPr/>
+                    <a:lstStyle/>
+                    <a:p>
+                      <a:pPr marL="0" marR="0" lvl="0" indent="0" algn="ctr" defTabSz="914400" rtl="0" eaLnBrk="1" fontAlgn="auto" latinLnBrk="0" hangingPunct="1">
+                        <a:lnSpc>
+                          <a:spcPct val="100000"/>
+                        </a:lnSpc>
+                        <a:spcBef>
+                          <a:spcPts val="0"/>
+                        </a:spcBef>
+                        <a:spcAft>
+                          <a:spcPts val="0"/>
+                        </a:spcAft>
+                        <a:buClrTx/>
+                        <a:buSzTx/>
+                        <a:buFontTx/>
+                        <a:buNone/>
+                        <a:tabLst/>
+                        <a:defRPr/>
+                      </a:pPr>
+                      <a:r>
+                        <a:rPr lang="es-MX" dirty="0"/>
+                        <a:t>A33, B33</a:t>
+                      </a:r>
+                      <a:endParaRPr lang="es-MX" dirty="0">
+                        <a:solidFill>
+                          <a:srgbClr val="FF0000"/>
+                        </a:solidFill>
+                      </a:endParaRPr>
+                    </a:p>
+                  </a:txBody>
+                  <a:tcPr/>
+                </a:tc>
+                <a:tc>
+                  <a:txBody>
+                    <a:bodyPr/>
+                    <a:lstStyle/>
+                    <a:p>
+                      <a:pPr marL="0" marR="0" lvl="0" indent="0" algn="ctr" defTabSz="914400" rtl="0" eaLnBrk="1" fontAlgn="auto" latinLnBrk="0" hangingPunct="1">
+                        <a:lnSpc>
+                          <a:spcPct val="100000"/>
+                        </a:lnSpc>
+                        <a:spcBef>
+                          <a:spcPts val="0"/>
+                        </a:spcBef>
+                        <a:spcAft>
+                          <a:spcPts val="0"/>
+                        </a:spcAft>
+                        <a:buClrTx/>
+                        <a:buSzTx/>
+                        <a:buFontTx/>
+                        <a:buNone/>
+                        <a:tabLst/>
+                        <a:defRPr/>
+                      </a:pPr>
+                      <a:r>
+                        <a:rPr lang="es-MX" dirty="0"/>
+                        <a:t>A34, B34</a:t>
+                      </a:r>
+                      <a:endParaRPr lang="es-MX" dirty="0">
+                        <a:solidFill>
+                          <a:srgbClr val="FF0000"/>
+                        </a:solidFill>
+                      </a:endParaRPr>
+                    </a:p>
+                  </a:txBody>
+                  <a:tcPr/>
+                </a:tc>
+                <a:extLst>
+                  <a:ext uri="{0D108BD9-81ED-4DB2-BD59-A6C34878D82A}">
+                    <a16:rowId xmlns:a16="http://schemas.microsoft.com/office/drawing/2014/main" val="10004"/>
+                  </a:ext>
+                </a:extLst>
+              </a:tr>
+              <a:tr h="628830">
+                <a:tc>
+                  <a:txBody>
+                    <a:bodyPr/>
+                    <a:lstStyle/>
+                    <a:p>
+                      <a:pPr algn="ctr"/>
+                      <a:r>
+                        <a:rPr lang="es-ES" dirty="0"/>
+                        <a:t>D</a:t>
+                      </a:r>
+                      <a:endParaRPr lang="es-MX" dirty="0"/>
+                    </a:p>
+                  </a:txBody>
+                  <a:tcPr/>
+                </a:tc>
+                <a:tc>
+                  <a:txBody>
+                    <a:bodyPr/>
+                    <a:lstStyle/>
+                    <a:p>
+                      <a:pPr marL="0" marR="0" lvl="0" indent="0" algn="ctr" defTabSz="914400" rtl="0" eaLnBrk="1" fontAlgn="auto" latinLnBrk="0" hangingPunct="1">
+                        <a:lnSpc>
+                          <a:spcPct val="100000"/>
+                        </a:lnSpc>
+                        <a:spcBef>
+                          <a:spcPts val="0"/>
+                        </a:spcBef>
+                        <a:spcAft>
+                          <a:spcPts val="0"/>
+                        </a:spcAft>
+                        <a:buClrTx/>
+                        <a:buSzTx/>
+                        <a:buFontTx/>
+                        <a:buNone/>
+                        <a:tabLst/>
+                        <a:defRPr/>
+                      </a:pPr>
+                      <a:r>
+                        <a:rPr lang="es-MX" dirty="0"/>
+                        <a:t>A41, B41</a:t>
+                      </a:r>
+                      <a:endParaRPr lang="es-MX" dirty="0">
+                        <a:solidFill>
+                          <a:srgbClr val="FF0000"/>
+                        </a:solidFill>
+                      </a:endParaRPr>
+                    </a:p>
+                  </a:txBody>
+                  <a:tcPr/>
+                </a:tc>
+                <a:tc>
+                  <a:txBody>
+                    <a:bodyPr/>
+                    <a:lstStyle/>
+                    <a:p>
+                      <a:pPr marL="0" marR="0" lvl="0" indent="0" algn="ctr" defTabSz="914400" rtl="0" eaLnBrk="1" fontAlgn="auto" latinLnBrk="0" hangingPunct="1">
+                        <a:lnSpc>
+                          <a:spcPct val="100000"/>
+                        </a:lnSpc>
+                        <a:spcBef>
+                          <a:spcPts val="0"/>
+                        </a:spcBef>
+                        <a:spcAft>
+                          <a:spcPts val="0"/>
+                        </a:spcAft>
+                        <a:buClrTx/>
+                        <a:buSzTx/>
+                        <a:buFontTx/>
+                        <a:buNone/>
+                        <a:tabLst/>
+                        <a:defRPr/>
+                      </a:pPr>
+                      <a:r>
+                        <a:rPr lang="es-MX" dirty="0"/>
+                        <a:t>A42, B42</a:t>
+                      </a:r>
+                      <a:endParaRPr lang="es-MX" dirty="0">
+                        <a:solidFill>
+                          <a:srgbClr val="FF0000"/>
+                        </a:solidFill>
+                      </a:endParaRPr>
+                    </a:p>
+                  </a:txBody>
+                  <a:tcPr/>
+                </a:tc>
+                <a:tc>
+                  <a:txBody>
+                    <a:bodyPr/>
+                    <a:lstStyle/>
+                    <a:p>
+                      <a:pPr marL="0" marR="0" lvl="0" indent="0" algn="ctr" defTabSz="914400" rtl="0" eaLnBrk="1" fontAlgn="auto" latinLnBrk="0" hangingPunct="1">
+                        <a:lnSpc>
+                          <a:spcPct val="100000"/>
+                        </a:lnSpc>
+                        <a:spcBef>
+                          <a:spcPts val="0"/>
+                        </a:spcBef>
+                        <a:spcAft>
+                          <a:spcPts val="0"/>
+                        </a:spcAft>
+                        <a:buClrTx/>
+                        <a:buSzTx/>
+                        <a:buFontTx/>
+                        <a:buNone/>
+                        <a:tabLst/>
+                        <a:defRPr/>
+                      </a:pPr>
+                      <a:r>
+                        <a:rPr lang="es-MX" dirty="0"/>
+                        <a:t>A43, B43</a:t>
+                      </a:r>
+                      <a:endParaRPr lang="es-MX" dirty="0">
+                        <a:solidFill>
+                          <a:srgbClr val="FF0000"/>
+                        </a:solidFill>
+                      </a:endParaRPr>
+                    </a:p>
+                  </a:txBody>
+                  <a:tcPr/>
+                </a:tc>
+                <a:tc>
+                  <a:txBody>
+                    <a:bodyPr/>
+                    <a:lstStyle/>
+                    <a:p>
+                      <a:pPr marL="0" marR="0" lvl="0" indent="0" algn="ctr" defTabSz="914400" rtl="0" eaLnBrk="1" fontAlgn="auto" latinLnBrk="0" hangingPunct="1">
+                        <a:lnSpc>
+                          <a:spcPct val="100000"/>
+                        </a:lnSpc>
+                        <a:spcBef>
+                          <a:spcPts val="0"/>
+                        </a:spcBef>
+                        <a:spcAft>
+                          <a:spcPts val="0"/>
+                        </a:spcAft>
+                        <a:buClrTx/>
+                        <a:buSzTx/>
+                        <a:buFontTx/>
+                        <a:buNone/>
+                        <a:tabLst/>
+                        <a:defRPr/>
+                      </a:pPr>
+                      <a:r>
+                        <a:rPr lang="es-MX" dirty="0"/>
+                        <a:t>A44, B44</a:t>
+                      </a:r>
+                      <a:endParaRPr lang="es-MX" dirty="0">
+                        <a:solidFill>
+                          <a:srgbClr val="FF0000"/>
+                        </a:solidFill>
+                      </a:endParaRPr>
+                    </a:p>
+                  </a:txBody>
+                  <a:tcPr/>
+                </a:tc>
+                <a:extLst>
+                  <a:ext uri="{0D108BD9-81ED-4DB2-BD59-A6C34878D82A}">
+                    <a16:rowId xmlns:a16="http://schemas.microsoft.com/office/drawing/2014/main" val="10005"/>
+                  </a:ext>
+                </a:extLst>
+              </a:tr>
+            </a:tbl>
+          </a:graphicData>
+        </a:graphic>
+      </p:graphicFrame>
+    </p:spTree>
+    <p:extLst>
+      <p:ext uri="{BB962C8B-B14F-4D97-AF65-F5344CB8AC3E}">
+        <p14:creationId xmlns:p14="http://schemas.microsoft.com/office/powerpoint/2010/main" val="2338253598"/>
+      </p:ext>
+    </p:extLst>
+  </p:cSld>
+  <p:clrMapOvr>
+    <a:masterClrMapping/>
+  </p:clrMapOvr>
+</p:sld>
+</file>
+
+<file path=ppt/slides/slide13.xml><?xml version="1.0" encoding="utf-8"?>
+<p:sld xmlns:a="http://schemas.openxmlformats.org/drawingml/2006/main" xmlns:r="http://schemas.openxmlformats.org/officeDocument/2006/relationships" xmlns:p="http://schemas.openxmlformats.org/presentationml/2006/main">
+  <p:cSld>
+    <p:spTree>
+      <p:nvGrpSpPr>
+        <p:cNvPr id="1" name=""/>
+        <p:cNvGrpSpPr/>
+        <p:nvPr/>
+      </p:nvGrpSpPr>
+      <p:grpSpPr>
+        <a:xfrm>
+          <a:off x="0" y="0"/>
+          <a:ext cx="0" cy="0"/>
+          <a:chOff x="0" y="0"/>
+          <a:chExt cx="0" cy="0"/>
+        </a:xfrm>
+      </p:grpSpPr>
+      <p:pic>
+        <p:nvPicPr>
+          <p:cNvPr id="1026" name="Picture 2" descr="Resultado de imagen para waiting">
+            <a:extLst>
+              <a:ext uri="{FF2B5EF4-FFF2-40B4-BE49-F238E27FC236}">
+                <a16:creationId xmlns:a16="http://schemas.microsoft.com/office/drawing/2014/main" id="{408F10E5-DC2E-462A-9F6B-9A88B12D0E87}"/>
+              </a:ext>
+            </a:extLst>
+          </p:cNvPr>
+          <p:cNvPicPr>
+            <a:picLocks noChangeAspect="1" noChangeArrowheads="1"/>
+          </p:cNvPicPr>
+          <p:nvPr/>
+        </p:nvPicPr>
+        <p:blipFill>
+          <a:blip r:embed="rId2">
+            <a:extLst>
+              <a:ext uri="{28A0092B-C50C-407E-A947-70E740481C1C}">
+                <a14:useLocalDpi xmlns:a14="http://schemas.microsoft.com/office/drawing/2010/main" val="0"/>
+              </a:ext>
+            </a:extLst>
+          </a:blip>
+          <a:srcRect/>
+          <a:stretch>
+            <a:fillRect/>
+          </a:stretch>
+        </p:blipFill>
+        <p:spPr bwMode="auto">
+          <a:xfrm>
+            <a:off x="4657725" y="1828800"/>
+            <a:ext cx="2876550" cy="3200400"/>
+          </a:xfrm>
+          <a:prstGeom prst="rect">
+            <a:avLst/>
+          </a:prstGeom>
+          <a:noFill/>
+          <a:extLst>
+            <a:ext uri="{909E8E84-426E-40DD-AFC4-6F175D3DCCD1}">
+              <a14:hiddenFill xmlns:a14="http://schemas.microsoft.com/office/drawing/2010/main">
+                <a:solidFill>
+                  <a:srgbClr val="FFFFFF"/>
+                </a:solidFill>
+              </a14:hiddenFill>
+            </a:ext>
+          </a:extLst>
+        </p:spPr>
+      </p:pic>
+      <p:sp>
+        <p:nvSpPr>
+          <p:cNvPr id="4" name="CuadroTexto 3">
+            <a:extLst>
+              <a:ext uri="{FF2B5EF4-FFF2-40B4-BE49-F238E27FC236}">
+                <a16:creationId xmlns:a16="http://schemas.microsoft.com/office/drawing/2014/main" id="{0B47AE64-1CC1-442F-86CE-1DEB89D66D25}"/>
+              </a:ext>
+            </a:extLst>
+          </p:cNvPr>
+          <p:cNvSpPr txBox="1"/>
+          <p:nvPr/>
+        </p:nvSpPr>
+        <p:spPr>
+          <a:xfrm>
+            <a:off x="2936383" y="5228823"/>
+            <a:ext cx="6130344" cy="369332"/>
+          </a:xfrm>
+          <a:prstGeom prst="rect">
+            <a:avLst/>
+          </a:prstGeom>
+          <a:noFill/>
+        </p:spPr>
+        <p:txBody>
+          <a:bodyPr wrap="square" rtlCol="0">
+            <a:spAutoFit/>
+          </a:bodyPr>
+          <a:lstStyle/>
+          <a:p>
+            <a:pPr algn="ctr"/>
+            <a:r>
+              <a:rPr lang="es-MX" dirty="0"/>
+              <a:t>Por favor espera mientras tu pareja toma su decisión</a:t>
+            </a:r>
+          </a:p>
+        </p:txBody>
+      </p:sp>
+    </p:spTree>
+    <p:extLst>
+      <p:ext uri="{BB962C8B-B14F-4D97-AF65-F5344CB8AC3E}">
+        <p14:creationId xmlns:p14="http://schemas.microsoft.com/office/powerpoint/2010/main" val="180855497"/>
+      </p:ext>
+    </p:extLst>
+  </p:cSld>
+  <p:clrMapOvr>
+    <a:masterClrMapping/>
+  </p:clrMapOvr>
+</p:sld>
+</file>
+
+<file path=ppt/slides/slide14.xml><?xml version="1.0" encoding="utf-8"?>
+<p:sld xmlns:a="http://schemas.openxmlformats.org/drawingml/2006/main" xmlns:r="http://schemas.openxmlformats.org/officeDocument/2006/relationships" xmlns:p="http://schemas.openxmlformats.org/presentationml/2006/main">
+  <p:cSld>
+    <p:spTree>
+      <p:nvGrpSpPr>
+        <p:cNvPr id="1" name=""/>
+        <p:cNvGrpSpPr/>
+        <p:nvPr/>
+      </p:nvGrpSpPr>
+      <p:grpSpPr>
+        <a:xfrm>
+          <a:off x="0" y="0"/>
+          <a:ext cx="0" cy="0"/>
+          <a:chOff x="0" y="0"/>
+          <a:chExt cx="0" cy="0"/>
+        </a:xfrm>
+      </p:grpSpPr>
+      <p:sp>
+        <p:nvSpPr>
+          <p:cNvPr id="4" name="CuadroTexto 3">
+            <a:extLst>
+              <a:ext uri="{FF2B5EF4-FFF2-40B4-BE49-F238E27FC236}">
+                <a16:creationId xmlns:a16="http://schemas.microsoft.com/office/drawing/2014/main" id="{E1D377E4-8E63-4C72-94F9-ECB2D9588FCB}"/>
+              </a:ext>
+            </a:extLst>
+          </p:cNvPr>
+          <p:cNvSpPr txBox="1"/>
+          <p:nvPr/>
+        </p:nvSpPr>
+        <p:spPr>
+          <a:xfrm>
+            <a:off x="2408349" y="746975"/>
+            <a:ext cx="7547020" cy="1938992"/>
+          </a:xfrm>
+          <a:prstGeom prst="rect">
+            <a:avLst/>
+          </a:prstGeom>
+          <a:noFill/>
+        </p:spPr>
+        <p:txBody>
+          <a:bodyPr wrap="square" rtlCol="0">
+            <a:spAutoFit/>
+          </a:bodyPr>
+          <a:lstStyle/>
+          <a:p>
+            <a:pPr algn="ctr"/>
+            <a:r>
+              <a:rPr lang="es-MX" sz="6000" dirty="0"/>
+              <a:t>Tu pago fue de “x” puntos</a:t>
+            </a:r>
+          </a:p>
+        </p:txBody>
+      </p:sp>
+      <p:sp>
+        <p:nvSpPr>
+          <p:cNvPr id="5" name="CuadroTexto 4">
+            <a:extLst>
+              <a:ext uri="{FF2B5EF4-FFF2-40B4-BE49-F238E27FC236}">
+                <a16:creationId xmlns:a16="http://schemas.microsoft.com/office/drawing/2014/main" id="{FFDB704F-D457-416B-905D-38C0DF96ADEA}"/>
+              </a:ext>
+            </a:extLst>
+          </p:cNvPr>
+          <p:cNvSpPr txBox="1"/>
+          <p:nvPr/>
+        </p:nvSpPr>
+        <p:spPr>
+          <a:xfrm>
+            <a:off x="2781837" y="6143223"/>
+            <a:ext cx="6387921" cy="369332"/>
+          </a:xfrm>
+          <a:prstGeom prst="rect">
+            <a:avLst/>
+          </a:prstGeom>
+          <a:noFill/>
+        </p:spPr>
+        <p:txBody>
+          <a:bodyPr wrap="square" rtlCol="0">
+            <a:spAutoFit/>
+          </a:bodyPr>
+          <a:lstStyle/>
+          <a:p>
+            <a:pPr algn="ctr"/>
+            <a:r>
+              <a:rPr lang="es-MX" dirty="0">
+                <a:solidFill>
+                  <a:srgbClr val="FF0000"/>
+                </a:solidFill>
+              </a:rPr>
+              <a:t>Dejar activa esta pantalla por 3 segundos</a:t>
+            </a:r>
+          </a:p>
+        </p:txBody>
+      </p:sp>
+      <p:sp>
+        <p:nvSpPr>
+          <p:cNvPr id="6" name="CuadroTexto 5">
+            <a:extLst>
+              <a:ext uri="{FF2B5EF4-FFF2-40B4-BE49-F238E27FC236}">
+                <a16:creationId xmlns:a16="http://schemas.microsoft.com/office/drawing/2014/main" id="{0D09108B-9797-45DC-BF3E-F9ADECC2ABB6}"/>
+              </a:ext>
+            </a:extLst>
+          </p:cNvPr>
+          <p:cNvSpPr txBox="1"/>
+          <p:nvPr/>
+        </p:nvSpPr>
+        <p:spPr>
+          <a:xfrm>
+            <a:off x="2419080" y="3462275"/>
+            <a:ext cx="7547020" cy="1938992"/>
+          </a:xfrm>
+          <a:prstGeom prst="rect">
+            <a:avLst/>
+          </a:prstGeom>
+          <a:noFill/>
+        </p:spPr>
+        <p:txBody>
+          <a:bodyPr wrap="square" rtlCol="0">
+            <a:spAutoFit/>
+          </a:bodyPr>
+          <a:lstStyle/>
+          <a:p>
+            <a:pPr algn="ctr"/>
+            <a:r>
+              <a:rPr lang="es-MX" sz="6000" dirty="0"/>
+              <a:t>El pago de tu pareja fue de “y” puntos</a:t>
+            </a:r>
+          </a:p>
+        </p:txBody>
+      </p:sp>
+    </p:spTree>
+    <p:extLst>
+      <p:ext uri="{BB962C8B-B14F-4D97-AF65-F5344CB8AC3E}">
+        <p14:creationId xmlns:p14="http://schemas.microsoft.com/office/powerpoint/2010/main" val="3365350957"/>
+      </p:ext>
+    </p:extLst>
+  </p:cSld>
+  <p:clrMapOvr>
+    <a:masterClrMapping/>
+  </p:clrMapOvr>
+</p:sld>
+</file>
+
+<file path=ppt/slides/slide15.xml><?xml version="1.0" encoding="utf-8"?>
+<p:sld xmlns:a="http://schemas.openxmlformats.org/drawingml/2006/main" xmlns:r="http://schemas.openxmlformats.org/officeDocument/2006/relationships" xmlns:p="http://schemas.openxmlformats.org/presentationml/2006/main">
+  <p:cSld>
+    <p:spTree>
+      <p:nvGrpSpPr>
+        <p:cNvPr id="1" name=""/>
+        <p:cNvGrpSpPr/>
+        <p:nvPr/>
+      </p:nvGrpSpPr>
+      <p:grpSpPr>
+        <a:xfrm>
+          <a:off x="0" y="0"/>
+          <a:ext cx="0" cy="0"/>
+          <a:chOff x="0" y="0"/>
+          <a:chExt cx="0" cy="0"/>
+        </a:xfrm>
+      </p:grpSpPr>
+      <p:sp>
+        <p:nvSpPr>
+          <p:cNvPr id="3" name="Marcador de contenido 2">
+            <a:extLst>
+              <a:ext uri="{FF2B5EF4-FFF2-40B4-BE49-F238E27FC236}">
+                <a16:creationId xmlns:a16="http://schemas.microsoft.com/office/drawing/2014/main" id="{C4E6FB7F-098A-4DFF-9AE3-B02277F00C4D}"/>
+              </a:ext>
+            </a:extLst>
+          </p:cNvPr>
+          <p:cNvSpPr>
+            <a:spLocks noGrp="1"/>
+          </p:cNvSpPr>
+          <p:nvPr>
+            <p:ph idx="1"/>
+          </p:nvPr>
+        </p:nvSpPr>
+        <p:spPr/>
+        <p:txBody>
+          <a:bodyPr>
+            <a:normAutofit lnSpcReduction="10000"/>
+          </a:bodyPr>
+          <a:lstStyle/>
+          <a:p>
+            <a:pPr marL="0" indent="0" algn="ctr">
+              <a:buNone/>
+            </a:pPr>
+            <a:r>
+              <a:rPr lang="es-MX" sz="6000" dirty="0"/>
+              <a:t>¡Muchas gracias por haber participado! </a:t>
+            </a:r>
+          </a:p>
+          <a:p>
+            <a:pPr marL="0" indent="0" algn="ctr">
+              <a:buNone/>
+            </a:pPr>
+            <a:r>
+              <a:rPr lang="es-MX" sz="6000" dirty="0"/>
+              <a:t>Estás contribuyendo a que avance la ciencia </a:t>
+            </a:r>
+          </a:p>
+          <a:p>
+            <a:pPr marL="0" indent="0" algn="ctr">
+              <a:buNone/>
+            </a:pPr>
+            <a:r>
+              <a:rPr lang="es-MX" sz="6000" dirty="0">
+                <a:solidFill>
+                  <a:srgbClr val="FF0000"/>
+                </a:solidFill>
+              </a:rPr>
+              <a:t>(</a:t>
+            </a:r>
+            <a:r>
+              <a:rPr lang="es-MX" sz="6000" dirty="0" err="1">
+                <a:solidFill>
+                  <a:srgbClr val="FF0000"/>
+                </a:solidFill>
+              </a:rPr>
+              <a:t>jajajaja</a:t>
+            </a:r>
+            <a:r>
+              <a:rPr lang="es-MX" sz="6000" dirty="0">
+                <a:solidFill>
+                  <a:srgbClr val="FF0000"/>
+                </a:solidFill>
+              </a:rPr>
+              <a:t> #</a:t>
+            </a:r>
+            <a:r>
+              <a:rPr lang="es-MX" sz="6000" dirty="0" err="1">
+                <a:solidFill>
+                  <a:srgbClr val="FF0000"/>
+                </a:solidFill>
+              </a:rPr>
+              <a:t>nociertosicierto</a:t>
+            </a:r>
+            <a:r>
+              <a:rPr lang="es-MX" sz="6000" dirty="0">
+                <a:solidFill>
+                  <a:srgbClr val="FF0000"/>
+                </a:solidFill>
+              </a:rPr>
+              <a:t>)</a:t>
+            </a:r>
+          </a:p>
+        </p:txBody>
+      </p:sp>
+    </p:spTree>
+    <p:extLst>
+      <p:ext uri="{BB962C8B-B14F-4D97-AF65-F5344CB8AC3E}">
+        <p14:creationId xmlns:p14="http://schemas.microsoft.com/office/powerpoint/2010/main" val="762073607"/>
       </p:ext>
     </p:extLst>
   </p:cSld>
@@ -3575,7 +5210,7 @@
           <p:cNvPr id="2" name="Título 1">
             <a:extLst>
               <a:ext uri="{FF2B5EF4-FFF2-40B4-BE49-F238E27FC236}">
-                <a16:creationId xmlns:a16="http://schemas.microsoft.com/office/drawing/2014/main" xmlns="" id="{656C076E-7512-4EBF-8DA0-80571E80D224}"/>
+                <a16:creationId xmlns:a16="http://schemas.microsoft.com/office/drawing/2014/main" id="{656C076E-7512-4EBF-8DA0-80571E80D224}"/>
               </a:ext>
             </a:extLst>
           </p:cNvPr>
@@ -3604,7 +5239,7 @@
           <p:cNvPr id="3" name="Marcador de contenido 2">
             <a:extLst>
               <a:ext uri="{FF2B5EF4-FFF2-40B4-BE49-F238E27FC236}">
-                <a16:creationId xmlns:a16="http://schemas.microsoft.com/office/drawing/2014/main" xmlns="" id="{94EE64FD-B7EA-45A0-B1A3-92E4D8D06FCC}"/>
+                <a16:creationId xmlns:a16="http://schemas.microsoft.com/office/drawing/2014/main" id="{94EE64FD-B7EA-45A0-B1A3-92E4D8D06FCC}"/>
               </a:ext>
             </a:extLst>
           </p:cNvPr>
@@ -3622,37 +5257,16 @@
           <a:p>
             <a:pPr algn="just"/>
             <a:r>
-              <a:rPr lang="es-MX" dirty="0" smtClean="0"/>
-              <a:t>Estamos </a:t>
-            </a:r>
-            <a:r>
               <a:rPr lang="es-MX" dirty="0"/>
-              <a:t>haciendo una investigación sobre toma de decisiones bajo incertidumbre y conducta </a:t>
-            </a:r>
-            <a:r>
-              <a:rPr lang="es-MX" dirty="0" smtClean="0"/>
-              <a:t>estratégica. Para ello te pedimos que por favor sigas las instrucciones que se te indicarán. Tu participación </a:t>
-            </a:r>
-            <a:r>
-              <a:rPr lang="es-MX" dirty="0" smtClean="0"/>
-              <a:t>es </a:t>
-            </a:r>
-            <a:r>
-              <a:rPr lang="es-MX" dirty="0" smtClean="0"/>
-              <a:t>confidencial. Tus </a:t>
-            </a:r>
-            <a:r>
-              <a:rPr lang="es-MX" dirty="0" smtClean="0"/>
-              <a:t>datos serán usados únicamente con fines estadísticos. </a:t>
-            </a:r>
-            <a:endParaRPr lang="es-MX" dirty="0"/>
+              <a:t>Estamos haciendo una investigación sobre toma de decisiones bajo incertidumbre y conducta estratégica. Para ello te pedimos que por favor sigas las instrucciones. Tu participación es confidencial. Tus datos serán usados únicamente con fines estadísticos. </a:t>
+            </a:r>
           </a:p>
         </p:txBody>
       </p:sp>
     </p:spTree>
     <p:extLst>
       <p:ext uri="{BB962C8B-B14F-4D97-AF65-F5344CB8AC3E}">
-        <p14:creationId xmlns:p14="http://schemas.microsoft.com/office/powerpoint/2010/main" xmlns="" val="2856095008"/>
+        <p14:creationId xmlns:p14="http://schemas.microsoft.com/office/powerpoint/2010/main" val="2856095008"/>
       </p:ext>
     </p:extLst>
   </p:cSld>
@@ -3684,7 +5298,7 @@
           <p:cNvPr id="2" name="Título 1">
             <a:extLst>
               <a:ext uri="{FF2B5EF4-FFF2-40B4-BE49-F238E27FC236}">
-                <a16:creationId xmlns:a16="http://schemas.microsoft.com/office/drawing/2014/main" xmlns="" id="{67F3676A-2C8E-4F59-A115-0F3C57391775}"/>
+                <a16:creationId xmlns:a16="http://schemas.microsoft.com/office/drawing/2014/main" id="{67F3676A-2C8E-4F59-A115-0F3C57391775}"/>
               </a:ext>
             </a:extLst>
           </p:cNvPr>
@@ -3713,7 +5327,7 @@
           <p:cNvPr id="3" name="Marcador de contenido 2">
             <a:extLst>
               <a:ext uri="{FF2B5EF4-FFF2-40B4-BE49-F238E27FC236}">
-                <a16:creationId xmlns:a16="http://schemas.microsoft.com/office/drawing/2014/main" xmlns="" id="{94221BA1-7110-4CD3-9EB9-E1E452DD2D1E}"/>
+                <a16:creationId xmlns:a16="http://schemas.microsoft.com/office/drawing/2014/main" id="{94221BA1-7110-4CD3-9EB9-E1E452DD2D1E}"/>
               </a:ext>
             </a:extLst>
           </p:cNvPr>
@@ -3732,11 +5346,7 @@
             <a:pPr algn="just"/>
             <a:r>
               <a:rPr lang="es-MX" dirty="0"/>
-              <a:t>Lee con atención las siguientes </a:t>
-            </a:r>
-            <a:r>
-              <a:rPr lang="es-MX" dirty="0" smtClean="0"/>
-              <a:t>instrucciones:</a:t>
+              <a:t>Lee con atención las siguientes instrucciones:</a:t>
             </a:r>
           </a:p>
           <a:p>
@@ -3745,46 +5355,118 @@
               <a:buAutoNum type="arabicPeriod"/>
             </a:pPr>
             <a:r>
-              <a:rPr lang="es-ES" dirty="0" smtClean="0"/>
-              <a:t>En breve jugarás varias veces un mism</a:t>
-            </a:r>
-            <a:r>
-              <a:rPr lang="es-ES" dirty="0" smtClean="0"/>
-              <a:t>o </a:t>
-            </a:r>
-            <a:r>
-              <a:rPr lang="es-ES" dirty="0" smtClean="0"/>
-              <a:t>juego con otra persona. Es importante señalar que a lo largo de todo el experimento estarás jugando con la misma persona.</a:t>
+              <a:rPr lang="es-ES" dirty="0"/>
+              <a:t>En breve jugarás </a:t>
+            </a:r>
+            <a:r>
+              <a:rPr lang="es-ES" b="1" dirty="0"/>
+              <a:t>“n”</a:t>
+            </a:r>
+            <a:r>
+              <a:rPr lang="es-ES" dirty="0"/>
+              <a:t> veces un mismo juego con otra persona. Es importante señalar que a lo largo de todo el experimento estarás jugando con la misma persona.</a:t>
             </a:r>
             <a:endParaRPr lang="es-MX" dirty="0"/>
           </a:p>
           <a:p>
-            <a:pPr marL="914400" lvl="1" indent="-457200">
+            <a:pPr marL="914400" lvl="1" indent="-457200" algn="just">
               <a:buFont typeface="+mj-lt"/>
               <a:buAutoNum type="arabicPeriod"/>
             </a:pPr>
             <a:r>
-              <a:rPr lang="es-ES" dirty="0" smtClean="0"/>
-              <a:t>Tendrás a tu disposición un número “x” de alternativas (“x” es el número de alternativas del jugador fila), mientras que tu pareja tendrá un número “y” de alternativas (“y” es el número de alternativas del jugador columna).</a:t>
-            </a:r>
-          </a:p>
-          <a:p>
-            <a:pPr marL="914400" lvl="1" indent="-457200">
+              <a:rPr lang="es-ES" dirty="0"/>
+              <a:t>Tendrás a tu disposición </a:t>
+            </a:r>
+            <a:r>
+              <a:rPr lang="es-ES" b="1" dirty="0"/>
+              <a:t>“x”</a:t>
+            </a:r>
+            <a:r>
+              <a:rPr lang="es-ES" dirty="0"/>
+              <a:t> alternativas </a:t>
+            </a:r>
+            <a:r>
+              <a:rPr lang="es-ES" dirty="0">
+                <a:solidFill>
+                  <a:srgbClr val="FF0000"/>
+                </a:solidFill>
+              </a:rPr>
+              <a:t>(</a:t>
+            </a:r>
+            <a:r>
+              <a:rPr lang="es-ES" b="1" dirty="0">
+                <a:solidFill>
+                  <a:srgbClr val="FF0000"/>
+                </a:solidFill>
+              </a:rPr>
+              <a:t>“x”</a:t>
+            </a:r>
+            <a:r>
+              <a:rPr lang="es-ES" dirty="0">
+                <a:solidFill>
+                  <a:srgbClr val="FF0000"/>
+                </a:solidFill>
+              </a:rPr>
+              <a:t> es el número de alternativas del jugador fila)</a:t>
+            </a:r>
+            <a:r>
+              <a:rPr lang="es-ES" dirty="0"/>
+              <a:t>, mientras que tu pareja tendrá </a:t>
+            </a:r>
+            <a:r>
+              <a:rPr lang="es-ES" b="1" dirty="0"/>
+              <a:t>“y”</a:t>
+            </a:r>
+            <a:r>
+              <a:rPr lang="es-ES" dirty="0"/>
+              <a:t> alternativas </a:t>
+            </a:r>
+            <a:r>
+              <a:rPr lang="es-ES" dirty="0">
+                <a:solidFill>
+                  <a:srgbClr val="FF0000"/>
+                </a:solidFill>
+              </a:rPr>
+              <a:t>(</a:t>
+            </a:r>
+            <a:r>
+              <a:rPr lang="es-ES" b="1" dirty="0">
+                <a:solidFill>
+                  <a:srgbClr val="FF0000"/>
+                </a:solidFill>
+              </a:rPr>
+              <a:t>“y”</a:t>
+            </a:r>
+            <a:r>
+              <a:rPr lang="es-ES" dirty="0">
+                <a:solidFill>
+                  <a:srgbClr val="FF0000"/>
+                </a:solidFill>
+              </a:rPr>
+              <a:t> es el número de alternativas del jugador columna)</a:t>
+            </a:r>
+            <a:r>
+              <a:rPr lang="es-ES" dirty="0"/>
+              <a:t>.</a:t>
+            </a:r>
+          </a:p>
+          <a:p>
+            <a:pPr marL="914400" lvl="1" indent="-457200" algn="just">
               <a:buFont typeface="+mj-lt"/>
               <a:buAutoNum type="arabicPeriod"/>
             </a:pPr>
             <a:r>
-              <a:rPr lang="es-ES" dirty="0" smtClean="0"/>
-              <a:t>El resultado del juego se expresa con un puntaje para ti y para tu pareja y depende de qué elegiste tú y qué eligió tu pareja. Tu objetivo es obtener el mayor puntaje posible en cada juego.</a:t>
-            </a:r>
-          </a:p>
-          <a:p>
-            <a:pPr marL="914400" lvl="1" indent="-457200">
+              <a:rPr lang="es-ES" dirty="0"/>
+              <a:t>El resultado del juego se expresa con un puntaje que depende de qué elegiste tú y qué eligió tu pareja. Tu objetivo es obtener el mayor puntaje posible en cada juego.</a:t>
+            </a:r>
+          </a:p>
+          <a:p>
+            <a:pPr marL="914400" lvl="1" indent="-457200" algn="just">
               <a:buFont typeface="+mj-lt"/>
               <a:buAutoNum type="arabicPeriod"/>
             </a:pPr>
             <a:r>
-              <a:rPr lang="es-ES" dirty="0" smtClean="0"/>
+              <a:rPr lang="es-ES" dirty="0"/>
               <a:t>En la siguiente pantalla se mostrará cuáles son los puntajes de acuerdo a sus elecciones.</a:t>
             </a:r>
           </a:p>
@@ -3797,7 +5479,7 @@
     </p:spTree>
     <p:extLst>
       <p:ext uri="{BB962C8B-B14F-4D97-AF65-F5344CB8AC3E}">
-        <p14:creationId xmlns:p14="http://schemas.microsoft.com/office/powerpoint/2010/main" xmlns="" val="521530896"/>
+        <p14:creationId xmlns:p14="http://schemas.microsoft.com/office/powerpoint/2010/main" val="521530896"/>
       </p:ext>
     </p:extLst>
   </p:cSld>
@@ -3834,14 +5516,19 @@
             <p:ph type="title"/>
           </p:nvPr>
         </p:nvSpPr>
-        <p:spPr/>
+        <p:spPr>
+          <a:xfrm>
+            <a:off x="839788" y="337829"/>
+            <a:ext cx="10515600" cy="1325563"/>
+          </a:xfrm>
+        </p:spPr>
         <p:txBody>
           <a:bodyPr/>
           <a:lstStyle/>
           <a:p>
             <a:pPr algn="ctr"/>
             <a:r>
-              <a:rPr lang="es-ES" dirty="0" smtClean="0"/>
+              <a:rPr lang="es-ES" dirty="0"/>
               <a:t>Pagos del juego</a:t>
             </a:r>
             <a:endParaRPr lang="es-MX" dirty="0"/>
@@ -3858,37 +5545,43 @@
             <p:ph type="body" idx="1"/>
           </p:nvPr>
         </p:nvSpPr>
-        <p:spPr/>
+        <p:spPr>
+          <a:xfrm>
+            <a:off x="839788" y="1681163"/>
+            <a:ext cx="7348869" cy="823912"/>
+          </a:xfrm>
+        </p:spPr>
         <p:txBody>
           <a:bodyPr/>
           <a:lstStyle/>
           <a:p>
             <a:r>
-              <a:rPr lang="es-ES" dirty="0" smtClean="0"/>
-              <a:t>Pagos del Jugador Fila (tus pagos)</a:t>
-            </a:r>
-            <a:endParaRPr lang="es-MX" dirty="0"/>
-          </a:p>
-        </p:txBody>
-      </p:sp>
-      <p:sp>
-        <p:nvSpPr>
-          <p:cNvPr id="5" name="4 Marcador de texto"/>
-          <p:cNvSpPr>
-            <a:spLocks noGrp="1"/>
-          </p:cNvSpPr>
-          <p:nvPr>
-            <p:ph type="body" sz="quarter" idx="3"/>
-          </p:nvPr>
-        </p:nvSpPr>
-        <p:spPr/>
-        <p:txBody>
-          <a:bodyPr/>
-          <a:lstStyle/>
-          <a:p>
-            <a:r>
-              <a:rPr lang="es-ES" dirty="0" smtClean="0"/>
-              <a:t>Pagos del Jugador Columna (sus pagos)</a:t>
+              <a:rPr lang="es-ES" dirty="0"/>
+              <a:t>Pagos (</a:t>
+            </a:r>
+            <a:r>
+              <a:rPr lang="es-ES" dirty="0">
+                <a:solidFill>
+                  <a:srgbClr val="00B050"/>
+                </a:solidFill>
+              </a:rPr>
+              <a:t>tus pagos </a:t>
+            </a:r>
+            <a:r>
+              <a:rPr lang="es-ES" dirty="0"/>
+              <a:t>y </a:t>
+            </a:r>
+            <a:r>
+              <a:rPr lang="es-ES" dirty="0">
+                <a:solidFill>
+                  <a:srgbClr val="FF0000"/>
+                </a:solidFill>
+              </a:rPr>
+              <a:t>pagos de tu pareja</a:t>
+            </a:r>
+            <a:r>
+              <a:rPr lang="es-ES" dirty="0"/>
+              <a:t>)</a:t>
             </a:r>
             <a:endParaRPr lang="es-MX" dirty="0"/>
           </a:p>
@@ -3896,17 +5589,22 @@
       </p:sp>
       <p:graphicFrame>
         <p:nvGraphicFramePr>
-          <p:cNvPr id="11" name="10 Marcador de contenido"/>
+          <p:cNvPr id="10" name="9 Marcador de contenido"/>
           <p:cNvGraphicFramePr>
             <a:graphicFrameLocks noGrp="1"/>
           </p:cNvGraphicFramePr>
           <p:nvPr>
-            <p:ph sz="quarter" idx="4"/>
+            <p:ph sz="half" idx="2"/>
+            <p:extLst>
+              <p:ext uri="{D42A27DB-BD31-4B8C-83A1-F6EECF244321}">
+                <p14:modId xmlns:p14="http://schemas.microsoft.com/office/powerpoint/2010/main" val="3622738069"/>
+              </p:ext>
+            </p:extLst>
           </p:nvPr>
         </p:nvGraphicFramePr>
         <p:xfrm>
-          <a:off x="6172200" y="2505071"/>
-          <a:ext cx="5312664" cy="3798192"/>
+          <a:off x="836612" y="2505071"/>
+          <a:ext cx="6208134" cy="3822320"/>
         </p:xfrm>
         <a:graphic>
           <a:graphicData uri="http://schemas.openxmlformats.org/drawingml/2006/table">
@@ -3915,14 +5613,50 @@
                 <a:tableStyleId>{5C22544A-7EE6-4342-B048-85BDC9FD1C3A}</a:tableStyleId>
               </a:tblPr>
               <a:tblGrid>
-                <a:gridCol w="885444"/>
-                <a:gridCol w="885444"/>
-                <a:gridCol w="885444"/>
-                <a:gridCol w="885444"/>
-                <a:gridCol w="885444"/>
-                <a:gridCol w="885444"/>
+                <a:gridCol w="1034689">
+                  <a:extLst>
+                    <a:ext uri="{9D8B030D-6E8A-4147-A177-3AD203B41FA5}">
+                      <a16:colId xmlns:a16="http://schemas.microsoft.com/office/drawing/2014/main" val="20000"/>
+                    </a:ext>
+                  </a:extLst>
+                </a:gridCol>
+                <a:gridCol w="1034689">
+                  <a:extLst>
+                    <a:ext uri="{9D8B030D-6E8A-4147-A177-3AD203B41FA5}">
+                      <a16:colId xmlns:a16="http://schemas.microsoft.com/office/drawing/2014/main" val="20001"/>
+                    </a:ext>
+                  </a:extLst>
+                </a:gridCol>
+                <a:gridCol w="1034689">
+                  <a:extLst>
+                    <a:ext uri="{9D8B030D-6E8A-4147-A177-3AD203B41FA5}">
+                      <a16:colId xmlns:a16="http://schemas.microsoft.com/office/drawing/2014/main" val="20002"/>
+                    </a:ext>
+                  </a:extLst>
+                </a:gridCol>
+                <a:gridCol w="1034689">
+                  <a:extLst>
+                    <a:ext uri="{9D8B030D-6E8A-4147-A177-3AD203B41FA5}">
+                      <a16:colId xmlns:a16="http://schemas.microsoft.com/office/drawing/2014/main" val="20003"/>
+                    </a:ext>
+                  </a:extLst>
+                </a:gridCol>
+                <a:gridCol w="1034689">
+                  <a:extLst>
+                    <a:ext uri="{9D8B030D-6E8A-4147-A177-3AD203B41FA5}">
+                      <a16:colId xmlns:a16="http://schemas.microsoft.com/office/drawing/2014/main" val="20004"/>
+                    </a:ext>
+                  </a:extLst>
+                </a:gridCol>
+                <a:gridCol w="1034689">
+                  <a:extLst>
+                    <a:ext uri="{9D8B030D-6E8A-4147-A177-3AD203B41FA5}">
+                      <a16:colId xmlns:a16="http://schemas.microsoft.com/office/drawing/2014/main" val="20005"/>
+                    </a:ext>
+                  </a:extLst>
+                </a:gridCol>
               </a:tblGrid>
-              <a:tr h="633032">
+              <a:tr h="631000">
                 <a:tc>
                   <a:txBody>
                     <a:bodyPr/>
@@ -3939,8 +5673,8 @@
                     <a:lstStyle/>
                     <a:p>
                       <a:r>
-                        <a:rPr lang="es-ES" dirty="0" smtClean="0"/>
-                        <a:t>Y tu pareja elige…</a:t>
+                        <a:rPr lang="es-ES" dirty="0"/>
+                        <a:t>Alternativas de tu pareja</a:t>
                       </a:r>
                       <a:endParaRPr lang="es-MX" dirty="0"/>
                     </a:p>
@@ -3987,39 +5721,44 @@
                   </a:txBody>
                   <a:tcPr/>
                 </a:tc>
+                <a:extLst>
+                  <a:ext uri="{0D108BD9-81ED-4DB2-BD59-A6C34878D82A}">
+                    <a16:rowId xmlns:a16="http://schemas.microsoft.com/office/drawing/2014/main" val="10000"/>
+                  </a:ext>
+                </a:extLst>
               </a:tr>
-              <a:tr h="633032">
+              <a:tr h="631000">
                 <a:tc rowSpan="5">
                   <a:txBody>
                     <a:bodyPr/>
                     <a:lstStyle/>
                     <a:p>
                       <a:r>
-                        <a:rPr lang="es-ES" dirty="0" smtClean="0"/>
-                        <a:t>Si tú eliges… </a:t>
-                      </a:r>
-                      <a:endParaRPr lang="es-MX" dirty="0"/>
-                    </a:p>
-                  </a:txBody>
-                  <a:tcPr/>
-                </a:tc>
-                <a:tc>
-                  <a:txBody>
-                    <a:bodyPr/>
-                    <a:lstStyle/>
-                    <a:p>
-                      <a:endParaRPr lang="es-MX" dirty="0"/>
-                    </a:p>
-                  </a:txBody>
-                  <a:tcPr/>
-                </a:tc>
-                <a:tc>
-                  <a:txBody>
-                    <a:bodyPr/>
-                    <a:lstStyle/>
-                    <a:p>
-                      <a:r>
-                        <a:rPr lang="es-ES" dirty="0" smtClean="0"/>
+                        <a:rPr lang="es-ES" dirty="0"/>
+                        <a:t>Tus alternativas</a:t>
+                      </a:r>
+                      <a:endParaRPr lang="es-MX" dirty="0"/>
+                    </a:p>
+                  </a:txBody>
+                  <a:tcPr vert="vert270"/>
+                </a:tc>
+                <a:tc>
+                  <a:txBody>
+                    <a:bodyPr/>
+                    <a:lstStyle/>
+                    <a:p>
+                      <a:endParaRPr lang="es-MX" dirty="0"/>
+                    </a:p>
+                  </a:txBody>
+                  <a:tcPr/>
+                </a:tc>
+                <a:tc>
+                  <a:txBody>
+                    <a:bodyPr/>
+                    <a:lstStyle/>
+                    <a:p>
+                      <a:r>
+                        <a:rPr lang="es-ES" dirty="0"/>
                         <a:t>E</a:t>
                       </a:r>
                       <a:endParaRPr lang="es-MX" dirty="0"/>
@@ -4033,7 +5772,7 @@
                     <a:lstStyle/>
                     <a:p>
                       <a:r>
-                        <a:rPr lang="es-ES" dirty="0" smtClean="0"/>
+                        <a:rPr lang="es-ES" dirty="0"/>
                         <a:t>F</a:t>
                       </a:r>
                       <a:endParaRPr lang="es-MX" dirty="0"/>
@@ -4047,7 +5786,7 @@
                     <a:lstStyle/>
                     <a:p>
                       <a:r>
-                        <a:rPr lang="es-ES" dirty="0" smtClean="0"/>
+                        <a:rPr lang="es-ES" dirty="0"/>
                         <a:t>G</a:t>
                       </a:r>
                       <a:endParaRPr lang="es-MX" dirty="0"/>
@@ -4061,7 +5800,7 @@
                     <a:lstStyle/>
                     <a:p>
                       <a:r>
-                        <a:rPr lang="es-ES" dirty="0" smtClean="0"/>
+                        <a:rPr lang="es-ES" dirty="0"/>
                         <a:t>H</a:t>
                       </a:r>
                       <a:endParaRPr lang="es-MX" dirty="0"/>
@@ -4069,8 +5808,13 @@
                   </a:txBody>
                   <a:tcPr/>
                 </a:tc>
+                <a:extLst>
+                  <a:ext uri="{0D108BD9-81ED-4DB2-BD59-A6C34878D82A}">
+                    <a16:rowId xmlns:a16="http://schemas.microsoft.com/office/drawing/2014/main" val="10001"/>
+                  </a:ext>
+                </a:extLst>
               </a:tr>
-              <a:tr h="633032">
+              <a:tr h="631000">
                 <a:tc vMerge="1">
                   <a:txBody>
                     <a:bodyPr/>
@@ -4087,7 +5831,7 @@
                     <a:lstStyle/>
                     <a:p>
                       <a:r>
-                        <a:rPr lang="es-ES" dirty="0" smtClean="0"/>
+                        <a:rPr lang="es-ES" dirty="0"/>
                         <a:t>A</a:t>
                       </a:r>
                       <a:endParaRPr lang="es-MX" dirty="0"/>
@@ -4100,43 +5844,184 @@
                     <a:bodyPr/>
                     <a:lstStyle/>
                     <a:p>
-                      <a:endParaRPr lang="es-MX"/>
-                    </a:p>
-                  </a:txBody>
-                  <a:tcPr/>
-                </a:tc>
-                <a:tc>
-                  <a:txBody>
-                    <a:bodyPr/>
-                    <a:lstStyle/>
-                    <a:p>
-                      <a:endParaRPr lang="es-MX"/>
-                    </a:p>
-                  </a:txBody>
-                  <a:tcPr/>
-                </a:tc>
-                <a:tc>
-                  <a:txBody>
-                    <a:bodyPr/>
-                    <a:lstStyle/>
-                    <a:p>
-                      <a:endParaRPr lang="es-MX"/>
-                    </a:p>
-                  </a:txBody>
-                  <a:tcPr/>
-                </a:tc>
-                <a:tc>
-                  <a:txBody>
-                    <a:bodyPr/>
-                    <a:lstStyle/>
-                    <a:p>
-                      <a:endParaRPr lang="es-MX"/>
-                    </a:p>
-                  </a:txBody>
-                  <a:tcPr/>
-                </a:tc>
+                      <a:r>
+                        <a:rPr lang="es-MX" dirty="0">
+                          <a:solidFill>
+                            <a:srgbClr val="00B050"/>
+                          </a:solidFill>
+                        </a:rPr>
+                        <a:t>A11</a:t>
+                      </a:r>
+                      <a:r>
+                        <a:rPr lang="es-MX" dirty="0"/>
+                        <a:t>, </a:t>
+                      </a:r>
+                      <a:r>
+                        <a:rPr lang="es-MX" dirty="0">
+                          <a:solidFill>
+                            <a:srgbClr val="FF0000"/>
+                          </a:solidFill>
+                        </a:rPr>
+                        <a:t>B11</a:t>
+                      </a:r>
+                    </a:p>
+                  </a:txBody>
+                  <a:tcPr/>
+                </a:tc>
+                <a:tc>
+                  <a:txBody>
+                    <a:bodyPr/>
+                    <a:lstStyle/>
+                    <a:p>
+                      <a:pPr marL="0" marR="0" lvl="0" indent="0" algn="l" defTabSz="914400" rtl="0" eaLnBrk="1" fontAlgn="auto" latinLnBrk="0" hangingPunct="1">
+                        <a:lnSpc>
+                          <a:spcPct val="100000"/>
+                        </a:lnSpc>
+                        <a:spcBef>
+                          <a:spcPts val="0"/>
+                        </a:spcBef>
+                        <a:spcAft>
+                          <a:spcPts val="0"/>
+                        </a:spcAft>
+                        <a:buClrTx/>
+                        <a:buSzTx/>
+                        <a:buFontTx/>
+                        <a:buNone/>
+                        <a:tabLst/>
+                        <a:defRPr/>
+                      </a:pPr>
+                      <a:r>
+                        <a:rPr lang="es-MX" dirty="0">
+                          <a:solidFill>
+                            <a:srgbClr val="00B050"/>
+                          </a:solidFill>
+                        </a:rPr>
+                        <a:t>A12</a:t>
+                      </a:r>
+                      <a:r>
+                        <a:rPr lang="es-MX" dirty="0"/>
+                        <a:t>, </a:t>
+                      </a:r>
+                      <a:r>
+                        <a:rPr lang="es-MX" dirty="0">
+                          <a:solidFill>
+                            <a:srgbClr val="FF0000"/>
+                          </a:solidFill>
+                        </a:rPr>
+                        <a:t>B12</a:t>
+                      </a:r>
+                    </a:p>
+                    <a:p>
+                      <a:endParaRPr lang="es-MX" dirty="0"/>
+                    </a:p>
+                  </a:txBody>
+                  <a:tcPr/>
+                </a:tc>
+                <a:tc>
+                  <a:txBody>
+                    <a:bodyPr/>
+                    <a:lstStyle/>
+                    <a:p>
+                      <a:pPr marL="0" marR="0" lvl="0" indent="0" algn="l" defTabSz="914400" rtl="0" eaLnBrk="1" fontAlgn="auto" latinLnBrk="0" hangingPunct="1">
+                        <a:lnSpc>
+                          <a:spcPct val="100000"/>
+                        </a:lnSpc>
+                        <a:spcBef>
+                          <a:spcPts val="0"/>
+                        </a:spcBef>
+                        <a:spcAft>
+                          <a:spcPts val="0"/>
+                        </a:spcAft>
+                        <a:buClrTx/>
+                        <a:buSzTx/>
+                        <a:buFontTx/>
+                        <a:buNone/>
+                        <a:tabLst/>
+                        <a:defRPr/>
+                      </a:pPr>
+                      <a:r>
+                        <a:rPr lang="es-MX" dirty="0">
+                          <a:solidFill>
+                            <a:srgbClr val="00B050"/>
+                          </a:solidFill>
+                        </a:rPr>
+                        <a:t>A13</a:t>
+                      </a:r>
+                      <a:r>
+                        <a:rPr lang="es-MX" dirty="0"/>
+                        <a:t>, </a:t>
+                      </a:r>
+                      <a:r>
+                        <a:rPr lang="es-MX" dirty="0">
+                          <a:solidFill>
+                            <a:srgbClr val="FF0000"/>
+                          </a:solidFill>
+                        </a:rPr>
+                        <a:t>B13</a:t>
+                      </a:r>
+                    </a:p>
+                    <a:p>
+                      <a:endParaRPr lang="es-MX" dirty="0"/>
+                    </a:p>
+                  </a:txBody>
+                  <a:tcPr/>
+                </a:tc>
+                <a:tc>
+                  <a:txBody>
+                    <a:bodyPr/>
+                    <a:lstStyle/>
+                    <a:p>
+                      <a:pPr marL="0" marR="0" lvl="0" indent="0" algn="l" defTabSz="914400" rtl="0" eaLnBrk="1" fontAlgn="auto" latinLnBrk="0" hangingPunct="1">
+                        <a:lnSpc>
+                          <a:spcPct val="100000"/>
+                        </a:lnSpc>
+                        <a:spcBef>
+                          <a:spcPts val="0"/>
+                        </a:spcBef>
+                        <a:spcAft>
+                          <a:spcPts val="0"/>
+                        </a:spcAft>
+                        <a:buClrTx/>
+                        <a:buSzTx/>
+                        <a:buFontTx/>
+                        <a:buNone/>
+                        <a:tabLst/>
+                        <a:defRPr/>
+                      </a:pPr>
+                      <a:r>
+                        <a:rPr lang="es-MX" dirty="0">
+                          <a:solidFill>
+                            <a:srgbClr val="00B050"/>
+                          </a:solidFill>
+                        </a:rPr>
+                        <a:t>A14</a:t>
+                      </a:r>
+                      <a:r>
+                        <a:rPr lang="es-MX" dirty="0"/>
+                        <a:t>, </a:t>
+                      </a:r>
+                      <a:r>
+                        <a:rPr lang="es-MX" dirty="0">
+                          <a:solidFill>
+                            <a:srgbClr val="FF0000"/>
+                          </a:solidFill>
+                        </a:rPr>
+                        <a:t>B14</a:t>
+                      </a:r>
+                    </a:p>
+                    <a:p>
+                      <a:endParaRPr lang="es-MX" dirty="0"/>
+                    </a:p>
+                  </a:txBody>
+                  <a:tcPr/>
+                </a:tc>
+                <a:extLst>
+                  <a:ext uri="{0D108BD9-81ED-4DB2-BD59-A6C34878D82A}">
+                    <a16:rowId xmlns:a16="http://schemas.microsoft.com/office/drawing/2014/main" val="10002"/>
+                  </a:ext>
+                </a:extLst>
               </a:tr>
-              <a:tr h="633032">
+              <a:tr h="631000">
                 <a:tc vMerge="1">
                   <a:txBody>
                     <a:bodyPr/>
@@ -4153,7 +6038,7 @@
                     <a:lstStyle/>
                     <a:p>
                       <a:r>
-                        <a:rPr lang="es-ES" dirty="0" smtClean="0"/>
+                        <a:rPr lang="es-ES" dirty="0"/>
                         <a:t>B</a:t>
                       </a:r>
                       <a:endParaRPr lang="es-MX" dirty="0"/>
@@ -4166,43 +6051,204 @@
                     <a:bodyPr/>
                     <a:lstStyle/>
                     <a:p>
-                      <a:endParaRPr lang="es-MX"/>
-                    </a:p>
-                  </a:txBody>
-                  <a:tcPr/>
-                </a:tc>
-                <a:tc>
-                  <a:txBody>
-                    <a:bodyPr/>
-                    <a:lstStyle/>
-                    <a:p>
-                      <a:endParaRPr lang="es-MX"/>
-                    </a:p>
-                  </a:txBody>
-                  <a:tcPr/>
-                </a:tc>
-                <a:tc>
-                  <a:txBody>
-                    <a:bodyPr/>
-                    <a:lstStyle/>
-                    <a:p>
-                      <a:endParaRPr lang="es-MX"/>
-                    </a:p>
-                  </a:txBody>
-                  <a:tcPr/>
-                </a:tc>
-                <a:tc>
-                  <a:txBody>
-                    <a:bodyPr/>
-                    <a:lstStyle/>
-                    <a:p>
-                      <a:endParaRPr lang="es-MX"/>
-                    </a:p>
-                  </a:txBody>
-                  <a:tcPr/>
-                </a:tc>
+                      <a:pPr marL="0" marR="0" lvl="0" indent="0" algn="l" defTabSz="914400" rtl="0" eaLnBrk="1" fontAlgn="auto" latinLnBrk="0" hangingPunct="1">
+                        <a:lnSpc>
+                          <a:spcPct val="100000"/>
+                        </a:lnSpc>
+                        <a:spcBef>
+                          <a:spcPts val="0"/>
+                        </a:spcBef>
+                        <a:spcAft>
+                          <a:spcPts val="0"/>
+                        </a:spcAft>
+                        <a:buClrTx/>
+                        <a:buSzTx/>
+                        <a:buFontTx/>
+                        <a:buNone/>
+                        <a:tabLst/>
+                        <a:defRPr/>
+                      </a:pPr>
+                      <a:r>
+                        <a:rPr lang="es-MX" dirty="0">
+                          <a:solidFill>
+                            <a:srgbClr val="00B050"/>
+                          </a:solidFill>
+                        </a:rPr>
+                        <a:t>A21</a:t>
+                      </a:r>
+                      <a:r>
+                        <a:rPr lang="es-MX" dirty="0"/>
+                        <a:t>, </a:t>
+                      </a:r>
+                      <a:r>
+                        <a:rPr lang="es-MX" dirty="0">
+                          <a:solidFill>
+                            <a:srgbClr val="FF0000"/>
+                          </a:solidFill>
+                        </a:rPr>
+                        <a:t>B21</a:t>
+                      </a:r>
+                    </a:p>
+                    <a:p>
+                      <a:endParaRPr lang="es-MX" dirty="0"/>
+                    </a:p>
+                  </a:txBody>
+                  <a:tcPr/>
+                </a:tc>
+                <a:tc>
+                  <a:txBody>
+                    <a:bodyPr/>
+                    <a:lstStyle/>
+                    <a:p>
+                      <a:pPr marL="0" marR="0" lvl="0" indent="0" algn="l" defTabSz="914400" rtl="0" eaLnBrk="1" fontAlgn="auto" latinLnBrk="0" hangingPunct="1">
+                        <a:lnSpc>
+                          <a:spcPct val="100000"/>
+                        </a:lnSpc>
+                        <a:spcBef>
+                          <a:spcPts val="0"/>
+                        </a:spcBef>
+                        <a:spcAft>
+                          <a:spcPts val="0"/>
+                        </a:spcAft>
+                        <a:buClrTx/>
+                        <a:buSzTx/>
+                        <a:buFontTx/>
+                        <a:buNone/>
+                        <a:tabLst/>
+                        <a:defRPr/>
+                      </a:pPr>
+                      <a:r>
+                        <a:rPr lang="es-MX" dirty="0">
+                          <a:solidFill>
+                            <a:srgbClr val="00B050"/>
+                          </a:solidFill>
+                        </a:rPr>
+                        <a:t>A22</a:t>
+                      </a:r>
+                      <a:r>
+                        <a:rPr lang="es-MX" dirty="0"/>
+                        <a:t>, </a:t>
+                      </a:r>
+                      <a:r>
+                        <a:rPr lang="es-MX" dirty="0">
+                          <a:solidFill>
+                            <a:srgbClr val="FF0000"/>
+                          </a:solidFill>
+                        </a:rPr>
+                        <a:t>B22</a:t>
+                      </a:r>
+                    </a:p>
+                    <a:p>
+                      <a:endParaRPr lang="es-MX" dirty="0"/>
+                    </a:p>
+                  </a:txBody>
+                  <a:tcPr/>
+                </a:tc>
+                <a:tc>
+                  <a:txBody>
+                    <a:bodyPr/>
+                    <a:lstStyle/>
+                    <a:p>
+                      <a:pPr marL="0" marR="0" lvl="0" indent="0" algn="l" defTabSz="914400" rtl="0" eaLnBrk="1" fontAlgn="auto" latinLnBrk="0" hangingPunct="1">
+                        <a:lnSpc>
+                          <a:spcPct val="100000"/>
+                        </a:lnSpc>
+                        <a:spcBef>
+                          <a:spcPts val="0"/>
+                        </a:spcBef>
+                        <a:spcAft>
+                          <a:spcPts val="0"/>
+                        </a:spcAft>
+                        <a:buClrTx/>
+                        <a:buSzTx/>
+                        <a:buFontTx/>
+                        <a:buNone/>
+                        <a:tabLst/>
+                        <a:defRPr/>
+                      </a:pPr>
+                      <a:r>
+                        <a:rPr lang="es-MX" dirty="0">
+                          <a:solidFill>
+                            <a:srgbClr val="00B050"/>
+                          </a:solidFill>
+                        </a:rPr>
+                        <a:t>A23</a:t>
+                      </a:r>
+                      <a:r>
+                        <a:rPr lang="es-MX" dirty="0"/>
+                        <a:t>, </a:t>
+                      </a:r>
+                      <a:r>
+                        <a:rPr lang="es-MX" dirty="0">
+                          <a:solidFill>
+                            <a:srgbClr val="FF0000"/>
+                          </a:solidFill>
+                        </a:rPr>
+                        <a:t>B23</a:t>
+                      </a:r>
+                    </a:p>
+                    <a:p>
+                      <a:endParaRPr lang="es-MX" dirty="0"/>
+                    </a:p>
+                  </a:txBody>
+                  <a:tcPr/>
+                </a:tc>
+                <a:tc>
+                  <a:txBody>
+                    <a:bodyPr/>
+                    <a:lstStyle/>
+                    <a:p>
+                      <a:pPr marL="0" marR="0" lvl="0" indent="0" algn="l" defTabSz="914400" rtl="0" eaLnBrk="1" fontAlgn="auto" latinLnBrk="0" hangingPunct="1">
+                        <a:lnSpc>
+                          <a:spcPct val="100000"/>
+                        </a:lnSpc>
+                        <a:spcBef>
+                          <a:spcPts val="0"/>
+                        </a:spcBef>
+                        <a:spcAft>
+                          <a:spcPts val="0"/>
+                        </a:spcAft>
+                        <a:buClrTx/>
+                        <a:buSzTx/>
+                        <a:buFontTx/>
+                        <a:buNone/>
+                        <a:tabLst/>
+                        <a:defRPr/>
+                      </a:pPr>
+                      <a:r>
+                        <a:rPr lang="es-MX" dirty="0">
+                          <a:solidFill>
+                            <a:srgbClr val="00B050"/>
+                          </a:solidFill>
+                        </a:rPr>
+                        <a:t>A24</a:t>
+                      </a:r>
+                      <a:r>
+                        <a:rPr lang="es-MX" dirty="0"/>
+                        <a:t>, </a:t>
+                      </a:r>
+                      <a:r>
+                        <a:rPr lang="es-MX" dirty="0">
+                          <a:solidFill>
+                            <a:srgbClr val="FF0000"/>
+                          </a:solidFill>
+                        </a:rPr>
+                        <a:t>B24</a:t>
+                      </a:r>
+                    </a:p>
+                    <a:p>
+                      <a:endParaRPr lang="es-MX" dirty="0"/>
+                    </a:p>
+                  </a:txBody>
+                  <a:tcPr/>
+                </a:tc>
+                <a:extLst>
+                  <a:ext uri="{0D108BD9-81ED-4DB2-BD59-A6C34878D82A}">
+                    <a16:rowId xmlns:a16="http://schemas.microsoft.com/office/drawing/2014/main" val="10003"/>
+                  </a:ext>
+                </a:extLst>
               </a:tr>
-              <a:tr h="633032">
+              <a:tr h="631000">
                 <a:tc vMerge="1">
                   <a:txBody>
                     <a:bodyPr/>
@@ -4219,7 +6265,7 @@
                     <a:lstStyle/>
                     <a:p>
                       <a:r>
-                        <a:rPr lang="es-ES" dirty="0" smtClean="0"/>
+                        <a:rPr lang="es-ES" dirty="0"/>
                         <a:t>C</a:t>
                       </a:r>
                       <a:endParaRPr lang="es-MX" dirty="0"/>
@@ -4232,43 +6278,204 @@
                     <a:bodyPr/>
                     <a:lstStyle/>
                     <a:p>
-                      <a:endParaRPr lang="es-MX"/>
-                    </a:p>
-                  </a:txBody>
-                  <a:tcPr/>
-                </a:tc>
-                <a:tc>
-                  <a:txBody>
-                    <a:bodyPr/>
-                    <a:lstStyle/>
-                    <a:p>
-                      <a:endParaRPr lang="es-MX"/>
-                    </a:p>
-                  </a:txBody>
-                  <a:tcPr/>
-                </a:tc>
-                <a:tc>
-                  <a:txBody>
-                    <a:bodyPr/>
-                    <a:lstStyle/>
-                    <a:p>
-                      <a:endParaRPr lang="es-MX"/>
-                    </a:p>
-                  </a:txBody>
-                  <a:tcPr/>
-                </a:tc>
-                <a:tc>
-                  <a:txBody>
-                    <a:bodyPr/>
-                    <a:lstStyle/>
-                    <a:p>
-                      <a:endParaRPr lang="es-MX"/>
-                    </a:p>
-                  </a:txBody>
-                  <a:tcPr/>
-                </a:tc>
+                      <a:pPr marL="0" marR="0" lvl="0" indent="0" algn="l" defTabSz="914400" rtl="0" eaLnBrk="1" fontAlgn="auto" latinLnBrk="0" hangingPunct="1">
+                        <a:lnSpc>
+                          <a:spcPct val="100000"/>
+                        </a:lnSpc>
+                        <a:spcBef>
+                          <a:spcPts val="0"/>
+                        </a:spcBef>
+                        <a:spcAft>
+                          <a:spcPts val="0"/>
+                        </a:spcAft>
+                        <a:buClrTx/>
+                        <a:buSzTx/>
+                        <a:buFontTx/>
+                        <a:buNone/>
+                        <a:tabLst/>
+                        <a:defRPr/>
+                      </a:pPr>
+                      <a:r>
+                        <a:rPr lang="es-MX" dirty="0">
+                          <a:solidFill>
+                            <a:srgbClr val="00B050"/>
+                          </a:solidFill>
+                        </a:rPr>
+                        <a:t>A31</a:t>
+                      </a:r>
+                      <a:r>
+                        <a:rPr lang="es-MX" dirty="0"/>
+                        <a:t>, </a:t>
+                      </a:r>
+                      <a:r>
+                        <a:rPr lang="es-MX" dirty="0">
+                          <a:solidFill>
+                            <a:srgbClr val="FF0000"/>
+                          </a:solidFill>
+                        </a:rPr>
+                        <a:t>B31</a:t>
+                      </a:r>
+                    </a:p>
+                    <a:p>
+                      <a:endParaRPr lang="es-MX" dirty="0"/>
+                    </a:p>
+                  </a:txBody>
+                  <a:tcPr/>
+                </a:tc>
+                <a:tc>
+                  <a:txBody>
+                    <a:bodyPr/>
+                    <a:lstStyle/>
+                    <a:p>
+                      <a:pPr marL="0" marR="0" lvl="0" indent="0" algn="l" defTabSz="914400" rtl="0" eaLnBrk="1" fontAlgn="auto" latinLnBrk="0" hangingPunct="1">
+                        <a:lnSpc>
+                          <a:spcPct val="100000"/>
+                        </a:lnSpc>
+                        <a:spcBef>
+                          <a:spcPts val="0"/>
+                        </a:spcBef>
+                        <a:spcAft>
+                          <a:spcPts val="0"/>
+                        </a:spcAft>
+                        <a:buClrTx/>
+                        <a:buSzTx/>
+                        <a:buFontTx/>
+                        <a:buNone/>
+                        <a:tabLst/>
+                        <a:defRPr/>
+                      </a:pPr>
+                      <a:r>
+                        <a:rPr lang="es-MX" dirty="0">
+                          <a:solidFill>
+                            <a:srgbClr val="00B050"/>
+                          </a:solidFill>
+                        </a:rPr>
+                        <a:t>A32</a:t>
+                      </a:r>
+                      <a:r>
+                        <a:rPr lang="es-MX" dirty="0"/>
+                        <a:t>, </a:t>
+                      </a:r>
+                      <a:r>
+                        <a:rPr lang="es-MX" dirty="0">
+                          <a:solidFill>
+                            <a:srgbClr val="FF0000"/>
+                          </a:solidFill>
+                        </a:rPr>
+                        <a:t>B32</a:t>
+                      </a:r>
+                    </a:p>
+                    <a:p>
+                      <a:endParaRPr lang="es-MX" dirty="0"/>
+                    </a:p>
+                  </a:txBody>
+                  <a:tcPr/>
+                </a:tc>
+                <a:tc>
+                  <a:txBody>
+                    <a:bodyPr/>
+                    <a:lstStyle/>
+                    <a:p>
+                      <a:pPr marL="0" marR="0" lvl="0" indent="0" algn="l" defTabSz="914400" rtl="0" eaLnBrk="1" fontAlgn="auto" latinLnBrk="0" hangingPunct="1">
+                        <a:lnSpc>
+                          <a:spcPct val="100000"/>
+                        </a:lnSpc>
+                        <a:spcBef>
+                          <a:spcPts val="0"/>
+                        </a:spcBef>
+                        <a:spcAft>
+                          <a:spcPts val="0"/>
+                        </a:spcAft>
+                        <a:buClrTx/>
+                        <a:buSzTx/>
+                        <a:buFontTx/>
+                        <a:buNone/>
+                        <a:tabLst/>
+                        <a:defRPr/>
+                      </a:pPr>
+                      <a:r>
+                        <a:rPr lang="es-MX" dirty="0">
+                          <a:solidFill>
+                            <a:srgbClr val="00B050"/>
+                          </a:solidFill>
+                        </a:rPr>
+                        <a:t>A33</a:t>
+                      </a:r>
+                      <a:r>
+                        <a:rPr lang="es-MX" dirty="0"/>
+                        <a:t>, </a:t>
+                      </a:r>
+                      <a:r>
+                        <a:rPr lang="es-MX" dirty="0">
+                          <a:solidFill>
+                            <a:srgbClr val="FF0000"/>
+                          </a:solidFill>
+                        </a:rPr>
+                        <a:t>B33</a:t>
+                      </a:r>
+                    </a:p>
+                    <a:p>
+                      <a:endParaRPr lang="es-MX" dirty="0"/>
+                    </a:p>
+                  </a:txBody>
+                  <a:tcPr/>
+                </a:tc>
+                <a:tc>
+                  <a:txBody>
+                    <a:bodyPr/>
+                    <a:lstStyle/>
+                    <a:p>
+                      <a:pPr marL="0" marR="0" lvl="0" indent="0" algn="l" defTabSz="914400" rtl="0" eaLnBrk="1" fontAlgn="auto" latinLnBrk="0" hangingPunct="1">
+                        <a:lnSpc>
+                          <a:spcPct val="100000"/>
+                        </a:lnSpc>
+                        <a:spcBef>
+                          <a:spcPts val="0"/>
+                        </a:spcBef>
+                        <a:spcAft>
+                          <a:spcPts val="0"/>
+                        </a:spcAft>
+                        <a:buClrTx/>
+                        <a:buSzTx/>
+                        <a:buFontTx/>
+                        <a:buNone/>
+                        <a:tabLst/>
+                        <a:defRPr/>
+                      </a:pPr>
+                      <a:r>
+                        <a:rPr lang="es-MX" dirty="0">
+                          <a:solidFill>
+                            <a:srgbClr val="00B050"/>
+                          </a:solidFill>
+                        </a:rPr>
+                        <a:t>A34</a:t>
+                      </a:r>
+                      <a:r>
+                        <a:rPr lang="es-MX" dirty="0"/>
+                        <a:t>, </a:t>
+                      </a:r>
+                      <a:r>
+                        <a:rPr lang="es-MX" dirty="0">
+                          <a:solidFill>
+                            <a:srgbClr val="FF0000"/>
+                          </a:solidFill>
+                        </a:rPr>
+                        <a:t>B34</a:t>
+                      </a:r>
+                    </a:p>
+                    <a:p>
+                      <a:endParaRPr lang="es-MX" dirty="0"/>
+                    </a:p>
+                  </a:txBody>
+                  <a:tcPr/>
+                </a:tc>
+                <a:extLst>
+                  <a:ext uri="{0D108BD9-81ED-4DB2-BD59-A6C34878D82A}">
+                    <a16:rowId xmlns:a16="http://schemas.microsoft.com/office/drawing/2014/main" val="10004"/>
+                  </a:ext>
+                </a:extLst>
               </a:tr>
-              <a:tr h="633032">
+              <a:tr h="631000">
                 <a:tc vMerge="1">
                   <a:txBody>
                     <a:bodyPr/>
@@ -4285,7 +6492,7 @@
                     <a:lstStyle/>
                     <a:p>
                       <a:r>
-                        <a:rPr lang="es-ES" dirty="0" smtClean="0"/>
+                        <a:rPr lang="es-ES" dirty="0"/>
                         <a:t>D</a:t>
                       </a:r>
                       <a:endParaRPr lang="es-MX" dirty="0"/>
@@ -4298,490 +6505,283 @@
                     <a:bodyPr/>
                     <a:lstStyle/>
                     <a:p>
-                      <a:endParaRPr lang="es-MX"/>
-                    </a:p>
-                  </a:txBody>
-                  <a:tcPr/>
-                </a:tc>
-                <a:tc>
-                  <a:txBody>
-                    <a:bodyPr/>
-                    <a:lstStyle/>
-                    <a:p>
-                      <a:endParaRPr lang="es-MX"/>
-                    </a:p>
-                  </a:txBody>
-                  <a:tcPr/>
-                </a:tc>
-                <a:tc>
-                  <a:txBody>
-                    <a:bodyPr/>
-                    <a:lstStyle/>
-                    <a:p>
-                      <a:endParaRPr lang="es-MX"/>
-                    </a:p>
-                  </a:txBody>
-                  <a:tcPr/>
-                </a:tc>
-                <a:tc>
-                  <a:txBody>
-                    <a:bodyPr/>
-                    <a:lstStyle/>
-                    <a:p>
-                      <a:endParaRPr lang="es-MX" dirty="0"/>
-                    </a:p>
-                  </a:txBody>
-                  <a:tcPr/>
-                </a:tc>
+                      <a:pPr marL="0" marR="0" lvl="0" indent="0" algn="l" defTabSz="914400" rtl="0" eaLnBrk="1" fontAlgn="auto" latinLnBrk="0" hangingPunct="1">
+                        <a:lnSpc>
+                          <a:spcPct val="100000"/>
+                        </a:lnSpc>
+                        <a:spcBef>
+                          <a:spcPts val="0"/>
+                        </a:spcBef>
+                        <a:spcAft>
+                          <a:spcPts val="0"/>
+                        </a:spcAft>
+                        <a:buClrTx/>
+                        <a:buSzTx/>
+                        <a:buFontTx/>
+                        <a:buNone/>
+                        <a:tabLst/>
+                        <a:defRPr/>
+                      </a:pPr>
+                      <a:r>
+                        <a:rPr lang="es-MX" dirty="0">
+                          <a:solidFill>
+                            <a:srgbClr val="00B050"/>
+                          </a:solidFill>
+                        </a:rPr>
+                        <a:t>A41</a:t>
+                      </a:r>
+                      <a:r>
+                        <a:rPr lang="es-MX" dirty="0"/>
+                        <a:t>, </a:t>
+                      </a:r>
+                      <a:r>
+                        <a:rPr lang="es-MX" dirty="0">
+                          <a:solidFill>
+                            <a:srgbClr val="FF0000"/>
+                          </a:solidFill>
+                        </a:rPr>
+                        <a:t>B41</a:t>
+                      </a:r>
+                    </a:p>
+                    <a:p>
+                      <a:endParaRPr lang="es-MX" dirty="0"/>
+                    </a:p>
+                  </a:txBody>
+                  <a:tcPr/>
+                </a:tc>
+                <a:tc>
+                  <a:txBody>
+                    <a:bodyPr/>
+                    <a:lstStyle/>
+                    <a:p>
+                      <a:pPr marL="0" marR="0" lvl="0" indent="0" algn="l" defTabSz="914400" rtl="0" eaLnBrk="1" fontAlgn="auto" latinLnBrk="0" hangingPunct="1">
+                        <a:lnSpc>
+                          <a:spcPct val="100000"/>
+                        </a:lnSpc>
+                        <a:spcBef>
+                          <a:spcPts val="0"/>
+                        </a:spcBef>
+                        <a:spcAft>
+                          <a:spcPts val="0"/>
+                        </a:spcAft>
+                        <a:buClrTx/>
+                        <a:buSzTx/>
+                        <a:buFontTx/>
+                        <a:buNone/>
+                        <a:tabLst/>
+                        <a:defRPr/>
+                      </a:pPr>
+                      <a:r>
+                        <a:rPr lang="es-MX" dirty="0">
+                          <a:solidFill>
+                            <a:srgbClr val="00B050"/>
+                          </a:solidFill>
+                        </a:rPr>
+                        <a:t>A42</a:t>
+                      </a:r>
+                      <a:r>
+                        <a:rPr lang="es-MX" dirty="0"/>
+                        <a:t>, </a:t>
+                      </a:r>
+                      <a:r>
+                        <a:rPr lang="es-MX" dirty="0">
+                          <a:solidFill>
+                            <a:srgbClr val="FF0000"/>
+                          </a:solidFill>
+                        </a:rPr>
+                        <a:t>B42</a:t>
+                      </a:r>
+                    </a:p>
+                    <a:p>
+                      <a:endParaRPr lang="es-MX" dirty="0"/>
+                    </a:p>
+                  </a:txBody>
+                  <a:tcPr/>
+                </a:tc>
+                <a:tc>
+                  <a:txBody>
+                    <a:bodyPr/>
+                    <a:lstStyle/>
+                    <a:p>
+                      <a:pPr marL="0" marR="0" lvl="0" indent="0" algn="l" defTabSz="914400" rtl="0" eaLnBrk="1" fontAlgn="auto" latinLnBrk="0" hangingPunct="1">
+                        <a:lnSpc>
+                          <a:spcPct val="100000"/>
+                        </a:lnSpc>
+                        <a:spcBef>
+                          <a:spcPts val="0"/>
+                        </a:spcBef>
+                        <a:spcAft>
+                          <a:spcPts val="0"/>
+                        </a:spcAft>
+                        <a:buClrTx/>
+                        <a:buSzTx/>
+                        <a:buFontTx/>
+                        <a:buNone/>
+                        <a:tabLst/>
+                        <a:defRPr/>
+                      </a:pPr>
+                      <a:r>
+                        <a:rPr lang="es-MX" dirty="0">
+                          <a:solidFill>
+                            <a:srgbClr val="00B050"/>
+                          </a:solidFill>
+                        </a:rPr>
+                        <a:t>A43</a:t>
+                      </a:r>
+                      <a:r>
+                        <a:rPr lang="es-MX" dirty="0"/>
+                        <a:t>, </a:t>
+                      </a:r>
+                      <a:r>
+                        <a:rPr lang="es-MX" dirty="0">
+                          <a:solidFill>
+                            <a:srgbClr val="FF0000"/>
+                          </a:solidFill>
+                        </a:rPr>
+                        <a:t>B43</a:t>
+                      </a:r>
+                    </a:p>
+                    <a:p>
+                      <a:endParaRPr lang="es-MX" dirty="0"/>
+                    </a:p>
+                  </a:txBody>
+                  <a:tcPr/>
+                </a:tc>
+                <a:tc>
+                  <a:txBody>
+                    <a:bodyPr/>
+                    <a:lstStyle/>
+                    <a:p>
+                      <a:pPr marL="0" marR="0" lvl="0" indent="0" algn="l" defTabSz="914400" rtl="0" eaLnBrk="1" fontAlgn="auto" latinLnBrk="0" hangingPunct="1">
+                        <a:lnSpc>
+                          <a:spcPct val="100000"/>
+                        </a:lnSpc>
+                        <a:spcBef>
+                          <a:spcPts val="0"/>
+                        </a:spcBef>
+                        <a:spcAft>
+                          <a:spcPts val="0"/>
+                        </a:spcAft>
+                        <a:buClrTx/>
+                        <a:buSzTx/>
+                        <a:buFontTx/>
+                        <a:buNone/>
+                        <a:tabLst/>
+                        <a:defRPr/>
+                      </a:pPr>
+                      <a:r>
+                        <a:rPr lang="es-MX" dirty="0">
+                          <a:solidFill>
+                            <a:srgbClr val="00B050"/>
+                          </a:solidFill>
+                        </a:rPr>
+                        <a:t>A44</a:t>
+                      </a:r>
+                      <a:r>
+                        <a:rPr lang="es-MX" dirty="0"/>
+                        <a:t>, </a:t>
+                      </a:r>
+                      <a:r>
+                        <a:rPr lang="es-MX" dirty="0">
+                          <a:solidFill>
+                            <a:srgbClr val="FF0000"/>
+                          </a:solidFill>
+                        </a:rPr>
+                        <a:t>B44</a:t>
+                      </a:r>
+                    </a:p>
+                    <a:p>
+                      <a:endParaRPr lang="es-MX" dirty="0"/>
+                    </a:p>
+                  </a:txBody>
+                  <a:tcPr/>
+                </a:tc>
+                <a:extLst>
+                  <a:ext uri="{0D108BD9-81ED-4DB2-BD59-A6C34878D82A}">
+                    <a16:rowId xmlns:a16="http://schemas.microsoft.com/office/drawing/2014/main" val="10005"/>
+                  </a:ext>
+                </a:extLst>
               </a:tr>
             </a:tbl>
           </a:graphicData>
         </a:graphic>
       </p:graphicFrame>
-      <p:graphicFrame>
-        <p:nvGraphicFramePr>
-          <p:cNvPr id="10" name="9 Marcador de contenido"/>
-          <p:cNvGraphicFramePr>
-            <a:graphicFrameLocks noGrp="1"/>
-          </p:cNvGraphicFramePr>
-          <p:nvPr>
-            <p:ph sz="half" idx="2"/>
-          </p:nvPr>
-        </p:nvGraphicFramePr>
-        <p:xfrm>
-          <a:off x="839788" y="2505071"/>
-          <a:ext cx="5231826" cy="3786000"/>
-        </p:xfrm>
-        <a:graphic>
-          <a:graphicData uri="http://schemas.openxmlformats.org/drawingml/2006/table">
-            <a:tbl>
-              <a:tblPr firstRow="1" bandRow="1">
-                <a:tableStyleId>{5C22544A-7EE6-4342-B048-85BDC9FD1C3A}</a:tableStyleId>
-              </a:tblPr>
-              <a:tblGrid>
-                <a:gridCol w="871971"/>
-                <a:gridCol w="871971"/>
-                <a:gridCol w="871971"/>
-                <a:gridCol w="871971"/>
-                <a:gridCol w="871971"/>
-                <a:gridCol w="871971"/>
-              </a:tblGrid>
-              <a:tr h="631000">
-                <a:tc>
-                  <a:txBody>
-                    <a:bodyPr/>
-                    <a:lstStyle/>
-                    <a:p>
-                      <a:endParaRPr lang="es-MX" dirty="0"/>
-                    </a:p>
-                  </a:txBody>
-                  <a:tcPr/>
-                </a:tc>
-                <a:tc gridSpan="5">
-                  <a:txBody>
-                    <a:bodyPr/>
-                    <a:lstStyle/>
-                    <a:p>
-                      <a:r>
-                        <a:rPr lang="es-ES" dirty="0" smtClean="0"/>
-                        <a:t>Y tu pareja elige…</a:t>
-                      </a:r>
-                      <a:endParaRPr lang="es-MX" dirty="0"/>
-                    </a:p>
-                  </a:txBody>
-                  <a:tcPr/>
-                </a:tc>
-                <a:tc hMerge="1">
-                  <a:txBody>
-                    <a:bodyPr/>
-                    <a:lstStyle/>
-                    <a:p>
-                      <a:endParaRPr lang="es-MX" dirty="0"/>
-                    </a:p>
-                  </a:txBody>
-                  <a:tcPr/>
-                </a:tc>
-                <a:tc hMerge="1">
-                  <a:txBody>
-                    <a:bodyPr/>
-                    <a:lstStyle/>
-                    <a:p>
-                      <a:endParaRPr lang="es-MX" dirty="0"/>
-                    </a:p>
-                  </a:txBody>
-                  <a:tcPr/>
-                </a:tc>
-                <a:tc hMerge="1">
-                  <a:txBody>
-                    <a:bodyPr/>
-                    <a:lstStyle/>
-                    <a:p>
-                      <a:endParaRPr lang="es-MX" dirty="0"/>
-                    </a:p>
-                  </a:txBody>
-                  <a:tcPr/>
-                </a:tc>
-                <a:tc hMerge="1">
-                  <a:txBody>
-                    <a:bodyPr/>
-                    <a:lstStyle/>
-                    <a:p>
-                      <a:endParaRPr lang="es-MX" dirty="0"/>
-                    </a:p>
-                  </a:txBody>
-                  <a:tcPr/>
-                </a:tc>
-              </a:tr>
-              <a:tr h="631000">
-                <a:tc rowSpan="5">
-                  <a:txBody>
-                    <a:bodyPr/>
-                    <a:lstStyle/>
-                    <a:p>
-                      <a:r>
-                        <a:rPr lang="es-ES" dirty="0" smtClean="0"/>
-                        <a:t>Si tú eliges…</a:t>
-                      </a:r>
-                      <a:endParaRPr lang="es-MX" dirty="0"/>
-                    </a:p>
-                  </a:txBody>
-                  <a:tcPr/>
-                </a:tc>
-                <a:tc>
-                  <a:txBody>
-                    <a:bodyPr/>
-                    <a:lstStyle/>
-                    <a:p>
-                      <a:endParaRPr lang="es-MX" dirty="0"/>
-                    </a:p>
-                  </a:txBody>
-                  <a:tcPr/>
-                </a:tc>
-                <a:tc>
-                  <a:txBody>
-                    <a:bodyPr/>
-                    <a:lstStyle/>
-                    <a:p>
-                      <a:r>
-                        <a:rPr lang="es-ES" dirty="0" smtClean="0"/>
-                        <a:t>E</a:t>
-                      </a:r>
-                      <a:endParaRPr lang="es-MX" dirty="0"/>
-                    </a:p>
-                  </a:txBody>
-                  <a:tcPr/>
-                </a:tc>
-                <a:tc>
-                  <a:txBody>
-                    <a:bodyPr/>
-                    <a:lstStyle/>
-                    <a:p>
-                      <a:r>
-                        <a:rPr lang="es-ES" dirty="0" smtClean="0"/>
-                        <a:t>F</a:t>
-                      </a:r>
-                      <a:endParaRPr lang="es-MX" dirty="0"/>
-                    </a:p>
-                  </a:txBody>
-                  <a:tcPr/>
-                </a:tc>
-                <a:tc>
-                  <a:txBody>
-                    <a:bodyPr/>
-                    <a:lstStyle/>
-                    <a:p>
-                      <a:r>
-                        <a:rPr lang="es-ES" dirty="0" smtClean="0"/>
-                        <a:t>G</a:t>
-                      </a:r>
-                      <a:endParaRPr lang="es-MX" dirty="0"/>
-                    </a:p>
-                  </a:txBody>
-                  <a:tcPr/>
-                </a:tc>
-                <a:tc>
-                  <a:txBody>
-                    <a:bodyPr/>
-                    <a:lstStyle/>
-                    <a:p>
-                      <a:r>
-                        <a:rPr lang="es-ES" dirty="0" smtClean="0"/>
-                        <a:t>H</a:t>
-                      </a:r>
-                      <a:endParaRPr lang="es-MX" dirty="0"/>
-                    </a:p>
-                  </a:txBody>
-                  <a:tcPr/>
-                </a:tc>
-              </a:tr>
-              <a:tr h="631000">
-                <a:tc vMerge="1">
-                  <a:txBody>
-                    <a:bodyPr/>
-                    <a:lstStyle/>
-                    <a:p>
-                      <a:endParaRPr lang="es-MX" dirty="0"/>
-                    </a:p>
-                  </a:txBody>
-                  <a:tcPr/>
-                </a:tc>
-                <a:tc>
-                  <a:txBody>
-                    <a:bodyPr/>
-                    <a:lstStyle/>
-                    <a:p>
-                      <a:r>
-                        <a:rPr lang="es-ES" dirty="0" smtClean="0"/>
-                        <a:t>A</a:t>
-                      </a:r>
-                      <a:endParaRPr lang="es-MX" dirty="0"/>
-                    </a:p>
-                  </a:txBody>
-                  <a:tcPr/>
-                </a:tc>
-                <a:tc>
-                  <a:txBody>
-                    <a:bodyPr/>
-                    <a:lstStyle/>
-                    <a:p>
-                      <a:endParaRPr lang="es-MX"/>
-                    </a:p>
-                  </a:txBody>
-                  <a:tcPr/>
-                </a:tc>
-                <a:tc>
-                  <a:txBody>
-                    <a:bodyPr/>
-                    <a:lstStyle/>
-                    <a:p>
-                      <a:endParaRPr lang="es-MX"/>
-                    </a:p>
-                  </a:txBody>
-                  <a:tcPr/>
-                </a:tc>
-                <a:tc>
-                  <a:txBody>
-                    <a:bodyPr/>
-                    <a:lstStyle/>
-                    <a:p>
-                      <a:endParaRPr lang="es-MX"/>
-                    </a:p>
-                  </a:txBody>
-                  <a:tcPr/>
-                </a:tc>
-                <a:tc>
-                  <a:txBody>
-                    <a:bodyPr/>
-                    <a:lstStyle/>
-                    <a:p>
-                      <a:endParaRPr lang="es-MX"/>
-                    </a:p>
-                  </a:txBody>
-                  <a:tcPr/>
-                </a:tc>
-              </a:tr>
-              <a:tr h="631000">
-                <a:tc vMerge="1">
-                  <a:txBody>
-                    <a:bodyPr/>
-                    <a:lstStyle/>
-                    <a:p>
-                      <a:endParaRPr lang="es-MX" dirty="0"/>
-                    </a:p>
-                  </a:txBody>
-                  <a:tcPr/>
-                </a:tc>
-                <a:tc>
-                  <a:txBody>
-                    <a:bodyPr/>
-                    <a:lstStyle/>
-                    <a:p>
-                      <a:r>
-                        <a:rPr lang="es-ES" dirty="0" smtClean="0"/>
-                        <a:t>B</a:t>
-                      </a:r>
-                      <a:endParaRPr lang="es-MX" dirty="0"/>
-                    </a:p>
-                  </a:txBody>
-                  <a:tcPr/>
-                </a:tc>
-                <a:tc>
-                  <a:txBody>
-                    <a:bodyPr/>
-                    <a:lstStyle/>
-                    <a:p>
-                      <a:endParaRPr lang="es-MX"/>
-                    </a:p>
-                  </a:txBody>
-                  <a:tcPr/>
-                </a:tc>
-                <a:tc>
-                  <a:txBody>
-                    <a:bodyPr/>
-                    <a:lstStyle/>
-                    <a:p>
-                      <a:endParaRPr lang="es-MX"/>
-                    </a:p>
-                  </a:txBody>
-                  <a:tcPr/>
-                </a:tc>
-                <a:tc>
-                  <a:txBody>
-                    <a:bodyPr/>
-                    <a:lstStyle/>
-                    <a:p>
-                      <a:endParaRPr lang="es-MX"/>
-                    </a:p>
-                  </a:txBody>
-                  <a:tcPr/>
-                </a:tc>
-                <a:tc>
-                  <a:txBody>
-                    <a:bodyPr/>
-                    <a:lstStyle/>
-                    <a:p>
-                      <a:endParaRPr lang="es-MX"/>
-                    </a:p>
-                  </a:txBody>
-                  <a:tcPr/>
-                </a:tc>
-              </a:tr>
-              <a:tr h="631000">
-                <a:tc vMerge="1">
-                  <a:txBody>
-                    <a:bodyPr/>
-                    <a:lstStyle/>
-                    <a:p>
-                      <a:endParaRPr lang="es-MX" dirty="0"/>
-                    </a:p>
-                  </a:txBody>
-                  <a:tcPr/>
-                </a:tc>
-                <a:tc>
-                  <a:txBody>
-                    <a:bodyPr/>
-                    <a:lstStyle/>
-                    <a:p>
-                      <a:r>
-                        <a:rPr lang="es-ES" dirty="0" smtClean="0"/>
-                        <a:t>C</a:t>
-                      </a:r>
-                      <a:endParaRPr lang="es-MX" dirty="0"/>
-                    </a:p>
-                  </a:txBody>
-                  <a:tcPr/>
-                </a:tc>
-                <a:tc>
-                  <a:txBody>
-                    <a:bodyPr/>
-                    <a:lstStyle/>
-                    <a:p>
-                      <a:endParaRPr lang="es-MX"/>
-                    </a:p>
-                  </a:txBody>
-                  <a:tcPr/>
-                </a:tc>
-                <a:tc>
-                  <a:txBody>
-                    <a:bodyPr/>
-                    <a:lstStyle/>
-                    <a:p>
-                      <a:endParaRPr lang="es-MX"/>
-                    </a:p>
-                  </a:txBody>
-                  <a:tcPr/>
-                </a:tc>
-                <a:tc>
-                  <a:txBody>
-                    <a:bodyPr/>
-                    <a:lstStyle/>
-                    <a:p>
-                      <a:endParaRPr lang="es-MX"/>
-                    </a:p>
-                  </a:txBody>
-                  <a:tcPr/>
-                </a:tc>
-                <a:tc>
-                  <a:txBody>
-                    <a:bodyPr/>
-                    <a:lstStyle/>
-                    <a:p>
-                      <a:endParaRPr lang="es-MX" dirty="0"/>
-                    </a:p>
-                  </a:txBody>
-                  <a:tcPr/>
-                </a:tc>
-              </a:tr>
-              <a:tr h="631000">
-                <a:tc vMerge="1">
-                  <a:txBody>
-                    <a:bodyPr/>
-                    <a:lstStyle/>
-                    <a:p>
-                      <a:endParaRPr lang="es-MX" dirty="0"/>
-                    </a:p>
-                  </a:txBody>
-                  <a:tcPr/>
-                </a:tc>
-                <a:tc>
-                  <a:txBody>
-                    <a:bodyPr/>
-                    <a:lstStyle/>
-                    <a:p>
-                      <a:r>
-                        <a:rPr lang="es-ES" dirty="0" smtClean="0"/>
-                        <a:t>D</a:t>
-                      </a:r>
-                      <a:endParaRPr lang="es-MX" dirty="0"/>
-                    </a:p>
-                  </a:txBody>
-                  <a:tcPr/>
-                </a:tc>
-                <a:tc>
-                  <a:txBody>
-                    <a:bodyPr/>
-                    <a:lstStyle/>
-                    <a:p>
-                      <a:endParaRPr lang="es-MX"/>
-                    </a:p>
-                  </a:txBody>
-                  <a:tcPr/>
-                </a:tc>
-                <a:tc>
-                  <a:txBody>
-                    <a:bodyPr/>
-                    <a:lstStyle/>
-                    <a:p>
-                      <a:endParaRPr lang="es-MX"/>
-                    </a:p>
-                  </a:txBody>
-                  <a:tcPr/>
-                </a:tc>
-                <a:tc>
-                  <a:txBody>
-                    <a:bodyPr/>
-                    <a:lstStyle/>
-                    <a:p>
-                      <a:endParaRPr lang="es-MX"/>
-                    </a:p>
-                  </a:txBody>
-                  <a:tcPr/>
-                </a:tc>
-                <a:tc>
-                  <a:txBody>
-                    <a:bodyPr/>
-                    <a:lstStyle/>
-                    <a:p>
-                      <a:endParaRPr lang="es-MX" dirty="0"/>
-                    </a:p>
-                  </a:txBody>
-                  <a:tcPr/>
-                </a:tc>
-              </a:tr>
-            </a:tbl>
-          </a:graphicData>
-        </a:graphic>
-      </p:graphicFrame>
+      <p:sp>
+        <p:nvSpPr>
+          <p:cNvPr id="9" name="CuadroTexto 8">
+            <a:extLst>
+              <a:ext uri="{FF2B5EF4-FFF2-40B4-BE49-F238E27FC236}">
+                <a16:creationId xmlns:a16="http://schemas.microsoft.com/office/drawing/2014/main" id="{0A805C70-8CF6-4FEB-B885-FCFC85FF8CDA}"/>
+              </a:ext>
+            </a:extLst>
+          </p:cNvPr>
+          <p:cNvSpPr txBox="1"/>
+          <p:nvPr/>
+        </p:nvSpPr>
+        <p:spPr>
+          <a:xfrm>
+            <a:off x="7219666" y="2674961"/>
+            <a:ext cx="4271749" cy="2677656"/>
+          </a:xfrm>
+          <a:prstGeom prst="rect">
+            <a:avLst/>
+          </a:prstGeom>
+          <a:noFill/>
+        </p:spPr>
+        <p:txBody>
+          <a:bodyPr wrap="square" rtlCol="0">
+            <a:spAutoFit/>
+          </a:bodyPr>
+          <a:lstStyle/>
+          <a:p>
+            <a:pPr algn="just"/>
+            <a:r>
+              <a:rPr lang="es-MX" sz="2400" dirty="0"/>
+              <a:t>Por ejemplo, si tu eliges la alternativa “</a:t>
+            </a:r>
+            <a:r>
+              <a:rPr lang="es-MX" sz="2400" b="1" dirty="0"/>
+              <a:t>A</a:t>
+            </a:r>
+            <a:r>
+              <a:rPr lang="es-MX" sz="2400" dirty="0"/>
+              <a:t>” y tu pareja elige la alternativa “</a:t>
+            </a:r>
+            <a:r>
+              <a:rPr lang="es-MX" sz="2400" b="1" dirty="0"/>
+              <a:t>E</a:t>
+            </a:r>
+            <a:r>
+              <a:rPr lang="es-MX" sz="2400" dirty="0"/>
+              <a:t>”, entonces tu pago será de “</a:t>
+            </a:r>
+            <a:r>
+              <a:rPr lang="es-MX" sz="2400" b="1" dirty="0">
+                <a:solidFill>
+                  <a:srgbClr val="00B050"/>
+                </a:solidFill>
+              </a:rPr>
+              <a:t>A11</a:t>
+            </a:r>
+            <a:r>
+              <a:rPr lang="es-MX" sz="2400" dirty="0"/>
+              <a:t>” (por ser de color verde), mientras que el pago de tu pareja será de “</a:t>
+            </a:r>
+            <a:r>
+              <a:rPr lang="es-MX" sz="2400" b="1" dirty="0">
+                <a:solidFill>
+                  <a:srgbClr val="FF0000"/>
+                </a:solidFill>
+              </a:rPr>
+              <a:t>B11</a:t>
+            </a:r>
+            <a:r>
+              <a:rPr lang="es-MX" sz="2400" dirty="0"/>
+              <a:t>” (por ser de color rojo)</a:t>
+            </a:r>
+          </a:p>
+        </p:txBody>
+      </p:sp>
     </p:spTree>
   </p:cSld>
   <p:clrMapOvr>
@@ -4822,7 +6822,11 @@
           <a:bodyPr/>
           <a:lstStyle/>
           <a:p>
-            <a:endParaRPr lang="es-MX"/>
+            <a:pPr algn="ctr"/>
+            <a:r>
+              <a:rPr lang="es-MX" dirty="0"/>
+              <a:t>¿Entendiste los pagos?</a:t>
+            </a:r>
           </a:p>
         </p:txBody>
       </p:sp>
@@ -4836,16 +6840,2704 @@
             <p:ph idx="1"/>
           </p:nvPr>
         </p:nvSpPr>
+        <p:spPr>
+          <a:xfrm>
+            <a:off x="838200" y="1451429"/>
+            <a:ext cx="10515600" cy="4725534"/>
+          </a:xfrm>
+        </p:spPr>
+        <p:txBody>
+          <a:bodyPr/>
+          <a:lstStyle/>
+          <a:p>
+            <a:pPr algn="just"/>
+            <a:r>
+              <a:rPr lang="es-MX" dirty="0"/>
+              <a:t>A continuación verificaremos que has entendido cuáles serán tus pagos según varios casos:</a:t>
+            </a:r>
+          </a:p>
+          <a:p>
+            <a:pPr marL="0" indent="0" algn="just">
+              <a:buNone/>
+            </a:pPr>
+            <a:endParaRPr lang="es-MX" dirty="0">
+              <a:solidFill>
+                <a:srgbClr val="FF0000"/>
+              </a:solidFill>
+            </a:endParaRPr>
+          </a:p>
+          <a:p>
+            <a:pPr algn="just"/>
+            <a:endParaRPr lang="en-US" dirty="0"/>
+          </a:p>
+          <a:p>
+            <a:pPr algn="just"/>
+            <a:endParaRPr lang="en-US" dirty="0"/>
+          </a:p>
+          <a:p>
+            <a:pPr algn="just"/>
+            <a:endParaRPr lang="es-MX" dirty="0"/>
+          </a:p>
+        </p:txBody>
+      </p:sp>
+      <p:sp>
+        <p:nvSpPr>
+          <p:cNvPr id="6" name="CuadroTexto 5">
+            <a:extLst>
+              <a:ext uri="{FF2B5EF4-FFF2-40B4-BE49-F238E27FC236}">
+                <a16:creationId xmlns:a16="http://schemas.microsoft.com/office/drawing/2014/main" id="{750A0E2A-EEA7-40C0-A2E4-DADD4EC30419}"/>
+              </a:ext>
+            </a:extLst>
+          </p:cNvPr>
+          <p:cNvSpPr txBox="1"/>
+          <p:nvPr/>
+        </p:nvSpPr>
+        <p:spPr>
+          <a:xfrm>
+            <a:off x="9505125" y="35939"/>
+            <a:ext cx="2714171" cy="1477328"/>
+          </a:xfrm>
+          <a:prstGeom prst="rect">
+            <a:avLst/>
+          </a:prstGeom>
+          <a:noFill/>
+        </p:spPr>
+        <p:txBody>
+          <a:bodyPr wrap="square" rtlCol="0">
+            <a:spAutoFit/>
+          </a:bodyPr>
+          <a:lstStyle/>
+          <a:p>
+            <a:r>
+              <a:rPr lang="es-MX" dirty="0">
+                <a:solidFill>
+                  <a:srgbClr val="FF0000"/>
+                </a:solidFill>
+              </a:rPr>
+              <a:t>(Iterar y aleatorizar hasta que diga dos veces consecutivas de forma correcta sus pagos)</a:t>
+            </a:r>
+          </a:p>
+          <a:p>
+            <a:endParaRPr lang="es-MX" dirty="0"/>
+          </a:p>
+        </p:txBody>
+      </p:sp>
+      <p:sp>
+        <p:nvSpPr>
+          <p:cNvPr id="9" name="CuadroTexto 8">
+            <a:extLst>
+              <a:ext uri="{FF2B5EF4-FFF2-40B4-BE49-F238E27FC236}">
+                <a16:creationId xmlns:a16="http://schemas.microsoft.com/office/drawing/2014/main" id="{D8CA2A94-4EEB-43A9-B33D-DFC8031AB42E}"/>
+              </a:ext>
+            </a:extLst>
+          </p:cNvPr>
+          <p:cNvSpPr txBox="1"/>
+          <p:nvPr/>
+        </p:nvSpPr>
+        <p:spPr>
+          <a:xfrm>
+            <a:off x="8952369" y="2611121"/>
+            <a:ext cx="3080657" cy="2585323"/>
+          </a:xfrm>
+          <a:prstGeom prst="rect">
+            <a:avLst/>
+          </a:prstGeom>
+          <a:noFill/>
+        </p:spPr>
+        <p:txBody>
+          <a:bodyPr wrap="square" rtlCol="0">
+            <a:spAutoFit/>
+          </a:bodyPr>
+          <a:lstStyle/>
+          <a:p>
+            <a:pPr algn="just"/>
+            <a:r>
+              <a:rPr lang="es-MX" sz="2400" dirty="0"/>
+              <a:t>Escribe cuál sería tu pago si escoges la alternativa </a:t>
+            </a:r>
+            <a:r>
+              <a:rPr lang="es-MX" sz="2400" b="1" dirty="0"/>
+              <a:t>“x”</a:t>
+            </a:r>
+            <a:r>
+              <a:rPr lang="es-MX" sz="2400" dirty="0"/>
+              <a:t> y tu pareja elige la alternativa </a:t>
+            </a:r>
+            <a:r>
+              <a:rPr lang="es-MX" sz="2400" b="1" dirty="0"/>
+              <a:t>“y”</a:t>
+            </a:r>
+            <a:endParaRPr lang="es-MX" sz="2400" dirty="0"/>
+          </a:p>
+          <a:p>
+            <a:endParaRPr lang="es-MX" sz="2400" dirty="0"/>
+          </a:p>
+          <a:p>
+            <a:endParaRPr lang="es-MX" dirty="0"/>
+          </a:p>
+        </p:txBody>
+      </p:sp>
+      <p:sp>
+        <p:nvSpPr>
+          <p:cNvPr id="5" name="Rectángulo 4">
+            <a:extLst>
+              <a:ext uri="{FF2B5EF4-FFF2-40B4-BE49-F238E27FC236}">
+                <a16:creationId xmlns:a16="http://schemas.microsoft.com/office/drawing/2014/main" id="{AA37A1EF-0619-42B4-8DCB-8C9CAD29766E}"/>
+              </a:ext>
+            </a:extLst>
+          </p:cNvPr>
+          <p:cNvSpPr/>
+          <p:nvPr/>
+        </p:nvSpPr>
+        <p:spPr>
+          <a:xfrm>
+            <a:off x="9169758" y="4945896"/>
+            <a:ext cx="2714171" cy="566262"/>
+          </a:xfrm>
+          <a:prstGeom prst="rect">
+            <a:avLst/>
+          </a:prstGeom>
+          <a:noFill/>
+        </p:spPr>
+        <p:style>
+          <a:lnRef idx="2">
+            <a:schemeClr val="accent1">
+              <a:shade val="50000"/>
+            </a:schemeClr>
+          </a:lnRef>
+          <a:fillRef idx="1">
+            <a:schemeClr val="accent1"/>
+          </a:fillRef>
+          <a:effectRef idx="0">
+            <a:schemeClr val="accent1"/>
+          </a:effectRef>
+          <a:fontRef idx="minor">
+            <a:schemeClr val="lt1"/>
+          </a:fontRef>
+        </p:style>
+        <p:txBody>
+          <a:bodyPr rtlCol="0" anchor="ctr"/>
+          <a:lstStyle/>
+          <a:p>
+            <a:pPr algn="ctr"/>
+            <a:r>
+              <a:rPr lang="es-MX" dirty="0">
+                <a:solidFill>
+                  <a:schemeClr val="tx1"/>
+                </a:solidFill>
+              </a:rPr>
+              <a:t>Insertar respuesta</a:t>
+            </a:r>
+          </a:p>
+        </p:txBody>
+      </p:sp>
+      <p:graphicFrame>
+        <p:nvGraphicFramePr>
+          <p:cNvPr id="12" name="9 Marcador de contenido">
+            <a:extLst>
+              <a:ext uri="{FF2B5EF4-FFF2-40B4-BE49-F238E27FC236}">
+                <a16:creationId xmlns:a16="http://schemas.microsoft.com/office/drawing/2014/main" id="{2CD9B88C-FF49-4459-9B5F-A1689829D0F4}"/>
+              </a:ext>
+            </a:extLst>
+          </p:cNvPr>
+          <p:cNvGraphicFramePr>
+            <a:graphicFrameLocks/>
+          </p:cNvGraphicFramePr>
+          <p:nvPr>
+            <p:extLst>
+              <p:ext uri="{D42A27DB-BD31-4B8C-83A1-F6EECF244321}">
+                <p14:modId xmlns:p14="http://schemas.microsoft.com/office/powerpoint/2010/main" val="3642774546"/>
+              </p:ext>
+            </p:extLst>
+          </p:nvPr>
+        </p:nvGraphicFramePr>
+        <p:xfrm>
+          <a:off x="1944197" y="2505071"/>
+          <a:ext cx="6208134" cy="3822320"/>
+        </p:xfrm>
+        <a:graphic>
+          <a:graphicData uri="http://schemas.openxmlformats.org/drawingml/2006/table">
+            <a:tbl>
+              <a:tblPr firstRow="1" bandRow="1">
+                <a:tableStyleId>{5C22544A-7EE6-4342-B048-85BDC9FD1C3A}</a:tableStyleId>
+              </a:tblPr>
+              <a:tblGrid>
+                <a:gridCol w="1034689">
+                  <a:extLst>
+                    <a:ext uri="{9D8B030D-6E8A-4147-A177-3AD203B41FA5}">
+                      <a16:colId xmlns:a16="http://schemas.microsoft.com/office/drawing/2014/main" val="20000"/>
+                    </a:ext>
+                  </a:extLst>
+                </a:gridCol>
+                <a:gridCol w="1034689">
+                  <a:extLst>
+                    <a:ext uri="{9D8B030D-6E8A-4147-A177-3AD203B41FA5}">
+                      <a16:colId xmlns:a16="http://schemas.microsoft.com/office/drawing/2014/main" val="20001"/>
+                    </a:ext>
+                  </a:extLst>
+                </a:gridCol>
+                <a:gridCol w="1034689">
+                  <a:extLst>
+                    <a:ext uri="{9D8B030D-6E8A-4147-A177-3AD203B41FA5}">
+                      <a16:colId xmlns:a16="http://schemas.microsoft.com/office/drawing/2014/main" val="20002"/>
+                    </a:ext>
+                  </a:extLst>
+                </a:gridCol>
+                <a:gridCol w="1034689">
+                  <a:extLst>
+                    <a:ext uri="{9D8B030D-6E8A-4147-A177-3AD203B41FA5}">
+                      <a16:colId xmlns:a16="http://schemas.microsoft.com/office/drawing/2014/main" val="20003"/>
+                    </a:ext>
+                  </a:extLst>
+                </a:gridCol>
+                <a:gridCol w="1034689">
+                  <a:extLst>
+                    <a:ext uri="{9D8B030D-6E8A-4147-A177-3AD203B41FA5}">
+                      <a16:colId xmlns:a16="http://schemas.microsoft.com/office/drawing/2014/main" val="20004"/>
+                    </a:ext>
+                  </a:extLst>
+                </a:gridCol>
+                <a:gridCol w="1034689">
+                  <a:extLst>
+                    <a:ext uri="{9D8B030D-6E8A-4147-A177-3AD203B41FA5}">
+                      <a16:colId xmlns:a16="http://schemas.microsoft.com/office/drawing/2014/main" val="20005"/>
+                    </a:ext>
+                  </a:extLst>
+                </a:gridCol>
+              </a:tblGrid>
+              <a:tr h="631000">
+                <a:tc>
+                  <a:txBody>
+                    <a:bodyPr/>
+                    <a:lstStyle/>
+                    <a:p>
+                      <a:endParaRPr lang="es-MX" dirty="0"/>
+                    </a:p>
+                  </a:txBody>
+                  <a:tcPr/>
+                </a:tc>
+                <a:tc gridSpan="5">
+                  <a:txBody>
+                    <a:bodyPr/>
+                    <a:lstStyle/>
+                    <a:p>
+                      <a:r>
+                        <a:rPr lang="es-ES" dirty="0"/>
+                        <a:t>Alternativas de tu pareja</a:t>
+                      </a:r>
+                      <a:endParaRPr lang="es-MX" dirty="0"/>
+                    </a:p>
+                  </a:txBody>
+                  <a:tcPr/>
+                </a:tc>
+                <a:tc hMerge="1">
+                  <a:txBody>
+                    <a:bodyPr/>
+                    <a:lstStyle/>
+                    <a:p>
+                      <a:endParaRPr lang="es-MX" dirty="0"/>
+                    </a:p>
+                  </a:txBody>
+                  <a:tcPr/>
+                </a:tc>
+                <a:tc hMerge="1">
+                  <a:txBody>
+                    <a:bodyPr/>
+                    <a:lstStyle/>
+                    <a:p>
+                      <a:endParaRPr lang="es-MX" dirty="0"/>
+                    </a:p>
+                  </a:txBody>
+                  <a:tcPr/>
+                </a:tc>
+                <a:tc hMerge="1">
+                  <a:txBody>
+                    <a:bodyPr/>
+                    <a:lstStyle/>
+                    <a:p>
+                      <a:endParaRPr lang="es-MX" dirty="0"/>
+                    </a:p>
+                  </a:txBody>
+                  <a:tcPr/>
+                </a:tc>
+                <a:tc hMerge="1">
+                  <a:txBody>
+                    <a:bodyPr/>
+                    <a:lstStyle/>
+                    <a:p>
+                      <a:endParaRPr lang="es-MX" dirty="0"/>
+                    </a:p>
+                  </a:txBody>
+                  <a:tcPr/>
+                </a:tc>
+                <a:extLst>
+                  <a:ext uri="{0D108BD9-81ED-4DB2-BD59-A6C34878D82A}">
+                    <a16:rowId xmlns:a16="http://schemas.microsoft.com/office/drawing/2014/main" val="10000"/>
+                  </a:ext>
+                </a:extLst>
+              </a:tr>
+              <a:tr h="631000">
+                <a:tc rowSpan="5">
+                  <a:txBody>
+                    <a:bodyPr/>
+                    <a:lstStyle/>
+                    <a:p>
+                      <a:r>
+                        <a:rPr lang="es-ES" dirty="0"/>
+                        <a:t>Tus alternativas</a:t>
+                      </a:r>
+                      <a:endParaRPr lang="es-MX" dirty="0"/>
+                    </a:p>
+                  </a:txBody>
+                  <a:tcPr vert="vert270"/>
+                </a:tc>
+                <a:tc>
+                  <a:txBody>
+                    <a:bodyPr/>
+                    <a:lstStyle/>
+                    <a:p>
+                      <a:endParaRPr lang="es-MX" dirty="0"/>
+                    </a:p>
+                  </a:txBody>
+                  <a:tcPr/>
+                </a:tc>
+                <a:tc>
+                  <a:txBody>
+                    <a:bodyPr/>
+                    <a:lstStyle/>
+                    <a:p>
+                      <a:r>
+                        <a:rPr lang="es-ES" dirty="0"/>
+                        <a:t>E</a:t>
+                      </a:r>
+                      <a:endParaRPr lang="es-MX" dirty="0"/>
+                    </a:p>
+                  </a:txBody>
+                  <a:tcPr/>
+                </a:tc>
+                <a:tc>
+                  <a:txBody>
+                    <a:bodyPr/>
+                    <a:lstStyle/>
+                    <a:p>
+                      <a:r>
+                        <a:rPr lang="es-ES" dirty="0"/>
+                        <a:t>F</a:t>
+                      </a:r>
+                      <a:endParaRPr lang="es-MX" dirty="0"/>
+                    </a:p>
+                  </a:txBody>
+                  <a:tcPr/>
+                </a:tc>
+                <a:tc>
+                  <a:txBody>
+                    <a:bodyPr/>
+                    <a:lstStyle/>
+                    <a:p>
+                      <a:r>
+                        <a:rPr lang="es-ES" dirty="0"/>
+                        <a:t>G</a:t>
+                      </a:r>
+                      <a:endParaRPr lang="es-MX" dirty="0"/>
+                    </a:p>
+                  </a:txBody>
+                  <a:tcPr/>
+                </a:tc>
+                <a:tc>
+                  <a:txBody>
+                    <a:bodyPr/>
+                    <a:lstStyle/>
+                    <a:p>
+                      <a:r>
+                        <a:rPr lang="es-ES" dirty="0"/>
+                        <a:t>H</a:t>
+                      </a:r>
+                      <a:endParaRPr lang="es-MX" dirty="0"/>
+                    </a:p>
+                  </a:txBody>
+                  <a:tcPr/>
+                </a:tc>
+                <a:extLst>
+                  <a:ext uri="{0D108BD9-81ED-4DB2-BD59-A6C34878D82A}">
+                    <a16:rowId xmlns:a16="http://schemas.microsoft.com/office/drawing/2014/main" val="10001"/>
+                  </a:ext>
+                </a:extLst>
+              </a:tr>
+              <a:tr h="631000">
+                <a:tc vMerge="1">
+                  <a:txBody>
+                    <a:bodyPr/>
+                    <a:lstStyle/>
+                    <a:p>
+                      <a:endParaRPr lang="es-MX" dirty="0"/>
+                    </a:p>
+                  </a:txBody>
+                  <a:tcPr/>
+                </a:tc>
+                <a:tc>
+                  <a:txBody>
+                    <a:bodyPr/>
+                    <a:lstStyle/>
+                    <a:p>
+                      <a:r>
+                        <a:rPr lang="es-ES" dirty="0"/>
+                        <a:t>A</a:t>
+                      </a:r>
+                      <a:endParaRPr lang="es-MX" dirty="0"/>
+                    </a:p>
+                  </a:txBody>
+                  <a:tcPr/>
+                </a:tc>
+                <a:tc>
+                  <a:txBody>
+                    <a:bodyPr/>
+                    <a:lstStyle/>
+                    <a:p>
+                      <a:r>
+                        <a:rPr lang="es-MX" dirty="0">
+                          <a:solidFill>
+                            <a:srgbClr val="00B050"/>
+                          </a:solidFill>
+                        </a:rPr>
+                        <a:t>A11</a:t>
+                      </a:r>
+                      <a:r>
+                        <a:rPr lang="es-MX" dirty="0"/>
+                        <a:t>, </a:t>
+                      </a:r>
+                      <a:r>
+                        <a:rPr lang="es-MX" dirty="0">
+                          <a:solidFill>
+                            <a:srgbClr val="FF0000"/>
+                          </a:solidFill>
+                        </a:rPr>
+                        <a:t>B11</a:t>
+                      </a:r>
+                    </a:p>
+                  </a:txBody>
+                  <a:tcPr/>
+                </a:tc>
+                <a:tc>
+                  <a:txBody>
+                    <a:bodyPr/>
+                    <a:lstStyle/>
+                    <a:p>
+                      <a:pPr marL="0" marR="0" lvl="0" indent="0" algn="l" defTabSz="914400" rtl="0" eaLnBrk="1" fontAlgn="auto" latinLnBrk="0" hangingPunct="1">
+                        <a:lnSpc>
+                          <a:spcPct val="100000"/>
+                        </a:lnSpc>
+                        <a:spcBef>
+                          <a:spcPts val="0"/>
+                        </a:spcBef>
+                        <a:spcAft>
+                          <a:spcPts val="0"/>
+                        </a:spcAft>
+                        <a:buClrTx/>
+                        <a:buSzTx/>
+                        <a:buFontTx/>
+                        <a:buNone/>
+                        <a:tabLst/>
+                        <a:defRPr/>
+                      </a:pPr>
+                      <a:r>
+                        <a:rPr lang="es-MX" dirty="0">
+                          <a:solidFill>
+                            <a:srgbClr val="00B050"/>
+                          </a:solidFill>
+                        </a:rPr>
+                        <a:t>A12</a:t>
+                      </a:r>
+                      <a:r>
+                        <a:rPr lang="es-MX" dirty="0"/>
+                        <a:t>, </a:t>
+                      </a:r>
+                      <a:r>
+                        <a:rPr lang="es-MX" dirty="0">
+                          <a:solidFill>
+                            <a:srgbClr val="FF0000"/>
+                          </a:solidFill>
+                        </a:rPr>
+                        <a:t>B12</a:t>
+                      </a:r>
+                    </a:p>
+                    <a:p>
+                      <a:endParaRPr lang="es-MX" dirty="0"/>
+                    </a:p>
+                  </a:txBody>
+                  <a:tcPr/>
+                </a:tc>
+                <a:tc>
+                  <a:txBody>
+                    <a:bodyPr/>
+                    <a:lstStyle/>
+                    <a:p>
+                      <a:pPr marL="0" marR="0" lvl="0" indent="0" algn="l" defTabSz="914400" rtl="0" eaLnBrk="1" fontAlgn="auto" latinLnBrk="0" hangingPunct="1">
+                        <a:lnSpc>
+                          <a:spcPct val="100000"/>
+                        </a:lnSpc>
+                        <a:spcBef>
+                          <a:spcPts val="0"/>
+                        </a:spcBef>
+                        <a:spcAft>
+                          <a:spcPts val="0"/>
+                        </a:spcAft>
+                        <a:buClrTx/>
+                        <a:buSzTx/>
+                        <a:buFontTx/>
+                        <a:buNone/>
+                        <a:tabLst/>
+                        <a:defRPr/>
+                      </a:pPr>
+                      <a:r>
+                        <a:rPr lang="es-MX" dirty="0">
+                          <a:solidFill>
+                            <a:srgbClr val="00B050"/>
+                          </a:solidFill>
+                        </a:rPr>
+                        <a:t>A13</a:t>
+                      </a:r>
+                      <a:r>
+                        <a:rPr lang="es-MX" dirty="0"/>
+                        <a:t>, </a:t>
+                      </a:r>
+                      <a:r>
+                        <a:rPr lang="es-MX" dirty="0">
+                          <a:solidFill>
+                            <a:srgbClr val="FF0000"/>
+                          </a:solidFill>
+                        </a:rPr>
+                        <a:t>B13</a:t>
+                      </a:r>
+                    </a:p>
+                    <a:p>
+                      <a:endParaRPr lang="es-MX" dirty="0"/>
+                    </a:p>
+                  </a:txBody>
+                  <a:tcPr/>
+                </a:tc>
+                <a:tc>
+                  <a:txBody>
+                    <a:bodyPr/>
+                    <a:lstStyle/>
+                    <a:p>
+                      <a:pPr marL="0" marR="0" lvl="0" indent="0" algn="l" defTabSz="914400" rtl="0" eaLnBrk="1" fontAlgn="auto" latinLnBrk="0" hangingPunct="1">
+                        <a:lnSpc>
+                          <a:spcPct val="100000"/>
+                        </a:lnSpc>
+                        <a:spcBef>
+                          <a:spcPts val="0"/>
+                        </a:spcBef>
+                        <a:spcAft>
+                          <a:spcPts val="0"/>
+                        </a:spcAft>
+                        <a:buClrTx/>
+                        <a:buSzTx/>
+                        <a:buFontTx/>
+                        <a:buNone/>
+                        <a:tabLst/>
+                        <a:defRPr/>
+                      </a:pPr>
+                      <a:r>
+                        <a:rPr lang="es-MX" dirty="0">
+                          <a:solidFill>
+                            <a:srgbClr val="00B050"/>
+                          </a:solidFill>
+                        </a:rPr>
+                        <a:t>A14</a:t>
+                      </a:r>
+                      <a:r>
+                        <a:rPr lang="es-MX" dirty="0"/>
+                        <a:t>, </a:t>
+                      </a:r>
+                      <a:r>
+                        <a:rPr lang="es-MX" dirty="0">
+                          <a:solidFill>
+                            <a:srgbClr val="FF0000"/>
+                          </a:solidFill>
+                        </a:rPr>
+                        <a:t>B14</a:t>
+                      </a:r>
+                    </a:p>
+                    <a:p>
+                      <a:endParaRPr lang="es-MX" dirty="0"/>
+                    </a:p>
+                  </a:txBody>
+                  <a:tcPr/>
+                </a:tc>
+                <a:extLst>
+                  <a:ext uri="{0D108BD9-81ED-4DB2-BD59-A6C34878D82A}">
+                    <a16:rowId xmlns:a16="http://schemas.microsoft.com/office/drawing/2014/main" val="10002"/>
+                  </a:ext>
+                </a:extLst>
+              </a:tr>
+              <a:tr h="631000">
+                <a:tc vMerge="1">
+                  <a:txBody>
+                    <a:bodyPr/>
+                    <a:lstStyle/>
+                    <a:p>
+                      <a:endParaRPr lang="es-MX" dirty="0"/>
+                    </a:p>
+                  </a:txBody>
+                  <a:tcPr/>
+                </a:tc>
+                <a:tc>
+                  <a:txBody>
+                    <a:bodyPr/>
+                    <a:lstStyle/>
+                    <a:p>
+                      <a:r>
+                        <a:rPr lang="es-ES" dirty="0"/>
+                        <a:t>B</a:t>
+                      </a:r>
+                      <a:endParaRPr lang="es-MX" dirty="0"/>
+                    </a:p>
+                  </a:txBody>
+                  <a:tcPr/>
+                </a:tc>
+                <a:tc>
+                  <a:txBody>
+                    <a:bodyPr/>
+                    <a:lstStyle/>
+                    <a:p>
+                      <a:pPr marL="0" marR="0" lvl="0" indent="0" algn="l" defTabSz="914400" rtl="0" eaLnBrk="1" fontAlgn="auto" latinLnBrk="0" hangingPunct="1">
+                        <a:lnSpc>
+                          <a:spcPct val="100000"/>
+                        </a:lnSpc>
+                        <a:spcBef>
+                          <a:spcPts val="0"/>
+                        </a:spcBef>
+                        <a:spcAft>
+                          <a:spcPts val="0"/>
+                        </a:spcAft>
+                        <a:buClrTx/>
+                        <a:buSzTx/>
+                        <a:buFontTx/>
+                        <a:buNone/>
+                        <a:tabLst/>
+                        <a:defRPr/>
+                      </a:pPr>
+                      <a:r>
+                        <a:rPr lang="es-MX" dirty="0">
+                          <a:solidFill>
+                            <a:srgbClr val="00B050"/>
+                          </a:solidFill>
+                        </a:rPr>
+                        <a:t>A21</a:t>
+                      </a:r>
+                      <a:r>
+                        <a:rPr lang="es-MX" dirty="0"/>
+                        <a:t>, </a:t>
+                      </a:r>
+                      <a:r>
+                        <a:rPr lang="es-MX" dirty="0">
+                          <a:solidFill>
+                            <a:srgbClr val="FF0000"/>
+                          </a:solidFill>
+                        </a:rPr>
+                        <a:t>B21</a:t>
+                      </a:r>
+                    </a:p>
+                    <a:p>
+                      <a:endParaRPr lang="es-MX" dirty="0"/>
+                    </a:p>
+                  </a:txBody>
+                  <a:tcPr/>
+                </a:tc>
+                <a:tc>
+                  <a:txBody>
+                    <a:bodyPr/>
+                    <a:lstStyle/>
+                    <a:p>
+                      <a:pPr marL="0" marR="0" lvl="0" indent="0" algn="l" defTabSz="914400" rtl="0" eaLnBrk="1" fontAlgn="auto" latinLnBrk="0" hangingPunct="1">
+                        <a:lnSpc>
+                          <a:spcPct val="100000"/>
+                        </a:lnSpc>
+                        <a:spcBef>
+                          <a:spcPts val="0"/>
+                        </a:spcBef>
+                        <a:spcAft>
+                          <a:spcPts val="0"/>
+                        </a:spcAft>
+                        <a:buClrTx/>
+                        <a:buSzTx/>
+                        <a:buFontTx/>
+                        <a:buNone/>
+                        <a:tabLst/>
+                        <a:defRPr/>
+                      </a:pPr>
+                      <a:r>
+                        <a:rPr lang="es-MX" dirty="0">
+                          <a:solidFill>
+                            <a:srgbClr val="00B050"/>
+                          </a:solidFill>
+                        </a:rPr>
+                        <a:t>A22</a:t>
+                      </a:r>
+                      <a:r>
+                        <a:rPr lang="es-MX" dirty="0"/>
+                        <a:t>, </a:t>
+                      </a:r>
+                      <a:r>
+                        <a:rPr lang="es-MX" dirty="0">
+                          <a:solidFill>
+                            <a:srgbClr val="FF0000"/>
+                          </a:solidFill>
+                        </a:rPr>
+                        <a:t>B22</a:t>
+                      </a:r>
+                    </a:p>
+                    <a:p>
+                      <a:endParaRPr lang="es-MX" dirty="0"/>
+                    </a:p>
+                  </a:txBody>
+                  <a:tcPr/>
+                </a:tc>
+                <a:tc>
+                  <a:txBody>
+                    <a:bodyPr/>
+                    <a:lstStyle/>
+                    <a:p>
+                      <a:pPr marL="0" marR="0" lvl="0" indent="0" algn="l" defTabSz="914400" rtl="0" eaLnBrk="1" fontAlgn="auto" latinLnBrk="0" hangingPunct="1">
+                        <a:lnSpc>
+                          <a:spcPct val="100000"/>
+                        </a:lnSpc>
+                        <a:spcBef>
+                          <a:spcPts val="0"/>
+                        </a:spcBef>
+                        <a:spcAft>
+                          <a:spcPts val="0"/>
+                        </a:spcAft>
+                        <a:buClrTx/>
+                        <a:buSzTx/>
+                        <a:buFontTx/>
+                        <a:buNone/>
+                        <a:tabLst/>
+                        <a:defRPr/>
+                      </a:pPr>
+                      <a:r>
+                        <a:rPr lang="es-MX" dirty="0">
+                          <a:solidFill>
+                            <a:srgbClr val="00B050"/>
+                          </a:solidFill>
+                        </a:rPr>
+                        <a:t>A23</a:t>
+                      </a:r>
+                      <a:r>
+                        <a:rPr lang="es-MX" dirty="0"/>
+                        <a:t>, </a:t>
+                      </a:r>
+                      <a:r>
+                        <a:rPr lang="es-MX" dirty="0">
+                          <a:solidFill>
+                            <a:srgbClr val="FF0000"/>
+                          </a:solidFill>
+                        </a:rPr>
+                        <a:t>B23</a:t>
+                      </a:r>
+                    </a:p>
+                    <a:p>
+                      <a:endParaRPr lang="es-MX" dirty="0"/>
+                    </a:p>
+                  </a:txBody>
+                  <a:tcPr/>
+                </a:tc>
+                <a:tc>
+                  <a:txBody>
+                    <a:bodyPr/>
+                    <a:lstStyle/>
+                    <a:p>
+                      <a:pPr marL="0" marR="0" lvl="0" indent="0" algn="l" defTabSz="914400" rtl="0" eaLnBrk="1" fontAlgn="auto" latinLnBrk="0" hangingPunct="1">
+                        <a:lnSpc>
+                          <a:spcPct val="100000"/>
+                        </a:lnSpc>
+                        <a:spcBef>
+                          <a:spcPts val="0"/>
+                        </a:spcBef>
+                        <a:spcAft>
+                          <a:spcPts val="0"/>
+                        </a:spcAft>
+                        <a:buClrTx/>
+                        <a:buSzTx/>
+                        <a:buFontTx/>
+                        <a:buNone/>
+                        <a:tabLst/>
+                        <a:defRPr/>
+                      </a:pPr>
+                      <a:r>
+                        <a:rPr lang="es-MX" dirty="0">
+                          <a:solidFill>
+                            <a:srgbClr val="00B050"/>
+                          </a:solidFill>
+                        </a:rPr>
+                        <a:t>A24</a:t>
+                      </a:r>
+                      <a:r>
+                        <a:rPr lang="es-MX" dirty="0"/>
+                        <a:t>, </a:t>
+                      </a:r>
+                      <a:r>
+                        <a:rPr lang="es-MX" dirty="0">
+                          <a:solidFill>
+                            <a:srgbClr val="FF0000"/>
+                          </a:solidFill>
+                        </a:rPr>
+                        <a:t>B24</a:t>
+                      </a:r>
+                    </a:p>
+                    <a:p>
+                      <a:endParaRPr lang="es-MX" dirty="0"/>
+                    </a:p>
+                  </a:txBody>
+                  <a:tcPr/>
+                </a:tc>
+                <a:extLst>
+                  <a:ext uri="{0D108BD9-81ED-4DB2-BD59-A6C34878D82A}">
+                    <a16:rowId xmlns:a16="http://schemas.microsoft.com/office/drawing/2014/main" val="10003"/>
+                  </a:ext>
+                </a:extLst>
+              </a:tr>
+              <a:tr h="631000">
+                <a:tc vMerge="1">
+                  <a:txBody>
+                    <a:bodyPr/>
+                    <a:lstStyle/>
+                    <a:p>
+                      <a:endParaRPr lang="es-MX" dirty="0"/>
+                    </a:p>
+                  </a:txBody>
+                  <a:tcPr/>
+                </a:tc>
+                <a:tc>
+                  <a:txBody>
+                    <a:bodyPr/>
+                    <a:lstStyle/>
+                    <a:p>
+                      <a:r>
+                        <a:rPr lang="es-ES" dirty="0"/>
+                        <a:t>C</a:t>
+                      </a:r>
+                      <a:endParaRPr lang="es-MX" dirty="0"/>
+                    </a:p>
+                  </a:txBody>
+                  <a:tcPr/>
+                </a:tc>
+                <a:tc>
+                  <a:txBody>
+                    <a:bodyPr/>
+                    <a:lstStyle/>
+                    <a:p>
+                      <a:pPr marL="0" marR="0" lvl="0" indent="0" algn="l" defTabSz="914400" rtl="0" eaLnBrk="1" fontAlgn="auto" latinLnBrk="0" hangingPunct="1">
+                        <a:lnSpc>
+                          <a:spcPct val="100000"/>
+                        </a:lnSpc>
+                        <a:spcBef>
+                          <a:spcPts val="0"/>
+                        </a:spcBef>
+                        <a:spcAft>
+                          <a:spcPts val="0"/>
+                        </a:spcAft>
+                        <a:buClrTx/>
+                        <a:buSzTx/>
+                        <a:buFontTx/>
+                        <a:buNone/>
+                        <a:tabLst/>
+                        <a:defRPr/>
+                      </a:pPr>
+                      <a:r>
+                        <a:rPr lang="es-MX" dirty="0">
+                          <a:solidFill>
+                            <a:srgbClr val="00B050"/>
+                          </a:solidFill>
+                        </a:rPr>
+                        <a:t>A31</a:t>
+                      </a:r>
+                      <a:r>
+                        <a:rPr lang="es-MX" dirty="0"/>
+                        <a:t>, </a:t>
+                      </a:r>
+                      <a:r>
+                        <a:rPr lang="es-MX" dirty="0">
+                          <a:solidFill>
+                            <a:srgbClr val="FF0000"/>
+                          </a:solidFill>
+                        </a:rPr>
+                        <a:t>B31</a:t>
+                      </a:r>
+                    </a:p>
+                    <a:p>
+                      <a:endParaRPr lang="es-MX" dirty="0"/>
+                    </a:p>
+                  </a:txBody>
+                  <a:tcPr/>
+                </a:tc>
+                <a:tc>
+                  <a:txBody>
+                    <a:bodyPr/>
+                    <a:lstStyle/>
+                    <a:p>
+                      <a:pPr marL="0" marR="0" lvl="0" indent="0" algn="l" defTabSz="914400" rtl="0" eaLnBrk="1" fontAlgn="auto" latinLnBrk="0" hangingPunct="1">
+                        <a:lnSpc>
+                          <a:spcPct val="100000"/>
+                        </a:lnSpc>
+                        <a:spcBef>
+                          <a:spcPts val="0"/>
+                        </a:spcBef>
+                        <a:spcAft>
+                          <a:spcPts val="0"/>
+                        </a:spcAft>
+                        <a:buClrTx/>
+                        <a:buSzTx/>
+                        <a:buFontTx/>
+                        <a:buNone/>
+                        <a:tabLst/>
+                        <a:defRPr/>
+                      </a:pPr>
+                      <a:r>
+                        <a:rPr lang="es-MX" dirty="0">
+                          <a:solidFill>
+                            <a:srgbClr val="00B050"/>
+                          </a:solidFill>
+                        </a:rPr>
+                        <a:t>A32</a:t>
+                      </a:r>
+                      <a:r>
+                        <a:rPr lang="es-MX" dirty="0"/>
+                        <a:t>, </a:t>
+                      </a:r>
+                      <a:r>
+                        <a:rPr lang="es-MX" dirty="0">
+                          <a:solidFill>
+                            <a:srgbClr val="FF0000"/>
+                          </a:solidFill>
+                        </a:rPr>
+                        <a:t>B32</a:t>
+                      </a:r>
+                    </a:p>
+                    <a:p>
+                      <a:endParaRPr lang="es-MX" dirty="0"/>
+                    </a:p>
+                  </a:txBody>
+                  <a:tcPr/>
+                </a:tc>
+                <a:tc>
+                  <a:txBody>
+                    <a:bodyPr/>
+                    <a:lstStyle/>
+                    <a:p>
+                      <a:pPr marL="0" marR="0" lvl="0" indent="0" algn="l" defTabSz="914400" rtl="0" eaLnBrk="1" fontAlgn="auto" latinLnBrk="0" hangingPunct="1">
+                        <a:lnSpc>
+                          <a:spcPct val="100000"/>
+                        </a:lnSpc>
+                        <a:spcBef>
+                          <a:spcPts val="0"/>
+                        </a:spcBef>
+                        <a:spcAft>
+                          <a:spcPts val="0"/>
+                        </a:spcAft>
+                        <a:buClrTx/>
+                        <a:buSzTx/>
+                        <a:buFontTx/>
+                        <a:buNone/>
+                        <a:tabLst/>
+                        <a:defRPr/>
+                      </a:pPr>
+                      <a:r>
+                        <a:rPr lang="es-MX" dirty="0">
+                          <a:solidFill>
+                            <a:srgbClr val="00B050"/>
+                          </a:solidFill>
+                        </a:rPr>
+                        <a:t>A33</a:t>
+                      </a:r>
+                      <a:r>
+                        <a:rPr lang="es-MX" dirty="0"/>
+                        <a:t>, </a:t>
+                      </a:r>
+                      <a:r>
+                        <a:rPr lang="es-MX" dirty="0">
+                          <a:solidFill>
+                            <a:srgbClr val="FF0000"/>
+                          </a:solidFill>
+                        </a:rPr>
+                        <a:t>B33</a:t>
+                      </a:r>
+                    </a:p>
+                    <a:p>
+                      <a:endParaRPr lang="es-MX" dirty="0"/>
+                    </a:p>
+                  </a:txBody>
+                  <a:tcPr/>
+                </a:tc>
+                <a:tc>
+                  <a:txBody>
+                    <a:bodyPr/>
+                    <a:lstStyle/>
+                    <a:p>
+                      <a:pPr marL="0" marR="0" lvl="0" indent="0" algn="l" defTabSz="914400" rtl="0" eaLnBrk="1" fontAlgn="auto" latinLnBrk="0" hangingPunct="1">
+                        <a:lnSpc>
+                          <a:spcPct val="100000"/>
+                        </a:lnSpc>
+                        <a:spcBef>
+                          <a:spcPts val="0"/>
+                        </a:spcBef>
+                        <a:spcAft>
+                          <a:spcPts val="0"/>
+                        </a:spcAft>
+                        <a:buClrTx/>
+                        <a:buSzTx/>
+                        <a:buFontTx/>
+                        <a:buNone/>
+                        <a:tabLst/>
+                        <a:defRPr/>
+                      </a:pPr>
+                      <a:r>
+                        <a:rPr lang="es-MX" dirty="0">
+                          <a:solidFill>
+                            <a:srgbClr val="00B050"/>
+                          </a:solidFill>
+                        </a:rPr>
+                        <a:t>A34</a:t>
+                      </a:r>
+                      <a:r>
+                        <a:rPr lang="es-MX" dirty="0"/>
+                        <a:t>, </a:t>
+                      </a:r>
+                      <a:r>
+                        <a:rPr lang="es-MX" dirty="0">
+                          <a:solidFill>
+                            <a:srgbClr val="FF0000"/>
+                          </a:solidFill>
+                        </a:rPr>
+                        <a:t>B34</a:t>
+                      </a:r>
+                    </a:p>
+                    <a:p>
+                      <a:endParaRPr lang="es-MX" dirty="0"/>
+                    </a:p>
+                  </a:txBody>
+                  <a:tcPr/>
+                </a:tc>
+                <a:extLst>
+                  <a:ext uri="{0D108BD9-81ED-4DB2-BD59-A6C34878D82A}">
+                    <a16:rowId xmlns:a16="http://schemas.microsoft.com/office/drawing/2014/main" val="10004"/>
+                  </a:ext>
+                </a:extLst>
+              </a:tr>
+              <a:tr h="631000">
+                <a:tc vMerge="1">
+                  <a:txBody>
+                    <a:bodyPr/>
+                    <a:lstStyle/>
+                    <a:p>
+                      <a:endParaRPr lang="es-MX" dirty="0"/>
+                    </a:p>
+                  </a:txBody>
+                  <a:tcPr/>
+                </a:tc>
+                <a:tc>
+                  <a:txBody>
+                    <a:bodyPr/>
+                    <a:lstStyle/>
+                    <a:p>
+                      <a:r>
+                        <a:rPr lang="es-ES" dirty="0"/>
+                        <a:t>D</a:t>
+                      </a:r>
+                      <a:endParaRPr lang="es-MX" dirty="0"/>
+                    </a:p>
+                  </a:txBody>
+                  <a:tcPr/>
+                </a:tc>
+                <a:tc>
+                  <a:txBody>
+                    <a:bodyPr/>
+                    <a:lstStyle/>
+                    <a:p>
+                      <a:pPr marL="0" marR="0" lvl="0" indent="0" algn="l" defTabSz="914400" rtl="0" eaLnBrk="1" fontAlgn="auto" latinLnBrk="0" hangingPunct="1">
+                        <a:lnSpc>
+                          <a:spcPct val="100000"/>
+                        </a:lnSpc>
+                        <a:spcBef>
+                          <a:spcPts val="0"/>
+                        </a:spcBef>
+                        <a:spcAft>
+                          <a:spcPts val="0"/>
+                        </a:spcAft>
+                        <a:buClrTx/>
+                        <a:buSzTx/>
+                        <a:buFontTx/>
+                        <a:buNone/>
+                        <a:tabLst/>
+                        <a:defRPr/>
+                      </a:pPr>
+                      <a:r>
+                        <a:rPr lang="es-MX" dirty="0">
+                          <a:solidFill>
+                            <a:srgbClr val="00B050"/>
+                          </a:solidFill>
+                        </a:rPr>
+                        <a:t>A41</a:t>
+                      </a:r>
+                      <a:r>
+                        <a:rPr lang="es-MX" dirty="0"/>
+                        <a:t>, </a:t>
+                      </a:r>
+                      <a:r>
+                        <a:rPr lang="es-MX" dirty="0">
+                          <a:solidFill>
+                            <a:srgbClr val="FF0000"/>
+                          </a:solidFill>
+                        </a:rPr>
+                        <a:t>B41</a:t>
+                      </a:r>
+                    </a:p>
+                    <a:p>
+                      <a:endParaRPr lang="es-MX" dirty="0"/>
+                    </a:p>
+                  </a:txBody>
+                  <a:tcPr/>
+                </a:tc>
+                <a:tc>
+                  <a:txBody>
+                    <a:bodyPr/>
+                    <a:lstStyle/>
+                    <a:p>
+                      <a:pPr marL="0" marR="0" lvl="0" indent="0" algn="l" defTabSz="914400" rtl="0" eaLnBrk="1" fontAlgn="auto" latinLnBrk="0" hangingPunct="1">
+                        <a:lnSpc>
+                          <a:spcPct val="100000"/>
+                        </a:lnSpc>
+                        <a:spcBef>
+                          <a:spcPts val="0"/>
+                        </a:spcBef>
+                        <a:spcAft>
+                          <a:spcPts val="0"/>
+                        </a:spcAft>
+                        <a:buClrTx/>
+                        <a:buSzTx/>
+                        <a:buFontTx/>
+                        <a:buNone/>
+                        <a:tabLst/>
+                        <a:defRPr/>
+                      </a:pPr>
+                      <a:r>
+                        <a:rPr lang="es-MX" dirty="0">
+                          <a:solidFill>
+                            <a:srgbClr val="00B050"/>
+                          </a:solidFill>
+                        </a:rPr>
+                        <a:t>A42</a:t>
+                      </a:r>
+                      <a:r>
+                        <a:rPr lang="es-MX" dirty="0"/>
+                        <a:t>, </a:t>
+                      </a:r>
+                      <a:r>
+                        <a:rPr lang="es-MX" dirty="0">
+                          <a:solidFill>
+                            <a:srgbClr val="FF0000"/>
+                          </a:solidFill>
+                        </a:rPr>
+                        <a:t>B42</a:t>
+                      </a:r>
+                    </a:p>
+                    <a:p>
+                      <a:endParaRPr lang="es-MX" dirty="0"/>
+                    </a:p>
+                  </a:txBody>
+                  <a:tcPr/>
+                </a:tc>
+                <a:tc>
+                  <a:txBody>
+                    <a:bodyPr/>
+                    <a:lstStyle/>
+                    <a:p>
+                      <a:pPr marL="0" marR="0" lvl="0" indent="0" algn="l" defTabSz="914400" rtl="0" eaLnBrk="1" fontAlgn="auto" latinLnBrk="0" hangingPunct="1">
+                        <a:lnSpc>
+                          <a:spcPct val="100000"/>
+                        </a:lnSpc>
+                        <a:spcBef>
+                          <a:spcPts val="0"/>
+                        </a:spcBef>
+                        <a:spcAft>
+                          <a:spcPts val="0"/>
+                        </a:spcAft>
+                        <a:buClrTx/>
+                        <a:buSzTx/>
+                        <a:buFontTx/>
+                        <a:buNone/>
+                        <a:tabLst/>
+                        <a:defRPr/>
+                      </a:pPr>
+                      <a:r>
+                        <a:rPr lang="es-MX" dirty="0">
+                          <a:solidFill>
+                            <a:srgbClr val="00B050"/>
+                          </a:solidFill>
+                        </a:rPr>
+                        <a:t>A43</a:t>
+                      </a:r>
+                      <a:r>
+                        <a:rPr lang="es-MX" dirty="0"/>
+                        <a:t>, </a:t>
+                      </a:r>
+                      <a:r>
+                        <a:rPr lang="es-MX" dirty="0">
+                          <a:solidFill>
+                            <a:srgbClr val="FF0000"/>
+                          </a:solidFill>
+                        </a:rPr>
+                        <a:t>B43</a:t>
+                      </a:r>
+                    </a:p>
+                    <a:p>
+                      <a:endParaRPr lang="es-MX" dirty="0"/>
+                    </a:p>
+                  </a:txBody>
+                  <a:tcPr/>
+                </a:tc>
+                <a:tc>
+                  <a:txBody>
+                    <a:bodyPr/>
+                    <a:lstStyle/>
+                    <a:p>
+                      <a:pPr marL="0" marR="0" lvl="0" indent="0" algn="l" defTabSz="914400" rtl="0" eaLnBrk="1" fontAlgn="auto" latinLnBrk="0" hangingPunct="1">
+                        <a:lnSpc>
+                          <a:spcPct val="100000"/>
+                        </a:lnSpc>
+                        <a:spcBef>
+                          <a:spcPts val="0"/>
+                        </a:spcBef>
+                        <a:spcAft>
+                          <a:spcPts val="0"/>
+                        </a:spcAft>
+                        <a:buClrTx/>
+                        <a:buSzTx/>
+                        <a:buFontTx/>
+                        <a:buNone/>
+                        <a:tabLst/>
+                        <a:defRPr/>
+                      </a:pPr>
+                      <a:r>
+                        <a:rPr lang="es-MX" dirty="0">
+                          <a:solidFill>
+                            <a:srgbClr val="00B050"/>
+                          </a:solidFill>
+                        </a:rPr>
+                        <a:t>A44</a:t>
+                      </a:r>
+                      <a:r>
+                        <a:rPr lang="es-MX" dirty="0"/>
+                        <a:t>, </a:t>
+                      </a:r>
+                      <a:r>
+                        <a:rPr lang="es-MX" dirty="0">
+                          <a:solidFill>
+                            <a:srgbClr val="FF0000"/>
+                          </a:solidFill>
+                        </a:rPr>
+                        <a:t>B44</a:t>
+                      </a:r>
+                    </a:p>
+                    <a:p>
+                      <a:endParaRPr lang="es-MX" dirty="0"/>
+                    </a:p>
+                  </a:txBody>
+                  <a:tcPr/>
+                </a:tc>
+                <a:extLst>
+                  <a:ext uri="{0D108BD9-81ED-4DB2-BD59-A6C34878D82A}">
+                    <a16:rowId xmlns:a16="http://schemas.microsoft.com/office/drawing/2014/main" val="10005"/>
+                  </a:ext>
+                </a:extLst>
+              </a:tr>
+            </a:tbl>
+          </a:graphicData>
+        </a:graphic>
+      </p:graphicFrame>
+    </p:spTree>
+  </p:cSld>
+  <p:clrMapOvr>
+    <a:masterClrMapping/>
+  </p:clrMapOvr>
+</p:sld>
+</file>
+
+<file path=ppt/slides/slide6.xml><?xml version="1.0" encoding="utf-8"?>
+<p:sld xmlns:a="http://schemas.openxmlformats.org/drawingml/2006/main" xmlns:r="http://schemas.openxmlformats.org/officeDocument/2006/relationships" xmlns:p="http://schemas.openxmlformats.org/presentationml/2006/main">
+  <p:cSld>
+    <p:spTree>
+      <p:nvGrpSpPr>
+        <p:cNvPr id="1" name=""/>
+        <p:cNvGrpSpPr/>
+        <p:nvPr/>
+      </p:nvGrpSpPr>
+      <p:grpSpPr>
+        <a:xfrm>
+          <a:off x="0" y="0"/>
+          <a:ext cx="0" cy="0"/>
+          <a:chOff x="0" y="0"/>
+          <a:chExt cx="0" cy="0"/>
+        </a:xfrm>
+      </p:grpSpPr>
+      <p:sp>
+        <p:nvSpPr>
+          <p:cNvPr id="2" name="Título 1">
+            <a:extLst>
+              <a:ext uri="{FF2B5EF4-FFF2-40B4-BE49-F238E27FC236}">
+                <a16:creationId xmlns:a16="http://schemas.microsoft.com/office/drawing/2014/main" id="{FED58DA0-53A6-4F5C-9933-C4BF776CB870}"/>
+              </a:ext>
+            </a:extLst>
+          </p:cNvPr>
+          <p:cNvSpPr>
+            <a:spLocks noGrp="1"/>
+          </p:cNvSpPr>
+          <p:nvPr>
+            <p:ph type="title"/>
+          </p:nvPr>
+        </p:nvSpPr>
         <p:spPr/>
         <p:txBody>
           <a:bodyPr/>
           <a:lstStyle/>
           <a:p>
-            <a:endParaRPr lang="es-MX"/>
+            <a:pPr algn="ctr"/>
+            <a:r>
+              <a:rPr lang="es-MX" dirty="0"/>
+              <a:t>Ensayos de prueba</a:t>
+            </a:r>
+          </a:p>
+        </p:txBody>
+      </p:sp>
+      <p:sp>
+        <p:nvSpPr>
+          <p:cNvPr id="3" name="Marcador de contenido 2">
+            <a:extLst>
+              <a:ext uri="{FF2B5EF4-FFF2-40B4-BE49-F238E27FC236}">
+                <a16:creationId xmlns:a16="http://schemas.microsoft.com/office/drawing/2014/main" id="{6F8DAEAF-856D-4343-8E16-C1876D98F0D2}"/>
+              </a:ext>
+            </a:extLst>
+          </p:cNvPr>
+          <p:cNvSpPr>
+            <a:spLocks noGrp="1"/>
+          </p:cNvSpPr>
+          <p:nvPr>
+            <p:ph idx="1"/>
+          </p:nvPr>
+        </p:nvSpPr>
+        <p:spPr>
+          <a:xfrm>
+            <a:off x="838200" y="1825625"/>
+            <a:ext cx="10515600" cy="4351338"/>
+          </a:xfrm>
+        </p:spPr>
+        <p:txBody>
+          <a:bodyPr/>
+          <a:lstStyle/>
+          <a:p>
+            <a:pPr marL="0" indent="0" algn="just">
+              <a:buNone/>
+            </a:pPr>
+            <a:r>
+              <a:rPr lang="es-MX" dirty="0"/>
+              <a:t>A continuación jugarás </a:t>
+            </a:r>
+            <a:r>
+              <a:rPr lang="es-MX" b="1" dirty="0"/>
+              <a:t>“m”</a:t>
+            </a:r>
+            <a:r>
+              <a:rPr lang="es-MX" dirty="0"/>
+              <a:t> ensayos de prueba con tu pareja. Presiona la barra espaciadora cuando estés lista(o).</a:t>
+            </a:r>
+          </a:p>
+          <a:p>
+            <a:pPr algn="just"/>
+            <a:endParaRPr lang="es-MX" dirty="0"/>
+          </a:p>
+          <a:p>
+            <a:pPr algn="just"/>
+            <a:endParaRPr lang="es-MX" dirty="0"/>
+          </a:p>
+          <a:p>
+            <a:pPr marL="0" indent="0" algn="r">
+              <a:buNone/>
+            </a:pPr>
+            <a:endParaRPr lang="es-MX" dirty="0">
+              <a:solidFill>
+                <a:srgbClr val="FF0000"/>
+              </a:solidFill>
+            </a:endParaRPr>
+          </a:p>
+          <a:p>
+            <a:pPr marL="0" indent="0" algn="r">
+              <a:buNone/>
+            </a:pPr>
+            <a:endParaRPr lang="es-MX" dirty="0">
+              <a:solidFill>
+                <a:srgbClr val="FF0000"/>
+              </a:solidFill>
+            </a:endParaRPr>
+          </a:p>
+          <a:p>
+            <a:pPr marL="0" indent="0" algn="r">
+              <a:buNone/>
+            </a:pPr>
+            <a:endParaRPr lang="es-MX" dirty="0">
+              <a:solidFill>
+                <a:srgbClr val="FF0000"/>
+              </a:solidFill>
+            </a:endParaRPr>
+          </a:p>
+          <a:p>
+            <a:pPr marL="0" indent="0" algn="ctr">
+              <a:buNone/>
+            </a:pPr>
+            <a:r>
+              <a:rPr lang="es-MX" dirty="0">
+                <a:solidFill>
+                  <a:srgbClr val="FF0000"/>
+                </a:solidFill>
+              </a:rPr>
+              <a:t>(Habilitar la barra espaciadora)</a:t>
+            </a:r>
           </a:p>
         </p:txBody>
       </p:sp>
     </p:spTree>
+    <p:extLst>
+      <p:ext uri="{BB962C8B-B14F-4D97-AF65-F5344CB8AC3E}">
+        <p14:creationId xmlns:p14="http://schemas.microsoft.com/office/powerpoint/2010/main" val="1721576807"/>
+      </p:ext>
+    </p:extLst>
+  </p:cSld>
+  <p:clrMapOvr>
+    <a:masterClrMapping/>
+  </p:clrMapOvr>
+</p:sld>
+</file>
+
+<file path=ppt/slides/slide7.xml><?xml version="1.0" encoding="utf-8"?>
+<p:sld xmlns:a="http://schemas.openxmlformats.org/drawingml/2006/main" xmlns:r="http://schemas.openxmlformats.org/officeDocument/2006/relationships" xmlns:p="http://schemas.openxmlformats.org/presentationml/2006/main">
+  <p:cSld>
+    <p:spTree>
+      <p:nvGrpSpPr>
+        <p:cNvPr id="1" name=""/>
+        <p:cNvGrpSpPr/>
+        <p:nvPr/>
+      </p:nvGrpSpPr>
+      <p:grpSpPr>
+        <a:xfrm>
+          <a:off x="0" y="0"/>
+          <a:ext cx="0" cy="0"/>
+          <a:chOff x="0" y="0"/>
+          <a:chExt cx="0" cy="0"/>
+        </a:xfrm>
+      </p:grpSpPr>
+      <p:sp>
+        <p:nvSpPr>
+          <p:cNvPr id="9" name="CuadroTexto 8">
+            <a:extLst>
+              <a:ext uri="{FF2B5EF4-FFF2-40B4-BE49-F238E27FC236}">
+                <a16:creationId xmlns:a16="http://schemas.microsoft.com/office/drawing/2014/main" id="{91A84CCB-E6C6-4805-B999-04AFB9CC429D}"/>
+              </a:ext>
+            </a:extLst>
+          </p:cNvPr>
+          <p:cNvSpPr txBox="1"/>
+          <p:nvPr/>
+        </p:nvSpPr>
+        <p:spPr>
+          <a:xfrm>
+            <a:off x="167427" y="127239"/>
+            <a:ext cx="800219" cy="6589092"/>
+          </a:xfrm>
+          <a:prstGeom prst="rect">
+            <a:avLst/>
+          </a:prstGeom>
+          <a:noFill/>
+        </p:spPr>
+        <p:txBody>
+          <a:bodyPr vert="vert270" wrap="square" rtlCol="0">
+            <a:spAutoFit/>
+          </a:bodyPr>
+          <a:lstStyle/>
+          <a:p>
+            <a:r>
+              <a:rPr lang="es-MX" sz="4000" dirty="0"/>
+              <a:t>Elige alguna de tus alternativas</a:t>
+            </a:r>
+          </a:p>
+        </p:txBody>
+      </p:sp>
+      <p:sp>
+        <p:nvSpPr>
+          <p:cNvPr id="11" name="CuadroTexto 10">
+            <a:extLst>
+              <a:ext uri="{FF2B5EF4-FFF2-40B4-BE49-F238E27FC236}">
+                <a16:creationId xmlns:a16="http://schemas.microsoft.com/office/drawing/2014/main" id="{24010BA3-B891-4C9C-95BF-03D90022FA80}"/>
+              </a:ext>
+            </a:extLst>
+          </p:cNvPr>
+          <p:cNvSpPr txBox="1"/>
+          <p:nvPr/>
+        </p:nvSpPr>
+        <p:spPr>
+          <a:xfrm>
+            <a:off x="2910625" y="5357611"/>
+            <a:ext cx="6091707" cy="646331"/>
+          </a:xfrm>
+          <a:prstGeom prst="rect">
+            <a:avLst/>
+          </a:prstGeom>
+          <a:noFill/>
+        </p:spPr>
+        <p:txBody>
+          <a:bodyPr wrap="square" rtlCol="0">
+            <a:spAutoFit/>
+          </a:bodyPr>
+          <a:lstStyle/>
+          <a:p>
+            <a:pPr algn="just"/>
+            <a:r>
+              <a:rPr lang="es-MX" dirty="0">
+                <a:solidFill>
+                  <a:srgbClr val="FF0000"/>
+                </a:solidFill>
+              </a:rPr>
+              <a:t>Deshabilitar o dejar oculto alguno de los botones si fuera el caso de que hubiera menos de 4 estrategias</a:t>
+            </a:r>
+          </a:p>
+        </p:txBody>
+      </p:sp>
+      <p:graphicFrame>
+        <p:nvGraphicFramePr>
+          <p:cNvPr id="12" name="9 Marcador de contenido">
+            <a:extLst>
+              <a:ext uri="{FF2B5EF4-FFF2-40B4-BE49-F238E27FC236}">
+                <a16:creationId xmlns:a16="http://schemas.microsoft.com/office/drawing/2014/main" id="{E63F9C6F-46D7-4208-855A-CFA738CFEC55}"/>
+              </a:ext>
+            </a:extLst>
+          </p:cNvPr>
+          <p:cNvGraphicFramePr>
+            <a:graphicFrameLocks/>
+          </p:cNvGraphicFramePr>
+          <p:nvPr>
+            <p:extLst>
+              <p:ext uri="{D42A27DB-BD31-4B8C-83A1-F6EECF244321}">
+                <p14:modId xmlns:p14="http://schemas.microsoft.com/office/powerpoint/2010/main" val="4200982977"/>
+              </p:ext>
+            </p:extLst>
+          </p:nvPr>
+        </p:nvGraphicFramePr>
+        <p:xfrm>
+          <a:off x="1088571" y="1175657"/>
+          <a:ext cx="10021730" cy="3784230"/>
+        </p:xfrm>
+        <a:graphic>
+          <a:graphicData uri="http://schemas.openxmlformats.org/drawingml/2006/table">
+            <a:tbl>
+              <a:tblPr firstRow="1" bandRow="1">
+                <a:tableStyleId>{073A0DAA-6AF3-43AB-8588-CEC1D06C72B9}</a:tableStyleId>
+              </a:tblPr>
+              <a:tblGrid>
+                <a:gridCol w="2004346">
+                  <a:extLst>
+                    <a:ext uri="{9D8B030D-6E8A-4147-A177-3AD203B41FA5}">
+                      <a16:colId xmlns:a16="http://schemas.microsoft.com/office/drawing/2014/main" val="20001"/>
+                    </a:ext>
+                  </a:extLst>
+                </a:gridCol>
+                <a:gridCol w="2004346">
+                  <a:extLst>
+                    <a:ext uri="{9D8B030D-6E8A-4147-A177-3AD203B41FA5}">
+                      <a16:colId xmlns:a16="http://schemas.microsoft.com/office/drawing/2014/main" val="20002"/>
+                    </a:ext>
+                  </a:extLst>
+                </a:gridCol>
+                <a:gridCol w="2004346">
+                  <a:extLst>
+                    <a:ext uri="{9D8B030D-6E8A-4147-A177-3AD203B41FA5}">
+                      <a16:colId xmlns:a16="http://schemas.microsoft.com/office/drawing/2014/main" val="20003"/>
+                    </a:ext>
+                  </a:extLst>
+                </a:gridCol>
+                <a:gridCol w="2004346">
+                  <a:extLst>
+                    <a:ext uri="{9D8B030D-6E8A-4147-A177-3AD203B41FA5}">
+                      <a16:colId xmlns:a16="http://schemas.microsoft.com/office/drawing/2014/main" val="20004"/>
+                    </a:ext>
+                  </a:extLst>
+                </a:gridCol>
+                <a:gridCol w="2004346">
+                  <a:extLst>
+                    <a:ext uri="{9D8B030D-6E8A-4147-A177-3AD203B41FA5}">
+                      <a16:colId xmlns:a16="http://schemas.microsoft.com/office/drawing/2014/main" val="20005"/>
+                    </a:ext>
+                  </a:extLst>
+                </a:gridCol>
+              </a:tblGrid>
+              <a:tr h="628830">
+                <a:tc>
+                  <a:txBody>
+                    <a:bodyPr/>
+                    <a:lstStyle/>
+                    <a:p>
+                      <a:pPr algn="ctr"/>
+                      <a:endParaRPr lang="es-MX" dirty="0"/>
+                    </a:p>
+                  </a:txBody>
+                  <a:tcPr/>
+                </a:tc>
+                <a:tc gridSpan="4">
+                  <a:txBody>
+                    <a:bodyPr/>
+                    <a:lstStyle/>
+                    <a:p>
+                      <a:pPr marL="0" marR="0" lvl="0" indent="0" algn="ctr" defTabSz="914400" rtl="0" eaLnBrk="1" fontAlgn="auto" latinLnBrk="0" hangingPunct="1">
+                        <a:lnSpc>
+                          <a:spcPct val="100000"/>
+                        </a:lnSpc>
+                        <a:spcBef>
+                          <a:spcPts val="0"/>
+                        </a:spcBef>
+                        <a:spcAft>
+                          <a:spcPts val="0"/>
+                        </a:spcAft>
+                        <a:buClrTx/>
+                        <a:buSzTx/>
+                        <a:buFontTx/>
+                        <a:buNone/>
+                        <a:tabLst/>
+                        <a:defRPr/>
+                      </a:pPr>
+                      <a:r>
+                        <a:rPr lang="es-ES" dirty="0"/>
+                        <a:t>Alternativas de tu pareja</a:t>
+                      </a:r>
+                      <a:endParaRPr lang="es-MX" dirty="0"/>
+                    </a:p>
+                  </a:txBody>
+                  <a:tcPr/>
+                </a:tc>
+                <a:tc hMerge="1">
+                  <a:txBody>
+                    <a:bodyPr/>
+                    <a:lstStyle/>
+                    <a:p>
+                      <a:endParaRPr lang="es-MX" dirty="0"/>
+                    </a:p>
+                  </a:txBody>
+                  <a:tcPr/>
+                </a:tc>
+                <a:tc hMerge="1">
+                  <a:txBody>
+                    <a:bodyPr/>
+                    <a:lstStyle/>
+                    <a:p>
+                      <a:endParaRPr lang="es-MX" dirty="0"/>
+                    </a:p>
+                  </a:txBody>
+                  <a:tcPr/>
+                </a:tc>
+                <a:tc hMerge="1">
+                  <a:txBody>
+                    <a:bodyPr/>
+                    <a:lstStyle/>
+                    <a:p>
+                      <a:endParaRPr lang="es-MX" dirty="0"/>
+                    </a:p>
+                  </a:txBody>
+                  <a:tcPr/>
+                </a:tc>
+                <a:extLst>
+                  <a:ext uri="{0D108BD9-81ED-4DB2-BD59-A6C34878D82A}">
+                    <a16:rowId xmlns:a16="http://schemas.microsoft.com/office/drawing/2014/main" val="10000"/>
+                  </a:ext>
+                </a:extLst>
+              </a:tr>
+              <a:tr h="628830">
+                <a:tc>
+                  <a:txBody>
+                    <a:bodyPr/>
+                    <a:lstStyle/>
+                    <a:p>
+                      <a:pPr algn="ctr"/>
+                      <a:endParaRPr lang="es-MX" dirty="0"/>
+                    </a:p>
+                  </a:txBody>
+                  <a:tcPr/>
+                </a:tc>
+                <a:tc>
+                  <a:txBody>
+                    <a:bodyPr/>
+                    <a:lstStyle/>
+                    <a:p>
+                      <a:pPr algn="ctr"/>
+                      <a:r>
+                        <a:rPr lang="es-ES" dirty="0"/>
+                        <a:t>E</a:t>
+                      </a:r>
+                      <a:endParaRPr lang="es-MX" dirty="0"/>
+                    </a:p>
+                  </a:txBody>
+                  <a:tcPr/>
+                </a:tc>
+                <a:tc>
+                  <a:txBody>
+                    <a:bodyPr/>
+                    <a:lstStyle/>
+                    <a:p>
+                      <a:pPr algn="ctr"/>
+                      <a:r>
+                        <a:rPr lang="es-ES" dirty="0"/>
+                        <a:t>F</a:t>
+                      </a:r>
+                      <a:endParaRPr lang="es-MX" dirty="0"/>
+                    </a:p>
+                  </a:txBody>
+                  <a:tcPr/>
+                </a:tc>
+                <a:tc>
+                  <a:txBody>
+                    <a:bodyPr/>
+                    <a:lstStyle/>
+                    <a:p>
+                      <a:pPr algn="ctr"/>
+                      <a:r>
+                        <a:rPr lang="es-ES" dirty="0"/>
+                        <a:t>G</a:t>
+                      </a:r>
+                      <a:endParaRPr lang="es-MX" dirty="0"/>
+                    </a:p>
+                  </a:txBody>
+                  <a:tcPr/>
+                </a:tc>
+                <a:tc>
+                  <a:txBody>
+                    <a:bodyPr/>
+                    <a:lstStyle/>
+                    <a:p>
+                      <a:pPr algn="ctr"/>
+                      <a:r>
+                        <a:rPr lang="es-ES" dirty="0"/>
+                        <a:t>H</a:t>
+                      </a:r>
+                      <a:endParaRPr lang="es-MX" dirty="0"/>
+                    </a:p>
+                  </a:txBody>
+                  <a:tcPr/>
+                </a:tc>
+                <a:extLst>
+                  <a:ext uri="{0D108BD9-81ED-4DB2-BD59-A6C34878D82A}">
+                    <a16:rowId xmlns:a16="http://schemas.microsoft.com/office/drawing/2014/main" val="10001"/>
+                  </a:ext>
+                </a:extLst>
+              </a:tr>
+              <a:tr h="628830">
+                <a:tc>
+                  <a:txBody>
+                    <a:bodyPr/>
+                    <a:lstStyle/>
+                    <a:p>
+                      <a:pPr algn="ctr"/>
+                      <a:r>
+                        <a:rPr lang="es-ES" dirty="0"/>
+                        <a:t>A</a:t>
+                      </a:r>
+                      <a:endParaRPr lang="es-MX" dirty="0"/>
+                    </a:p>
+                  </a:txBody>
+                  <a:tcPr/>
+                </a:tc>
+                <a:tc>
+                  <a:txBody>
+                    <a:bodyPr/>
+                    <a:lstStyle/>
+                    <a:p>
+                      <a:pPr algn="ctr"/>
+                      <a:r>
+                        <a:rPr lang="es-MX" dirty="0"/>
+                        <a:t>A11, B11</a:t>
+                      </a:r>
+                      <a:endParaRPr lang="es-MX" dirty="0">
+                        <a:solidFill>
+                          <a:srgbClr val="FF0000"/>
+                        </a:solidFill>
+                      </a:endParaRPr>
+                    </a:p>
+                  </a:txBody>
+                  <a:tcPr/>
+                </a:tc>
+                <a:tc>
+                  <a:txBody>
+                    <a:bodyPr/>
+                    <a:lstStyle/>
+                    <a:p>
+                      <a:pPr marL="0" marR="0" lvl="0" indent="0" algn="ctr" defTabSz="914400" rtl="0" eaLnBrk="1" fontAlgn="auto" latinLnBrk="0" hangingPunct="1">
+                        <a:lnSpc>
+                          <a:spcPct val="100000"/>
+                        </a:lnSpc>
+                        <a:spcBef>
+                          <a:spcPts val="0"/>
+                        </a:spcBef>
+                        <a:spcAft>
+                          <a:spcPts val="0"/>
+                        </a:spcAft>
+                        <a:buClrTx/>
+                        <a:buSzTx/>
+                        <a:buFontTx/>
+                        <a:buNone/>
+                        <a:tabLst/>
+                        <a:defRPr/>
+                      </a:pPr>
+                      <a:r>
+                        <a:rPr lang="es-MX" dirty="0"/>
+                        <a:t>A12, B12</a:t>
+                      </a:r>
+                      <a:endParaRPr lang="es-MX" dirty="0">
+                        <a:solidFill>
+                          <a:srgbClr val="FF0000"/>
+                        </a:solidFill>
+                      </a:endParaRPr>
+                    </a:p>
+                  </a:txBody>
+                  <a:tcPr/>
+                </a:tc>
+                <a:tc>
+                  <a:txBody>
+                    <a:bodyPr/>
+                    <a:lstStyle/>
+                    <a:p>
+                      <a:pPr marL="0" marR="0" lvl="0" indent="0" algn="ctr" defTabSz="914400" rtl="0" eaLnBrk="1" fontAlgn="auto" latinLnBrk="0" hangingPunct="1">
+                        <a:lnSpc>
+                          <a:spcPct val="100000"/>
+                        </a:lnSpc>
+                        <a:spcBef>
+                          <a:spcPts val="0"/>
+                        </a:spcBef>
+                        <a:spcAft>
+                          <a:spcPts val="0"/>
+                        </a:spcAft>
+                        <a:buClrTx/>
+                        <a:buSzTx/>
+                        <a:buFontTx/>
+                        <a:buNone/>
+                        <a:tabLst/>
+                        <a:defRPr/>
+                      </a:pPr>
+                      <a:r>
+                        <a:rPr lang="es-MX" dirty="0"/>
+                        <a:t>A13, B13</a:t>
+                      </a:r>
+                      <a:endParaRPr lang="es-MX" dirty="0">
+                        <a:solidFill>
+                          <a:srgbClr val="FF0000"/>
+                        </a:solidFill>
+                      </a:endParaRPr>
+                    </a:p>
+                  </a:txBody>
+                  <a:tcPr/>
+                </a:tc>
+                <a:tc>
+                  <a:txBody>
+                    <a:bodyPr/>
+                    <a:lstStyle/>
+                    <a:p>
+                      <a:pPr marL="0" marR="0" lvl="0" indent="0" algn="ctr" defTabSz="914400" rtl="0" eaLnBrk="1" fontAlgn="auto" latinLnBrk="0" hangingPunct="1">
+                        <a:lnSpc>
+                          <a:spcPct val="100000"/>
+                        </a:lnSpc>
+                        <a:spcBef>
+                          <a:spcPts val="0"/>
+                        </a:spcBef>
+                        <a:spcAft>
+                          <a:spcPts val="0"/>
+                        </a:spcAft>
+                        <a:buClrTx/>
+                        <a:buSzTx/>
+                        <a:buFontTx/>
+                        <a:buNone/>
+                        <a:tabLst/>
+                        <a:defRPr/>
+                      </a:pPr>
+                      <a:r>
+                        <a:rPr lang="es-MX" dirty="0"/>
+                        <a:t>A14, B14</a:t>
+                      </a:r>
+                      <a:endParaRPr lang="es-MX" dirty="0">
+                        <a:solidFill>
+                          <a:srgbClr val="FF0000"/>
+                        </a:solidFill>
+                      </a:endParaRPr>
+                    </a:p>
+                  </a:txBody>
+                  <a:tcPr/>
+                </a:tc>
+                <a:extLst>
+                  <a:ext uri="{0D108BD9-81ED-4DB2-BD59-A6C34878D82A}">
+                    <a16:rowId xmlns:a16="http://schemas.microsoft.com/office/drawing/2014/main" val="10002"/>
+                  </a:ext>
+                </a:extLst>
+              </a:tr>
+              <a:tr h="628830">
+                <a:tc>
+                  <a:txBody>
+                    <a:bodyPr/>
+                    <a:lstStyle/>
+                    <a:p>
+                      <a:pPr algn="ctr"/>
+                      <a:r>
+                        <a:rPr lang="es-ES" dirty="0"/>
+                        <a:t>B</a:t>
+                      </a:r>
+                      <a:endParaRPr lang="es-MX" dirty="0"/>
+                    </a:p>
+                  </a:txBody>
+                  <a:tcPr/>
+                </a:tc>
+                <a:tc>
+                  <a:txBody>
+                    <a:bodyPr/>
+                    <a:lstStyle/>
+                    <a:p>
+                      <a:pPr marL="0" marR="0" lvl="0" indent="0" algn="ctr" defTabSz="914400" rtl="0" eaLnBrk="1" fontAlgn="auto" latinLnBrk="0" hangingPunct="1">
+                        <a:lnSpc>
+                          <a:spcPct val="100000"/>
+                        </a:lnSpc>
+                        <a:spcBef>
+                          <a:spcPts val="0"/>
+                        </a:spcBef>
+                        <a:spcAft>
+                          <a:spcPts val="0"/>
+                        </a:spcAft>
+                        <a:buClrTx/>
+                        <a:buSzTx/>
+                        <a:buFontTx/>
+                        <a:buNone/>
+                        <a:tabLst/>
+                        <a:defRPr/>
+                      </a:pPr>
+                      <a:r>
+                        <a:rPr lang="es-MX" dirty="0"/>
+                        <a:t>A21, B21</a:t>
+                      </a:r>
+                      <a:endParaRPr lang="es-MX" dirty="0">
+                        <a:solidFill>
+                          <a:srgbClr val="FF0000"/>
+                        </a:solidFill>
+                      </a:endParaRPr>
+                    </a:p>
+                    <a:p>
+                      <a:pPr algn="ctr"/>
+                      <a:endParaRPr lang="es-MX" dirty="0"/>
+                    </a:p>
+                  </a:txBody>
+                  <a:tcPr/>
+                </a:tc>
+                <a:tc>
+                  <a:txBody>
+                    <a:bodyPr/>
+                    <a:lstStyle/>
+                    <a:p>
+                      <a:pPr marL="0" marR="0" lvl="0" indent="0" algn="ctr" defTabSz="914400" rtl="0" eaLnBrk="1" fontAlgn="auto" latinLnBrk="0" hangingPunct="1">
+                        <a:lnSpc>
+                          <a:spcPct val="100000"/>
+                        </a:lnSpc>
+                        <a:spcBef>
+                          <a:spcPts val="0"/>
+                        </a:spcBef>
+                        <a:spcAft>
+                          <a:spcPts val="0"/>
+                        </a:spcAft>
+                        <a:buClrTx/>
+                        <a:buSzTx/>
+                        <a:buFontTx/>
+                        <a:buNone/>
+                        <a:tabLst/>
+                        <a:defRPr/>
+                      </a:pPr>
+                      <a:r>
+                        <a:rPr lang="es-MX" dirty="0"/>
+                        <a:t>A22, B22</a:t>
+                      </a:r>
+                      <a:endParaRPr lang="es-MX" dirty="0">
+                        <a:solidFill>
+                          <a:srgbClr val="FF0000"/>
+                        </a:solidFill>
+                      </a:endParaRPr>
+                    </a:p>
+                  </a:txBody>
+                  <a:tcPr/>
+                </a:tc>
+                <a:tc>
+                  <a:txBody>
+                    <a:bodyPr/>
+                    <a:lstStyle/>
+                    <a:p>
+                      <a:pPr marL="0" marR="0" lvl="0" indent="0" algn="ctr" defTabSz="914400" rtl="0" eaLnBrk="1" fontAlgn="auto" latinLnBrk="0" hangingPunct="1">
+                        <a:lnSpc>
+                          <a:spcPct val="100000"/>
+                        </a:lnSpc>
+                        <a:spcBef>
+                          <a:spcPts val="0"/>
+                        </a:spcBef>
+                        <a:spcAft>
+                          <a:spcPts val="0"/>
+                        </a:spcAft>
+                        <a:buClrTx/>
+                        <a:buSzTx/>
+                        <a:buFontTx/>
+                        <a:buNone/>
+                        <a:tabLst/>
+                        <a:defRPr/>
+                      </a:pPr>
+                      <a:r>
+                        <a:rPr lang="es-MX" dirty="0"/>
+                        <a:t>A23, B23</a:t>
+                      </a:r>
+                      <a:endParaRPr lang="es-MX" dirty="0">
+                        <a:solidFill>
+                          <a:srgbClr val="FF0000"/>
+                        </a:solidFill>
+                      </a:endParaRPr>
+                    </a:p>
+                  </a:txBody>
+                  <a:tcPr/>
+                </a:tc>
+                <a:tc>
+                  <a:txBody>
+                    <a:bodyPr/>
+                    <a:lstStyle/>
+                    <a:p>
+                      <a:pPr marL="0" marR="0" lvl="0" indent="0" algn="ctr" defTabSz="914400" rtl="0" eaLnBrk="1" fontAlgn="auto" latinLnBrk="0" hangingPunct="1">
+                        <a:lnSpc>
+                          <a:spcPct val="100000"/>
+                        </a:lnSpc>
+                        <a:spcBef>
+                          <a:spcPts val="0"/>
+                        </a:spcBef>
+                        <a:spcAft>
+                          <a:spcPts val="0"/>
+                        </a:spcAft>
+                        <a:buClrTx/>
+                        <a:buSzTx/>
+                        <a:buFontTx/>
+                        <a:buNone/>
+                        <a:tabLst/>
+                        <a:defRPr/>
+                      </a:pPr>
+                      <a:r>
+                        <a:rPr lang="es-MX" dirty="0"/>
+                        <a:t>A24, B24</a:t>
+                      </a:r>
+                      <a:endParaRPr lang="es-MX" dirty="0">
+                        <a:solidFill>
+                          <a:srgbClr val="FF0000"/>
+                        </a:solidFill>
+                      </a:endParaRPr>
+                    </a:p>
+                    <a:p>
+                      <a:pPr algn="ctr"/>
+                      <a:endParaRPr lang="es-MX" dirty="0"/>
+                    </a:p>
+                  </a:txBody>
+                  <a:tcPr/>
+                </a:tc>
+                <a:extLst>
+                  <a:ext uri="{0D108BD9-81ED-4DB2-BD59-A6C34878D82A}">
+                    <a16:rowId xmlns:a16="http://schemas.microsoft.com/office/drawing/2014/main" val="10003"/>
+                  </a:ext>
+                </a:extLst>
+              </a:tr>
+              <a:tr h="628830">
+                <a:tc>
+                  <a:txBody>
+                    <a:bodyPr/>
+                    <a:lstStyle/>
+                    <a:p>
+                      <a:pPr algn="ctr"/>
+                      <a:r>
+                        <a:rPr lang="es-ES" dirty="0"/>
+                        <a:t>C</a:t>
+                      </a:r>
+                      <a:endParaRPr lang="es-MX" dirty="0"/>
+                    </a:p>
+                  </a:txBody>
+                  <a:tcPr/>
+                </a:tc>
+                <a:tc>
+                  <a:txBody>
+                    <a:bodyPr/>
+                    <a:lstStyle/>
+                    <a:p>
+                      <a:pPr marL="0" marR="0" lvl="0" indent="0" algn="ctr" defTabSz="914400" rtl="0" eaLnBrk="1" fontAlgn="auto" latinLnBrk="0" hangingPunct="1">
+                        <a:lnSpc>
+                          <a:spcPct val="100000"/>
+                        </a:lnSpc>
+                        <a:spcBef>
+                          <a:spcPts val="0"/>
+                        </a:spcBef>
+                        <a:spcAft>
+                          <a:spcPts val="0"/>
+                        </a:spcAft>
+                        <a:buClrTx/>
+                        <a:buSzTx/>
+                        <a:buFontTx/>
+                        <a:buNone/>
+                        <a:tabLst/>
+                        <a:defRPr/>
+                      </a:pPr>
+                      <a:r>
+                        <a:rPr lang="es-MX" dirty="0"/>
+                        <a:t>A31, B31</a:t>
+                      </a:r>
+                      <a:endParaRPr lang="es-MX" dirty="0">
+                        <a:solidFill>
+                          <a:srgbClr val="FF0000"/>
+                        </a:solidFill>
+                      </a:endParaRPr>
+                    </a:p>
+                  </a:txBody>
+                  <a:tcPr/>
+                </a:tc>
+                <a:tc>
+                  <a:txBody>
+                    <a:bodyPr/>
+                    <a:lstStyle/>
+                    <a:p>
+                      <a:pPr marL="0" marR="0" lvl="0" indent="0" algn="ctr" defTabSz="914400" rtl="0" eaLnBrk="1" fontAlgn="auto" latinLnBrk="0" hangingPunct="1">
+                        <a:lnSpc>
+                          <a:spcPct val="100000"/>
+                        </a:lnSpc>
+                        <a:spcBef>
+                          <a:spcPts val="0"/>
+                        </a:spcBef>
+                        <a:spcAft>
+                          <a:spcPts val="0"/>
+                        </a:spcAft>
+                        <a:buClrTx/>
+                        <a:buSzTx/>
+                        <a:buFontTx/>
+                        <a:buNone/>
+                        <a:tabLst/>
+                        <a:defRPr/>
+                      </a:pPr>
+                      <a:r>
+                        <a:rPr lang="es-MX" dirty="0"/>
+                        <a:t>A32, B32</a:t>
+                      </a:r>
+                      <a:endParaRPr lang="es-MX" dirty="0">
+                        <a:solidFill>
+                          <a:srgbClr val="FF0000"/>
+                        </a:solidFill>
+                      </a:endParaRPr>
+                    </a:p>
+                  </a:txBody>
+                  <a:tcPr/>
+                </a:tc>
+                <a:tc>
+                  <a:txBody>
+                    <a:bodyPr/>
+                    <a:lstStyle/>
+                    <a:p>
+                      <a:pPr marL="0" marR="0" lvl="0" indent="0" algn="ctr" defTabSz="914400" rtl="0" eaLnBrk="1" fontAlgn="auto" latinLnBrk="0" hangingPunct="1">
+                        <a:lnSpc>
+                          <a:spcPct val="100000"/>
+                        </a:lnSpc>
+                        <a:spcBef>
+                          <a:spcPts val="0"/>
+                        </a:spcBef>
+                        <a:spcAft>
+                          <a:spcPts val="0"/>
+                        </a:spcAft>
+                        <a:buClrTx/>
+                        <a:buSzTx/>
+                        <a:buFontTx/>
+                        <a:buNone/>
+                        <a:tabLst/>
+                        <a:defRPr/>
+                      </a:pPr>
+                      <a:r>
+                        <a:rPr lang="es-MX" dirty="0"/>
+                        <a:t>A33, B33</a:t>
+                      </a:r>
+                      <a:endParaRPr lang="es-MX" dirty="0">
+                        <a:solidFill>
+                          <a:srgbClr val="FF0000"/>
+                        </a:solidFill>
+                      </a:endParaRPr>
+                    </a:p>
+                  </a:txBody>
+                  <a:tcPr/>
+                </a:tc>
+                <a:tc>
+                  <a:txBody>
+                    <a:bodyPr/>
+                    <a:lstStyle/>
+                    <a:p>
+                      <a:pPr marL="0" marR="0" lvl="0" indent="0" algn="ctr" defTabSz="914400" rtl="0" eaLnBrk="1" fontAlgn="auto" latinLnBrk="0" hangingPunct="1">
+                        <a:lnSpc>
+                          <a:spcPct val="100000"/>
+                        </a:lnSpc>
+                        <a:spcBef>
+                          <a:spcPts val="0"/>
+                        </a:spcBef>
+                        <a:spcAft>
+                          <a:spcPts val="0"/>
+                        </a:spcAft>
+                        <a:buClrTx/>
+                        <a:buSzTx/>
+                        <a:buFontTx/>
+                        <a:buNone/>
+                        <a:tabLst/>
+                        <a:defRPr/>
+                      </a:pPr>
+                      <a:r>
+                        <a:rPr lang="es-MX" dirty="0"/>
+                        <a:t>A34, B34</a:t>
+                      </a:r>
+                      <a:endParaRPr lang="es-MX" dirty="0">
+                        <a:solidFill>
+                          <a:srgbClr val="FF0000"/>
+                        </a:solidFill>
+                      </a:endParaRPr>
+                    </a:p>
+                  </a:txBody>
+                  <a:tcPr/>
+                </a:tc>
+                <a:extLst>
+                  <a:ext uri="{0D108BD9-81ED-4DB2-BD59-A6C34878D82A}">
+                    <a16:rowId xmlns:a16="http://schemas.microsoft.com/office/drawing/2014/main" val="10004"/>
+                  </a:ext>
+                </a:extLst>
+              </a:tr>
+              <a:tr h="628830">
+                <a:tc>
+                  <a:txBody>
+                    <a:bodyPr/>
+                    <a:lstStyle/>
+                    <a:p>
+                      <a:pPr algn="ctr"/>
+                      <a:r>
+                        <a:rPr lang="es-ES" dirty="0"/>
+                        <a:t>D</a:t>
+                      </a:r>
+                      <a:endParaRPr lang="es-MX" dirty="0"/>
+                    </a:p>
+                  </a:txBody>
+                  <a:tcPr/>
+                </a:tc>
+                <a:tc>
+                  <a:txBody>
+                    <a:bodyPr/>
+                    <a:lstStyle/>
+                    <a:p>
+                      <a:pPr marL="0" marR="0" lvl="0" indent="0" algn="ctr" defTabSz="914400" rtl="0" eaLnBrk="1" fontAlgn="auto" latinLnBrk="0" hangingPunct="1">
+                        <a:lnSpc>
+                          <a:spcPct val="100000"/>
+                        </a:lnSpc>
+                        <a:spcBef>
+                          <a:spcPts val="0"/>
+                        </a:spcBef>
+                        <a:spcAft>
+                          <a:spcPts val="0"/>
+                        </a:spcAft>
+                        <a:buClrTx/>
+                        <a:buSzTx/>
+                        <a:buFontTx/>
+                        <a:buNone/>
+                        <a:tabLst/>
+                        <a:defRPr/>
+                      </a:pPr>
+                      <a:r>
+                        <a:rPr lang="es-MX" dirty="0"/>
+                        <a:t>A41, B41</a:t>
+                      </a:r>
+                      <a:endParaRPr lang="es-MX" dirty="0">
+                        <a:solidFill>
+                          <a:srgbClr val="FF0000"/>
+                        </a:solidFill>
+                      </a:endParaRPr>
+                    </a:p>
+                  </a:txBody>
+                  <a:tcPr/>
+                </a:tc>
+                <a:tc>
+                  <a:txBody>
+                    <a:bodyPr/>
+                    <a:lstStyle/>
+                    <a:p>
+                      <a:pPr marL="0" marR="0" lvl="0" indent="0" algn="ctr" defTabSz="914400" rtl="0" eaLnBrk="1" fontAlgn="auto" latinLnBrk="0" hangingPunct="1">
+                        <a:lnSpc>
+                          <a:spcPct val="100000"/>
+                        </a:lnSpc>
+                        <a:spcBef>
+                          <a:spcPts val="0"/>
+                        </a:spcBef>
+                        <a:spcAft>
+                          <a:spcPts val="0"/>
+                        </a:spcAft>
+                        <a:buClrTx/>
+                        <a:buSzTx/>
+                        <a:buFontTx/>
+                        <a:buNone/>
+                        <a:tabLst/>
+                        <a:defRPr/>
+                      </a:pPr>
+                      <a:r>
+                        <a:rPr lang="es-MX" dirty="0"/>
+                        <a:t>A42, B42</a:t>
+                      </a:r>
+                      <a:endParaRPr lang="es-MX" dirty="0">
+                        <a:solidFill>
+                          <a:srgbClr val="FF0000"/>
+                        </a:solidFill>
+                      </a:endParaRPr>
+                    </a:p>
+                  </a:txBody>
+                  <a:tcPr/>
+                </a:tc>
+                <a:tc>
+                  <a:txBody>
+                    <a:bodyPr/>
+                    <a:lstStyle/>
+                    <a:p>
+                      <a:pPr marL="0" marR="0" lvl="0" indent="0" algn="ctr" defTabSz="914400" rtl="0" eaLnBrk="1" fontAlgn="auto" latinLnBrk="0" hangingPunct="1">
+                        <a:lnSpc>
+                          <a:spcPct val="100000"/>
+                        </a:lnSpc>
+                        <a:spcBef>
+                          <a:spcPts val="0"/>
+                        </a:spcBef>
+                        <a:spcAft>
+                          <a:spcPts val="0"/>
+                        </a:spcAft>
+                        <a:buClrTx/>
+                        <a:buSzTx/>
+                        <a:buFontTx/>
+                        <a:buNone/>
+                        <a:tabLst/>
+                        <a:defRPr/>
+                      </a:pPr>
+                      <a:r>
+                        <a:rPr lang="es-MX" dirty="0"/>
+                        <a:t>A43, B43</a:t>
+                      </a:r>
+                      <a:endParaRPr lang="es-MX" dirty="0">
+                        <a:solidFill>
+                          <a:srgbClr val="FF0000"/>
+                        </a:solidFill>
+                      </a:endParaRPr>
+                    </a:p>
+                  </a:txBody>
+                  <a:tcPr/>
+                </a:tc>
+                <a:tc>
+                  <a:txBody>
+                    <a:bodyPr/>
+                    <a:lstStyle/>
+                    <a:p>
+                      <a:pPr marL="0" marR="0" lvl="0" indent="0" algn="ctr" defTabSz="914400" rtl="0" eaLnBrk="1" fontAlgn="auto" latinLnBrk="0" hangingPunct="1">
+                        <a:lnSpc>
+                          <a:spcPct val="100000"/>
+                        </a:lnSpc>
+                        <a:spcBef>
+                          <a:spcPts val="0"/>
+                        </a:spcBef>
+                        <a:spcAft>
+                          <a:spcPts val="0"/>
+                        </a:spcAft>
+                        <a:buClrTx/>
+                        <a:buSzTx/>
+                        <a:buFontTx/>
+                        <a:buNone/>
+                        <a:tabLst/>
+                        <a:defRPr/>
+                      </a:pPr>
+                      <a:r>
+                        <a:rPr lang="es-MX" dirty="0"/>
+                        <a:t>A44, B44</a:t>
+                      </a:r>
+                      <a:endParaRPr lang="es-MX" dirty="0">
+                        <a:solidFill>
+                          <a:srgbClr val="FF0000"/>
+                        </a:solidFill>
+                      </a:endParaRPr>
+                    </a:p>
+                  </a:txBody>
+                  <a:tcPr/>
+                </a:tc>
+                <a:extLst>
+                  <a:ext uri="{0D108BD9-81ED-4DB2-BD59-A6C34878D82A}">
+                    <a16:rowId xmlns:a16="http://schemas.microsoft.com/office/drawing/2014/main" val="10005"/>
+                  </a:ext>
+                </a:extLst>
+              </a:tr>
+            </a:tbl>
+          </a:graphicData>
+        </a:graphic>
+      </p:graphicFrame>
+    </p:spTree>
+    <p:extLst>
+      <p:ext uri="{BB962C8B-B14F-4D97-AF65-F5344CB8AC3E}">
+        <p14:creationId xmlns:p14="http://schemas.microsoft.com/office/powerpoint/2010/main" val="91905460"/>
+      </p:ext>
+    </p:extLst>
+  </p:cSld>
+  <p:clrMapOvr>
+    <a:masterClrMapping/>
+  </p:clrMapOvr>
+</p:sld>
+</file>
+
+<file path=ppt/slides/slide8.xml><?xml version="1.0" encoding="utf-8"?>
+<p:sld xmlns:a="http://schemas.openxmlformats.org/drawingml/2006/main" xmlns:r="http://schemas.openxmlformats.org/officeDocument/2006/relationships" xmlns:p="http://schemas.openxmlformats.org/presentationml/2006/main">
+  <p:cSld>
+    <p:spTree>
+      <p:nvGrpSpPr>
+        <p:cNvPr id="1" name=""/>
+        <p:cNvGrpSpPr/>
+        <p:nvPr/>
+      </p:nvGrpSpPr>
+      <p:grpSpPr>
+        <a:xfrm>
+          <a:off x="0" y="0"/>
+          <a:ext cx="0" cy="0"/>
+          <a:chOff x="0" y="0"/>
+          <a:chExt cx="0" cy="0"/>
+        </a:xfrm>
+      </p:grpSpPr>
+      <p:pic>
+        <p:nvPicPr>
+          <p:cNvPr id="1026" name="Picture 2" descr="Resultado de imagen para waiting">
+            <a:extLst>
+              <a:ext uri="{FF2B5EF4-FFF2-40B4-BE49-F238E27FC236}">
+                <a16:creationId xmlns:a16="http://schemas.microsoft.com/office/drawing/2014/main" id="{408F10E5-DC2E-462A-9F6B-9A88B12D0E87}"/>
+              </a:ext>
+            </a:extLst>
+          </p:cNvPr>
+          <p:cNvPicPr>
+            <a:picLocks noChangeAspect="1" noChangeArrowheads="1"/>
+          </p:cNvPicPr>
+          <p:nvPr/>
+        </p:nvPicPr>
+        <p:blipFill>
+          <a:blip r:embed="rId2">
+            <a:extLst>
+              <a:ext uri="{28A0092B-C50C-407E-A947-70E740481C1C}">
+                <a14:useLocalDpi xmlns:a14="http://schemas.microsoft.com/office/drawing/2010/main" val="0"/>
+              </a:ext>
+            </a:extLst>
+          </a:blip>
+          <a:srcRect/>
+          <a:stretch>
+            <a:fillRect/>
+          </a:stretch>
+        </p:blipFill>
+        <p:spPr bwMode="auto">
+          <a:xfrm>
+            <a:off x="4657725" y="1828800"/>
+            <a:ext cx="2876550" cy="3200400"/>
+          </a:xfrm>
+          <a:prstGeom prst="rect">
+            <a:avLst/>
+          </a:prstGeom>
+          <a:noFill/>
+          <a:extLst>
+            <a:ext uri="{909E8E84-426E-40DD-AFC4-6F175D3DCCD1}">
+              <a14:hiddenFill xmlns:a14="http://schemas.microsoft.com/office/drawing/2010/main">
+                <a:solidFill>
+                  <a:srgbClr val="FFFFFF"/>
+                </a:solidFill>
+              </a14:hiddenFill>
+            </a:ext>
+          </a:extLst>
+        </p:spPr>
+      </p:pic>
+      <p:sp>
+        <p:nvSpPr>
+          <p:cNvPr id="4" name="CuadroTexto 3">
+            <a:extLst>
+              <a:ext uri="{FF2B5EF4-FFF2-40B4-BE49-F238E27FC236}">
+                <a16:creationId xmlns:a16="http://schemas.microsoft.com/office/drawing/2014/main" id="{0B47AE64-1CC1-442F-86CE-1DEB89D66D25}"/>
+              </a:ext>
+            </a:extLst>
+          </p:cNvPr>
+          <p:cNvSpPr txBox="1"/>
+          <p:nvPr/>
+        </p:nvSpPr>
+        <p:spPr>
+          <a:xfrm>
+            <a:off x="2936383" y="5228823"/>
+            <a:ext cx="6130344" cy="369332"/>
+          </a:xfrm>
+          <a:prstGeom prst="rect">
+            <a:avLst/>
+          </a:prstGeom>
+          <a:noFill/>
+        </p:spPr>
+        <p:txBody>
+          <a:bodyPr wrap="square" rtlCol="0">
+            <a:spAutoFit/>
+          </a:bodyPr>
+          <a:lstStyle/>
+          <a:p>
+            <a:pPr algn="ctr"/>
+            <a:r>
+              <a:rPr lang="es-MX" dirty="0"/>
+              <a:t>Por favor espera mientras tu pareja toma su decisión</a:t>
+            </a:r>
+          </a:p>
+        </p:txBody>
+      </p:sp>
+    </p:spTree>
+    <p:extLst>
+      <p:ext uri="{BB962C8B-B14F-4D97-AF65-F5344CB8AC3E}">
+        <p14:creationId xmlns:p14="http://schemas.microsoft.com/office/powerpoint/2010/main" val="1396772031"/>
+      </p:ext>
+    </p:extLst>
+  </p:cSld>
+  <p:clrMapOvr>
+    <a:masterClrMapping/>
+  </p:clrMapOvr>
+</p:sld>
+</file>
+
+<file path=ppt/slides/slide9.xml><?xml version="1.0" encoding="utf-8"?>
+<p:sld xmlns:a="http://schemas.openxmlformats.org/drawingml/2006/main" xmlns:r="http://schemas.openxmlformats.org/officeDocument/2006/relationships" xmlns:p="http://schemas.openxmlformats.org/presentationml/2006/main">
+  <p:cSld>
+    <p:spTree>
+      <p:nvGrpSpPr>
+        <p:cNvPr id="1" name=""/>
+        <p:cNvGrpSpPr/>
+        <p:nvPr/>
+      </p:nvGrpSpPr>
+      <p:grpSpPr>
+        <a:xfrm>
+          <a:off x="0" y="0"/>
+          <a:ext cx="0" cy="0"/>
+          <a:chOff x="0" y="0"/>
+          <a:chExt cx="0" cy="0"/>
+        </a:xfrm>
+      </p:grpSpPr>
+      <p:sp>
+        <p:nvSpPr>
+          <p:cNvPr id="4" name="CuadroTexto 3">
+            <a:extLst>
+              <a:ext uri="{FF2B5EF4-FFF2-40B4-BE49-F238E27FC236}">
+                <a16:creationId xmlns:a16="http://schemas.microsoft.com/office/drawing/2014/main" id="{E1D377E4-8E63-4C72-94F9-ECB2D9588FCB}"/>
+              </a:ext>
+            </a:extLst>
+          </p:cNvPr>
+          <p:cNvSpPr txBox="1"/>
+          <p:nvPr/>
+        </p:nvSpPr>
+        <p:spPr>
+          <a:xfrm>
+            <a:off x="2408349" y="746975"/>
+            <a:ext cx="7547020" cy="1938992"/>
+          </a:xfrm>
+          <a:prstGeom prst="rect">
+            <a:avLst/>
+          </a:prstGeom>
+          <a:noFill/>
+        </p:spPr>
+        <p:txBody>
+          <a:bodyPr wrap="square" rtlCol="0">
+            <a:spAutoFit/>
+          </a:bodyPr>
+          <a:lstStyle/>
+          <a:p>
+            <a:pPr algn="ctr"/>
+            <a:r>
+              <a:rPr lang="es-MX" sz="6000" dirty="0"/>
+              <a:t>Tu pago fue de “x” puntos</a:t>
+            </a:r>
+          </a:p>
+        </p:txBody>
+      </p:sp>
+      <p:sp>
+        <p:nvSpPr>
+          <p:cNvPr id="5" name="CuadroTexto 4">
+            <a:extLst>
+              <a:ext uri="{FF2B5EF4-FFF2-40B4-BE49-F238E27FC236}">
+                <a16:creationId xmlns:a16="http://schemas.microsoft.com/office/drawing/2014/main" id="{FFDB704F-D457-416B-905D-38C0DF96ADEA}"/>
+              </a:ext>
+            </a:extLst>
+          </p:cNvPr>
+          <p:cNvSpPr txBox="1"/>
+          <p:nvPr/>
+        </p:nvSpPr>
+        <p:spPr>
+          <a:xfrm>
+            <a:off x="2781837" y="6143223"/>
+            <a:ext cx="6387921" cy="369332"/>
+          </a:xfrm>
+          <a:prstGeom prst="rect">
+            <a:avLst/>
+          </a:prstGeom>
+          <a:noFill/>
+        </p:spPr>
+        <p:txBody>
+          <a:bodyPr wrap="square" rtlCol="0">
+            <a:spAutoFit/>
+          </a:bodyPr>
+          <a:lstStyle/>
+          <a:p>
+            <a:pPr algn="ctr"/>
+            <a:r>
+              <a:rPr lang="es-MX" dirty="0">
+                <a:solidFill>
+                  <a:srgbClr val="FF0000"/>
+                </a:solidFill>
+              </a:rPr>
+              <a:t>Dejar activa esta pantalla por 3 segundos</a:t>
+            </a:r>
+          </a:p>
+        </p:txBody>
+      </p:sp>
+      <p:sp>
+        <p:nvSpPr>
+          <p:cNvPr id="6" name="CuadroTexto 5">
+            <a:extLst>
+              <a:ext uri="{FF2B5EF4-FFF2-40B4-BE49-F238E27FC236}">
+                <a16:creationId xmlns:a16="http://schemas.microsoft.com/office/drawing/2014/main" id="{0D09108B-9797-45DC-BF3E-F9ADECC2ABB6}"/>
+              </a:ext>
+            </a:extLst>
+          </p:cNvPr>
+          <p:cNvSpPr txBox="1"/>
+          <p:nvPr/>
+        </p:nvSpPr>
+        <p:spPr>
+          <a:xfrm>
+            <a:off x="2419080" y="3462275"/>
+            <a:ext cx="7547020" cy="1938992"/>
+          </a:xfrm>
+          <a:prstGeom prst="rect">
+            <a:avLst/>
+          </a:prstGeom>
+          <a:noFill/>
+        </p:spPr>
+        <p:txBody>
+          <a:bodyPr wrap="square" rtlCol="0">
+            <a:spAutoFit/>
+          </a:bodyPr>
+          <a:lstStyle/>
+          <a:p>
+            <a:pPr algn="ctr"/>
+            <a:r>
+              <a:rPr lang="es-MX" sz="6000" dirty="0"/>
+              <a:t>El pago de tu pareja fue de “y” puntos</a:t>
+            </a:r>
+          </a:p>
+        </p:txBody>
+      </p:sp>
+    </p:spTree>
+    <p:extLst>
+      <p:ext uri="{BB962C8B-B14F-4D97-AF65-F5344CB8AC3E}">
+        <p14:creationId xmlns:p14="http://schemas.microsoft.com/office/powerpoint/2010/main" val="2404429118"/>
+      </p:ext>
+    </p:extLst>
   </p:cSld>
   <p:clrMapOvr>
     <a:masterClrMapping/>
@@ -5142,7 +9834,7 @@
   <a:extraClrSchemeLst/>
   <a:extLst>
     <a:ext uri="{05A4C25C-085E-4340-85A3-A5531E510DB2}">
-      <thm15:themeFamily xmlns:thm15="http://schemas.microsoft.com/office/thememl/2012/main" xmlns="" name="Office Theme" id="{62F939B6-93AF-4DB8-9C6B-D6C7DFDC589F}" vid="{4A3C46E8-61CC-4603-A589-7422A47A8E4A}"/>
+      <thm15:themeFamily xmlns:thm15="http://schemas.microsoft.com/office/thememl/2012/main" name="Office Theme" id="{62F939B6-93AF-4DB8-9C6B-D6C7DFDC589F}" vid="{4A3C46E8-61CC-4603-A589-7422A47A8E4A}"/>
     </a:ext>
   </a:extLst>
 </a:theme>
